--- a/Deep Learning-7.1-7.5.pptx
+++ b/Deep Learning-7.1-7.5.pptx
@@ -14,7 +14,8 @@
     <p:sldId id="267" r:id="rId8"/>
     <p:sldId id="268" r:id="rId9"/>
     <p:sldId id="269" r:id="rId10"/>
-    <p:sldId id="258" r:id="rId11"/>
+    <p:sldId id="270" r:id="rId11"/>
+    <p:sldId id="258" r:id="rId12"/>
   </p:sldIdLst>
   <p:sldSz cx="9144000" cy="6858000" type="screen4x3"/>
   <p:notesSz cx="6858000" cy="9144000"/>
@@ -400,7 +401,7 @@
           <a:p>
             <a:fld id="{DE31F557-D3ED-A448-92B8-EF89F27D4FAD}" type="datetimeFigureOut">
               <a:rPr kumimoji="1" lang="zh-CN" altLang="en-US" smtClean="0"/>
-              <a:t>2020/12/3</a:t>
+              <a:t>2020/12/4</a:t>
             </a:fld>
             <a:endParaRPr kumimoji="1" lang="zh-CN" altLang="en-US"/>
           </a:p>
@@ -634,7 +635,7 @@
           <a:p>
             <a:fld id="{DE31F557-D3ED-A448-92B8-EF89F27D4FAD}" type="datetimeFigureOut">
               <a:rPr kumimoji="1" lang="zh-CN" altLang="en-US" smtClean="0"/>
-              <a:t>2020/12/3</a:t>
+              <a:t>2020/12/4</a:t>
             </a:fld>
             <a:endParaRPr kumimoji="1" lang="zh-CN" altLang="en-US"/>
           </a:p>
@@ -930,7 +931,7 @@
           <a:p>
             <a:fld id="{DE31F557-D3ED-A448-92B8-EF89F27D4FAD}" type="datetimeFigureOut">
               <a:rPr kumimoji="1" lang="zh-CN" altLang="en-US" smtClean="0"/>
-              <a:t>2020/12/3</a:t>
+              <a:t>2020/12/4</a:t>
             </a:fld>
             <a:endParaRPr kumimoji="1" lang="zh-CN" altLang="en-US"/>
           </a:p>
@@ -1109,7 +1110,7 @@
           <a:p>
             <a:fld id="{DE31F557-D3ED-A448-92B8-EF89F27D4FAD}" type="datetimeFigureOut">
               <a:rPr kumimoji="1" lang="zh-CN" altLang="en-US" smtClean="0"/>
-              <a:t>2020/12/3</a:t>
+              <a:t>2020/12/4</a:t>
             </a:fld>
             <a:endParaRPr kumimoji="1" lang="zh-CN" altLang="en-US"/>
           </a:p>
@@ -1220,7 +1221,7 @@
           <a:p>
             <a:fld id="{DE31F557-D3ED-A448-92B8-EF89F27D4FAD}" type="datetimeFigureOut">
               <a:rPr kumimoji="1" lang="zh-CN" altLang="en-US" smtClean="0"/>
-              <a:t>2020/12/3</a:t>
+              <a:t>2020/12/4</a:t>
             </a:fld>
             <a:endParaRPr kumimoji="1" lang="zh-CN" altLang="en-US"/>
           </a:p>
@@ -1431,7 +1432,7 @@
           <a:p>
             <a:fld id="{DE31F557-D3ED-A448-92B8-EF89F27D4FAD}" type="datetimeFigureOut">
               <a:rPr kumimoji="1" lang="zh-CN" altLang="en-US" smtClean="0"/>
-              <a:t>2020/12/3</a:t>
+              <a:t>2020/12/4</a:t>
             </a:fld>
             <a:endParaRPr kumimoji="1" lang="zh-CN" altLang="en-US"/>
           </a:p>
@@ -1733,7 +1734,7 @@
           <a:p>
             <a:fld id="{DE31F557-D3ED-A448-92B8-EF89F27D4FAD}" type="datetimeFigureOut">
               <a:rPr kumimoji="1" lang="zh-CN" altLang="en-US" smtClean="0"/>
-              <a:t>2020/12/3</a:t>
+              <a:t>2020/12/4</a:t>
             </a:fld>
             <a:endParaRPr kumimoji="1" lang="zh-CN" altLang="en-US"/>
           </a:p>
@@ -2085,7 +2086,7 @@
           <a:p>
             <a:fld id="{DE31F557-D3ED-A448-92B8-EF89F27D4FAD}" type="datetimeFigureOut">
               <a:rPr kumimoji="1" lang="zh-CN" altLang="en-US" smtClean="0"/>
-              <a:t>2020/12/3</a:t>
+              <a:t>2020/12/4</a:t>
             </a:fld>
             <a:endParaRPr kumimoji="1" lang="zh-CN" altLang="en-US"/>
           </a:p>
@@ -2377,7 +2378,7 @@
           <a:p>
             <a:fld id="{DE31F557-D3ED-A448-92B8-EF89F27D4FAD}" type="datetimeFigureOut">
               <a:rPr kumimoji="1" lang="zh-CN" altLang="en-US" smtClean="0"/>
-              <a:t>2020/12/3</a:t>
+              <a:t>2020/12/4</a:t>
             </a:fld>
             <a:endParaRPr kumimoji="1" lang="zh-CN" altLang="en-US"/>
           </a:p>
@@ -2809,7 +2810,7 @@
           <a:p>
             <a:fld id="{DE31F557-D3ED-A448-92B8-EF89F27D4FAD}" type="datetimeFigureOut">
               <a:rPr kumimoji="1" lang="zh-CN" altLang="en-US" smtClean="0"/>
-              <a:t>2020/12/3</a:t>
+              <a:t>2020/12/4</a:t>
             </a:fld>
             <a:endParaRPr kumimoji="1" lang="zh-CN" altLang="en-US"/>
           </a:p>
@@ -2992,7 +2993,7 @@
           <a:p>
             <a:fld id="{DE31F557-D3ED-A448-92B8-EF89F27D4FAD}" type="datetimeFigureOut">
               <a:rPr kumimoji="1" lang="zh-CN" altLang="en-US" smtClean="0"/>
-              <a:t>2020/12/3</a:t>
+              <a:t>2020/12/4</a:t>
             </a:fld>
             <a:endParaRPr kumimoji="1" lang="zh-CN" altLang="en-US"/>
           </a:p>
@@ -3082,7 +3083,7 @@
           <a:p>
             <a:fld id="{DE31F557-D3ED-A448-92B8-EF89F27D4FAD}" type="datetimeFigureOut">
               <a:rPr kumimoji="1" lang="zh-CN" altLang="en-US" smtClean="0"/>
-              <a:t>2020/12/3</a:t>
+              <a:t>2020/12/4</a:t>
             </a:fld>
             <a:endParaRPr kumimoji="1" lang="zh-CN" altLang="en-US"/>
           </a:p>
@@ -3361,7 +3362,7 @@
           <a:p>
             <a:fld id="{DE31F557-D3ED-A448-92B8-EF89F27D4FAD}" type="datetimeFigureOut">
               <a:rPr kumimoji="1" lang="zh-CN" altLang="en-US" smtClean="0"/>
-              <a:t>2020/12/3</a:t>
+              <a:t>2020/12/4</a:t>
             </a:fld>
             <a:endParaRPr kumimoji="1" lang="zh-CN" altLang="en-US"/>
           </a:p>
@@ -3600,7 +3601,7 @@
           <a:p>
             <a:fld id="{DE31F557-D3ED-A448-92B8-EF89F27D4FAD}" type="datetimeFigureOut">
               <a:rPr kumimoji="1" lang="zh-CN" altLang="en-US" smtClean="0"/>
-              <a:t>2020/12/3</a:t>
+              <a:t>2020/12/4</a:t>
             </a:fld>
             <a:endParaRPr kumimoji="1" lang="zh-CN" altLang="en-US"/>
           </a:p>
@@ -4322,6 +4323,3043 @@
           <a:chExt cx="0" cy="0"/>
         </a:xfrm>
       </p:grpSpPr>
+      <mc:AlternateContent xmlns:mc="http://schemas.openxmlformats.org/markup-compatibility/2006">
+        <mc:Choice xmlns:a14="http://schemas.microsoft.com/office/drawing/2010/main" Requires="a14">
+          <p:sp>
+            <p:nvSpPr>
+              <p:cNvPr id="5" name="内容占位符 4"/>
+              <p:cNvSpPr>
+                <a:spLocks noGrp="1"/>
+              </p:cNvSpPr>
+              <p:nvPr>
+                <p:ph idx="1"/>
+              </p:nvPr>
+            </p:nvSpPr>
+            <p:spPr>
+              <a:xfrm>
+                <a:off x="473364" y="1409350"/>
+                <a:ext cx="8301181" cy="4928534"/>
+              </a:xfrm>
+            </p:spPr>
+            <p:txBody>
+              <a:bodyPr>
+                <a:normAutofit/>
+              </a:bodyPr>
+              <a:lstStyle/>
+              <a:p>
+                <a:pPr marL="0" indent="0" algn="ctr">
+                  <a:buNone/>
+                </a:pPr>
+                <a14:m>
+                  <m:oMathPara xmlns:m="http://schemas.openxmlformats.org/officeDocument/2006/math">
+                    <m:oMathParaPr>
+                      <m:jc m:val="centerGroup"/>
+                    </m:oMathParaPr>
+                    <m:oMath xmlns:m="http://schemas.openxmlformats.org/officeDocument/2006/math">
+                      <m:acc>
+                        <m:accPr>
+                          <m:chr m:val="̂"/>
+                          <m:ctrlPr>
+                            <a:rPr kumimoji="1" lang="en-US" altLang="zh-CN" sz="1600" i="1" smtClean="0">
+                              <a:solidFill>
+                                <a:schemeClr val="tx1"/>
+                              </a:solidFill>
+                              <a:latin typeface="Cambria Math" panose="02040503050406030204" pitchFamily="18" charset="0"/>
+                            </a:rPr>
+                          </m:ctrlPr>
+                        </m:accPr>
+                        <m:e>
+                          <m:r>
+                            <a:rPr kumimoji="1" lang="en-US" altLang="zh-CN" sz="1600" i="1">
+                              <a:solidFill>
+                                <a:schemeClr val="tx1"/>
+                              </a:solidFill>
+                              <a:latin typeface="Cambria Math" panose="02040503050406030204" pitchFamily="18" charset="0"/>
+                            </a:rPr>
+                            <m:t>𝐽</m:t>
+                          </m:r>
+                        </m:e>
+                      </m:acc>
+                      <m:d>
+                        <m:dPr>
+                          <m:ctrlPr>
+                            <a:rPr kumimoji="1" lang="en-US" altLang="zh-CN" sz="1600" b="1" i="1">
+                              <a:solidFill>
+                                <a:schemeClr val="tx1"/>
+                              </a:solidFill>
+                              <a:latin typeface="Cambria Math" panose="02040503050406030204" pitchFamily="18" charset="0"/>
+                            </a:rPr>
+                          </m:ctrlPr>
+                        </m:dPr>
+                        <m:e>
+                          <m:r>
+                            <a:rPr kumimoji="1" lang="en-US" altLang="zh-CN" sz="1600" b="1" i="1" smtClean="0">
+                              <a:solidFill>
+                                <a:schemeClr val="tx1"/>
+                              </a:solidFill>
+                              <a:latin typeface="Cambria Math" panose="02040503050406030204" pitchFamily="18" charset="0"/>
+                            </a:rPr>
+                            <m:t>𝒘</m:t>
+                          </m:r>
+                          <m:r>
+                            <a:rPr kumimoji="1" lang="en-US" altLang="zh-CN" sz="1600" b="1" i="1" smtClean="0">
+                              <a:solidFill>
+                                <a:schemeClr val="tx1"/>
+                              </a:solidFill>
+                              <a:latin typeface="Cambria Math" panose="02040503050406030204" pitchFamily="18" charset="0"/>
+                            </a:rPr>
+                            <m:t>;</m:t>
+                          </m:r>
+                          <m:r>
+                            <a:rPr kumimoji="1" lang="en-US" altLang="zh-CN" sz="1600" b="1" i="1" smtClean="0">
+                              <a:solidFill>
+                                <a:schemeClr val="tx1"/>
+                              </a:solidFill>
+                              <a:latin typeface="Cambria Math" panose="02040503050406030204" pitchFamily="18" charset="0"/>
+                            </a:rPr>
+                            <m:t>𝑿</m:t>
+                          </m:r>
+                          <m:r>
+                            <a:rPr kumimoji="1" lang="en-US" altLang="zh-CN" sz="1600" b="1" i="1" smtClean="0">
+                              <a:solidFill>
+                                <a:schemeClr val="tx1"/>
+                              </a:solidFill>
+                              <a:latin typeface="Cambria Math" panose="02040503050406030204" pitchFamily="18" charset="0"/>
+                            </a:rPr>
+                            <m:t>,</m:t>
+                          </m:r>
+                          <m:r>
+                            <a:rPr kumimoji="1" lang="en-US" altLang="zh-CN" sz="1600" b="1" i="1" smtClean="0">
+                              <a:solidFill>
+                                <a:schemeClr val="tx1"/>
+                              </a:solidFill>
+                              <a:latin typeface="Cambria Math" panose="02040503050406030204" pitchFamily="18" charset="0"/>
+                            </a:rPr>
+                            <m:t>𝒚</m:t>
+                          </m:r>
+                        </m:e>
+                      </m:d>
+                      <m:r>
+                        <a:rPr kumimoji="1" lang="en-US" altLang="zh-CN" sz="1600" i="1">
+                          <a:solidFill>
+                            <a:schemeClr val="tx1"/>
+                          </a:solidFill>
+                          <a:latin typeface="Cambria Math" panose="02040503050406030204" pitchFamily="18" charset="0"/>
+                        </a:rPr>
+                        <m:t>=</m:t>
+                      </m:r>
+                      <m:r>
+                        <a:rPr kumimoji="1" lang="en-US" altLang="zh-CN" sz="1600" i="1">
+                          <a:solidFill>
+                            <a:schemeClr val="tx1"/>
+                          </a:solidFill>
+                          <a:latin typeface="Cambria Math" panose="02040503050406030204" pitchFamily="18" charset="0"/>
+                        </a:rPr>
+                        <m:t>𝐽</m:t>
+                      </m:r>
+                      <m:d>
+                        <m:dPr>
+                          <m:ctrlPr>
+                            <a:rPr kumimoji="1" lang="en-US" altLang="zh-CN" sz="1600" i="1">
+                              <a:solidFill>
+                                <a:schemeClr val="tx1"/>
+                              </a:solidFill>
+                              <a:latin typeface="Cambria Math" panose="02040503050406030204" pitchFamily="18" charset="0"/>
+                            </a:rPr>
+                          </m:ctrlPr>
+                        </m:dPr>
+                        <m:e>
+                          <m:sSup>
+                            <m:sSupPr>
+                              <m:ctrlPr>
+                                <a:rPr kumimoji="1" lang="en-US" altLang="zh-CN" sz="1600" i="1">
+                                  <a:solidFill>
+                                    <a:schemeClr val="tx1"/>
+                                  </a:solidFill>
+                                  <a:latin typeface="Cambria Math" panose="02040503050406030204" pitchFamily="18" charset="0"/>
+                                </a:rPr>
+                              </m:ctrlPr>
+                            </m:sSupPr>
+                            <m:e>
+                              <m:r>
+                                <a:rPr kumimoji="1" lang="en-US" altLang="zh-CN" sz="1600" b="1" i="1">
+                                  <a:solidFill>
+                                    <a:schemeClr val="tx1"/>
+                                  </a:solidFill>
+                                  <a:latin typeface="Cambria Math" panose="02040503050406030204" pitchFamily="18" charset="0"/>
+                                </a:rPr>
+                                <m:t>𝒘</m:t>
+                              </m:r>
+                            </m:e>
+                            <m:sup>
+                              <m:r>
+                                <a:rPr kumimoji="1" lang="en-US" altLang="zh-CN" sz="1600" i="1">
+                                  <a:solidFill>
+                                    <a:schemeClr val="tx1"/>
+                                  </a:solidFill>
+                                  <a:latin typeface="Cambria Math" panose="02040503050406030204" pitchFamily="18" charset="0"/>
+                                </a:rPr>
+                                <m:t>∗</m:t>
+                              </m:r>
+                            </m:sup>
+                          </m:sSup>
+                          <m:r>
+                            <a:rPr kumimoji="1" lang="en-US" altLang="zh-CN" sz="1600" i="1">
+                              <a:solidFill>
+                                <a:schemeClr val="tx1"/>
+                              </a:solidFill>
+                              <a:latin typeface="Cambria Math" panose="02040503050406030204" pitchFamily="18" charset="0"/>
+                            </a:rPr>
+                            <m:t>;</m:t>
+                          </m:r>
+                          <m:r>
+                            <a:rPr kumimoji="1" lang="en-US" altLang="zh-CN" sz="1600" i="1">
+                              <a:solidFill>
+                                <a:schemeClr val="tx1"/>
+                              </a:solidFill>
+                              <a:latin typeface="Cambria Math" panose="02040503050406030204" pitchFamily="18" charset="0"/>
+                            </a:rPr>
+                            <m:t>𝑋</m:t>
+                          </m:r>
+                          <m:r>
+                            <a:rPr kumimoji="1" lang="en-US" altLang="zh-CN" sz="1600" i="1">
+                              <a:solidFill>
+                                <a:schemeClr val="tx1"/>
+                              </a:solidFill>
+                              <a:latin typeface="Cambria Math" panose="02040503050406030204" pitchFamily="18" charset="0"/>
+                            </a:rPr>
+                            <m:t>,</m:t>
+                          </m:r>
+                          <m:r>
+                            <a:rPr kumimoji="1" lang="en-US" altLang="zh-CN" sz="1600" i="1">
+                              <a:solidFill>
+                                <a:schemeClr val="tx1"/>
+                              </a:solidFill>
+                              <a:latin typeface="Cambria Math" panose="02040503050406030204" pitchFamily="18" charset="0"/>
+                            </a:rPr>
+                            <m:t>𝑦</m:t>
+                          </m:r>
+                        </m:e>
+                      </m:d>
+                      <m:r>
+                        <a:rPr kumimoji="1" lang="en-US" altLang="zh-CN" sz="1600" i="1">
+                          <a:solidFill>
+                            <a:schemeClr val="tx1"/>
+                          </a:solidFill>
+                          <a:latin typeface="Cambria Math" panose="02040503050406030204" pitchFamily="18" charset="0"/>
+                        </a:rPr>
+                        <m:t>+</m:t>
+                      </m:r>
+                      <m:nary>
+                        <m:naryPr>
+                          <m:chr m:val="∑"/>
+                          <m:supHide m:val="on"/>
+                          <m:ctrlPr>
+                            <a:rPr kumimoji="1" lang="en-US" altLang="zh-CN" sz="1600" i="1">
+                              <a:solidFill>
+                                <a:schemeClr val="tx1"/>
+                              </a:solidFill>
+                              <a:latin typeface="Cambria Math" panose="02040503050406030204" pitchFamily="18" charset="0"/>
+                            </a:rPr>
+                          </m:ctrlPr>
+                        </m:naryPr>
+                        <m:sub>
+                          <m:r>
+                            <a:rPr kumimoji="1" lang="en-US" altLang="zh-CN" sz="1600" i="1">
+                              <a:solidFill>
+                                <a:schemeClr val="tx1"/>
+                              </a:solidFill>
+                              <a:latin typeface="Cambria Math" panose="02040503050406030204" pitchFamily="18" charset="0"/>
+                            </a:rPr>
+                            <m:t>𝑖</m:t>
+                          </m:r>
+                        </m:sub>
+                        <m:sup/>
+                        <m:e>
+                          <m:r>
+                            <a:rPr kumimoji="1" lang="en-US" altLang="zh-CN" sz="1600" b="0" i="1" smtClean="0">
+                              <a:solidFill>
+                                <a:schemeClr val="tx1"/>
+                              </a:solidFill>
+                              <a:latin typeface="Cambria Math" panose="02040503050406030204" pitchFamily="18" charset="0"/>
+                            </a:rPr>
+                            <m:t>[</m:t>
+                          </m:r>
+                          <m:f>
+                            <m:fPr>
+                              <m:ctrlPr>
+                                <a:rPr kumimoji="1" lang="en-US" altLang="zh-CN" sz="1600" i="1">
+                                  <a:solidFill>
+                                    <a:schemeClr val="tx1"/>
+                                  </a:solidFill>
+                                  <a:latin typeface="Cambria Math" panose="02040503050406030204" pitchFamily="18" charset="0"/>
+                                </a:rPr>
+                              </m:ctrlPr>
+                            </m:fPr>
+                            <m:num>
+                              <m:r>
+                                <a:rPr kumimoji="1" lang="en-US" altLang="zh-CN" sz="1600" i="1">
+                                  <a:solidFill>
+                                    <a:schemeClr val="tx1"/>
+                                  </a:solidFill>
+                                  <a:latin typeface="Cambria Math" panose="02040503050406030204" pitchFamily="18" charset="0"/>
+                                </a:rPr>
+                                <m:t>1</m:t>
+                              </m:r>
+                            </m:num>
+                            <m:den>
+                              <m:r>
+                                <a:rPr kumimoji="1" lang="en-US" altLang="zh-CN" sz="1600" i="1">
+                                  <a:solidFill>
+                                    <a:schemeClr val="tx1"/>
+                                  </a:solidFill>
+                                  <a:latin typeface="Cambria Math" panose="02040503050406030204" pitchFamily="18" charset="0"/>
+                                </a:rPr>
+                                <m:t>2</m:t>
+                              </m:r>
+                            </m:den>
+                          </m:f>
+                          <m:sSub>
+                            <m:sSubPr>
+                              <m:ctrlPr>
+                                <a:rPr kumimoji="1" lang="en-US" altLang="zh-CN" sz="1600" i="1">
+                                  <a:solidFill>
+                                    <a:schemeClr val="tx1"/>
+                                  </a:solidFill>
+                                  <a:latin typeface="Cambria Math" panose="02040503050406030204" pitchFamily="18" charset="0"/>
+                                </a:rPr>
+                              </m:ctrlPr>
+                            </m:sSubPr>
+                            <m:e>
+                              <m:r>
+                                <a:rPr kumimoji="1" lang="en-US" altLang="zh-CN" sz="1600" i="1">
+                                  <a:solidFill>
+                                    <a:schemeClr val="tx1"/>
+                                  </a:solidFill>
+                                  <a:latin typeface="Cambria Math" panose="02040503050406030204" pitchFamily="18" charset="0"/>
+                                </a:rPr>
+                                <m:t>𝐻</m:t>
+                              </m:r>
+                            </m:e>
+                            <m:sub>
+                              <m:r>
+                                <a:rPr kumimoji="1" lang="en-US" altLang="zh-CN" sz="1600" i="1">
+                                  <a:solidFill>
+                                    <a:schemeClr val="tx1"/>
+                                  </a:solidFill>
+                                  <a:latin typeface="Cambria Math" panose="02040503050406030204" pitchFamily="18" charset="0"/>
+                                </a:rPr>
+                                <m:t>𝑖</m:t>
+                              </m:r>
+                              <m:r>
+                                <a:rPr kumimoji="1" lang="en-US" altLang="zh-CN" sz="1600" i="1">
+                                  <a:solidFill>
+                                    <a:schemeClr val="tx1"/>
+                                  </a:solidFill>
+                                  <a:latin typeface="Cambria Math" panose="02040503050406030204" pitchFamily="18" charset="0"/>
+                                </a:rPr>
+                                <m:t>,</m:t>
+                              </m:r>
+                              <m:r>
+                                <a:rPr kumimoji="1" lang="en-US" altLang="zh-CN" sz="1600" i="1">
+                                  <a:solidFill>
+                                    <a:schemeClr val="tx1"/>
+                                  </a:solidFill>
+                                  <a:latin typeface="Cambria Math" panose="02040503050406030204" pitchFamily="18" charset="0"/>
+                                </a:rPr>
+                                <m:t>𝑖</m:t>
+                              </m:r>
+                            </m:sub>
+                          </m:sSub>
+                          <m:sSup>
+                            <m:sSupPr>
+                              <m:ctrlPr>
+                                <a:rPr kumimoji="1" lang="en-US" altLang="zh-CN" sz="1600" i="1">
+                                  <a:solidFill>
+                                    <a:schemeClr val="tx1"/>
+                                  </a:solidFill>
+                                  <a:latin typeface="Cambria Math" panose="02040503050406030204" pitchFamily="18" charset="0"/>
+                                </a:rPr>
+                              </m:ctrlPr>
+                            </m:sSupPr>
+                            <m:e>
+                              <m:d>
+                                <m:dPr>
+                                  <m:ctrlPr>
+                                    <a:rPr kumimoji="1" lang="en-US" altLang="zh-CN" sz="1600" i="1">
+                                      <a:solidFill>
+                                        <a:schemeClr val="tx1"/>
+                                      </a:solidFill>
+                                      <a:latin typeface="Cambria Math" panose="02040503050406030204" pitchFamily="18" charset="0"/>
+                                    </a:rPr>
+                                  </m:ctrlPr>
+                                </m:dPr>
+                                <m:e>
+                                  <m:sSub>
+                                    <m:sSubPr>
+                                      <m:ctrlPr>
+                                        <a:rPr kumimoji="1" lang="en-US" altLang="zh-CN" sz="1600" i="1">
+                                          <a:solidFill>
+                                            <a:schemeClr val="tx1"/>
+                                          </a:solidFill>
+                                          <a:latin typeface="Cambria Math" panose="02040503050406030204" pitchFamily="18" charset="0"/>
+                                        </a:rPr>
+                                      </m:ctrlPr>
+                                    </m:sSubPr>
+                                    <m:e>
+                                      <m:r>
+                                        <a:rPr kumimoji="1" lang="en-US" altLang="zh-CN" sz="1600" i="1">
+                                          <a:solidFill>
+                                            <a:schemeClr val="tx1"/>
+                                          </a:solidFill>
+                                          <a:latin typeface="Cambria Math" panose="02040503050406030204" pitchFamily="18" charset="0"/>
+                                        </a:rPr>
+                                        <m:t>𝑤</m:t>
+                                      </m:r>
+                                    </m:e>
+                                    <m:sub>
+                                      <m:r>
+                                        <a:rPr kumimoji="1" lang="en-US" altLang="zh-CN" sz="1600" i="1">
+                                          <a:solidFill>
+                                            <a:schemeClr val="tx1"/>
+                                          </a:solidFill>
+                                          <a:latin typeface="Cambria Math" panose="02040503050406030204" pitchFamily="18" charset="0"/>
+                                        </a:rPr>
+                                        <m:t>𝑖</m:t>
+                                      </m:r>
+                                    </m:sub>
+                                  </m:sSub>
+                                  <m:r>
+                                    <a:rPr kumimoji="1" lang="en-US" altLang="zh-CN" sz="1600" i="1">
+                                      <a:solidFill>
+                                        <a:schemeClr val="tx1"/>
+                                      </a:solidFill>
+                                      <a:latin typeface="Cambria Math" panose="02040503050406030204" pitchFamily="18" charset="0"/>
+                                    </a:rPr>
+                                    <m:t>−</m:t>
+                                  </m:r>
+                                  <m:sSubSup>
+                                    <m:sSubSupPr>
+                                      <m:ctrlPr>
+                                        <a:rPr kumimoji="1" lang="en-US" altLang="zh-CN" sz="1600" i="1">
+                                          <a:solidFill>
+                                            <a:schemeClr val="tx1"/>
+                                          </a:solidFill>
+                                          <a:latin typeface="Cambria Math" panose="02040503050406030204" pitchFamily="18" charset="0"/>
+                                        </a:rPr>
+                                      </m:ctrlPr>
+                                    </m:sSubSupPr>
+                                    <m:e>
+                                      <m:r>
+                                        <a:rPr kumimoji="1" lang="en-US" altLang="zh-CN" sz="1600" i="1">
+                                          <a:solidFill>
+                                            <a:schemeClr val="tx1"/>
+                                          </a:solidFill>
+                                          <a:latin typeface="Cambria Math" panose="02040503050406030204" pitchFamily="18" charset="0"/>
+                                        </a:rPr>
+                                        <m:t>𝑤</m:t>
+                                      </m:r>
+                                    </m:e>
+                                    <m:sub>
+                                      <m:r>
+                                        <a:rPr kumimoji="1" lang="en-US" altLang="zh-CN" sz="1600" i="1">
+                                          <a:solidFill>
+                                            <a:schemeClr val="tx1"/>
+                                          </a:solidFill>
+                                          <a:latin typeface="Cambria Math" panose="02040503050406030204" pitchFamily="18" charset="0"/>
+                                        </a:rPr>
+                                        <m:t>𝑖</m:t>
+                                      </m:r>
+                                    </m:sub>
+                                    <m:sup>
+                                      <m:r>
+                                        <a:rPr kumimoji="1" lang="en-US" altLang="zh-CN" sz="1600" i="1">
+                                          <a:solidFill>
+                                            <a:schemeClr val="tx1"/>
+                                          </a:solidFill>
+                                          <a:latin typeface="Cambria Math" panose="02040503050406030204" pitchFamily="18" charset="0"/>
+                                        </a:rPr>
+                                        <m:t>∗</m:t>
+                                      </m:r>
+                                    </m:sup>
+                                  </m:sSubSup>
+                                </m:e>
+                              </m:d>
+                            </m:e>
+                            <m:sup>
+                              <m:r>
+                                <a:rPr kumimoji="1" lang="en-US" altLang="zh-CN" sz="1600" i="1">
+                                  <a:solidFill>
+                                    <a:schemeClr val="tx1"/>
+                                  </a:solidFill>
+                                  <a:latin typeface="Cambria Math" panose="02040503050406030204" pitchFamily="18" charset="0"/>
+                                </a:rPr>
+                                <m:t>2</m:t>
+                              </m:r>
+                            </m:sup>
+                          </m:sSup>
+                          <m:r>
+                            <a:rPr kumimoji="1" lang="en-US" altLang="zh-CN" sz="1600" i="1">
+                              <a:solidFill>
+                                <a:schemeClr val="tx1"/>
+                              </a:solidFill>
+                              <a:latin typeface="Cambria Math" panose="02040503050406030204" pitchFamily="18" charset="0"/>
+                            </a:rPr>
+                            <m:t>+</m:t>
+                          </m:r>
+                          <m:r>
+                            <a:rPr kumimoji="1" lang="en-US" altLang="zh-CN" sz="1600" i="1">
+                              <a:solidFill>
+                                <a:schemeClr val="tx1"/>
+                              </a:solidFill>
+                              <a:latin typeface="Cambria Math" panose="02040503050406030204" pitchFamily="18" charset="0"/>
+                            </a:rPr>
+                            <m:t>𝛼</m:t>
+                          </m:r>
+                          <m:r>
+                            <a:rPr kumimoji="1" lang="en-US" altLang="zh-CN" sz="1600" i="1">
+                              <a:solidFill>
+                                <a:schemeClr val="tx1"/>
+                              </a:solidFill>
+                              <a:latin typeface="Cambria Math" panose="02040503050406030204" pitchFamily="18" charset="0"/>
+                            </a:rPr>
+                            <m:t>|</m:t>
+                          </m:r>
+                          <m:sSub>
+                            <m:sSubPr>
+                              <m:ctrlPr>
+                                <a:rPr kumimoji="1" lang="en-US" altLang="zh-CN" sz="1600" i="1">
+                                  <a:solidFill>
+                                    <a:schemeClr val="tx1"/>
+                                  </a:solidFill>
+                                  <a:latin typeface="Cambria Math" panose="02040503050406030204" pitchFamily="18" charset="0"/>
+                                </a:rPr>
+                              </m:ctrlPr>
+                            </m:sSubPr>
+                            <m:e>
+                              <m:r>
+                                <a:rPr kumimoji="1" lang="en-US" altLang="zh-CN" sz="1600" i="1">
+                                  <a:solidFill>
+                                    <a:schemeClr val="tx1"/>
+                                  </a:solidFill>
+                                  <a:latin typeface="Cambria Math" panose="02040503050406030204" pitchFamily="18" charset="0"/>
+                                </a:rPr>
+                                <m:t>𝑤</m:t>
+                              </m:r>
+                            </m:e>
+                            <m:sub>
+                              <m:r>
+                                <a:rPr kumimoji="1" lang="en-US" altLang="zh-CN" sz="1600" i="1">
+                                  <a:solidFill>
+                                    <a:schemeClr val="tx1"/>
+                                  </a:solidFill>
+                                  <a:latin typeface="Cambria Math" panose="02040503050406030204" pitchFamily="18" charset="0"/>
+                                </a:rPr>
+                                <m:t>𝑖</m:t>
+                              </m:r>
+                            </m:sub>
+                          </m:sSub>
+                          <m:r>
+                            <a:rPr kumimoji="1" lang="en-US" altLang="zh-CN" sz="1600" i="1">
+                              <a:solidFill>
+                                <a:schemeClr val="tx1"/>
+                              </a:solidFill>
+                              <a:latin typeface="Cambria Math" panose="02040503050406030204" pitchFamily="18" charset="0"/>
+                            </a:rPr>
+                            <m:t>|]</m:t>
+                          </m:r>
+                        </m:e>
+                      </m:nary>
+                    </m:oMath>
+                  </m:oMathPara>
+                </a14:m>
+                <a:endParaRPr kumimoji="1" lang="en-US" altLang="zh-CN" sz="1600" dirty="0">
+                  <a:solidFill>
+                    <a:schemeClr val="tx1"/>
+                  </a:solidFill>
+                </a:endParaRPr>
+              </a:p>
+              <a:p>
+                <a:pPr marL="0" indent="0" algn="ctr">
+                  <a:buNone/>
+                </a:pPr>
+                <a14:m>
+                  <m:oMathPara xmlns:m="http://schemas.openxmlformats.org/officeDocument/2006/math">
+                    <m:oMathParaPr>
+                      <m:jc m:val="centerGroup"/>
+                    </m:oMathParaPr>
+                    <m:oMath xmlns:m="http://schemas.openxmlformats.org/officeDocument/2006/math">
+                      <m:r>
+                        <a:rPr kumimoji="1" lang="en-US" altLang="zh-CN" sz="1600" b="0" i="1" smtClean="0">
+                          <a:solidFill>
+                            <a:schemeClr val="tx1"/>
+                          </a:solidFill>
+                          <a:latin typeface="Cambria Math" panose="02040503050406030204" pitchFamily="18" charset="0"/>
+                        </a:rPr>
+                        <m:t>𝑓</m:t>
+                      </m:r>
+                      <m:d>
+                        <m:dPr>
+                          <m:ctrlPr>
+                            <a:rPr kumimoji="1" lang="en-US" altLang="zh-CN" sz="1600" b="0" i="1" smtClean="0">
+                              <a:solidFill>
+                                <a:schemeClr val="tx1"/>
+                              </a:solidFill>
+                              <a:latin typeface="Cambria Math" panose="02040503050406030204" pitchFamily="18" charset="0"/>
+                            </a:rPr>
+                          </m:ctrlPr>
+                        </m:dPr>
+                        <m:e>
+                          <m:sSub>
+                            <m:sSubPr>
+                              <m:ctrlPr>
+                                <a:rPr kumimoji="1" lang="en-US" altLang="zh-CN" sz="1600" b="0" i="1" smtClean="0">
+                                  <a:solidFill>
+                                    <a:schemeClr val="tx1"/>
+                                  </a:solidFill>
+                                  <a:latin typeface="Cambria Math" panose="02040503050406030204" pitchFamily="18" charset="0"/>
+                                </a:rPr>
+                              </m:ctrlPr>
+                            </m:sSubPr>
+                            <m:e>
+                              <m:r>
+                                <a:rPr kumimoji="1" lang="en-US" altLang="zh-CN" sz="1600" b="0" i="1" smtClean="0">
+                                  <a:solidFill>
+                                    <a:schemeClr val="tx1"/>
+                                  </a:solidFill>
+                                  <a:latin typeface="Cambria Math" panose="02040503050406030204" pitchFamily="18" charset="0"/>
+                                </a:rPr>
+                                <m:t>𝑤</m:t>
+                              </m:r>
+                            </m:e>
+                            <m:sub>
+                              <m:r>
+                                <a:rPr kumimoji="1" lang="en-US" altLang="zh-CN" sz="1600" b="0" i="1" smtClean="0">
+                                  <a:solidFill>
+                                    <a:schemeClr val="tx1"/>
+                                  </a:solidFill>
+                                  <a:latin typeface="Cambria Math" panose="02040503050406030204" pitchFamily="18" charset="0"/>
+                                </a:rPr>
+                                <m:t>𝑖</m:t>
+                              </m:r>
+                            </m:sub>
+                          </m:sSub>
+                        </m:e>
+                      </m:d>
+                      <m:r>
+                        <a:rPr kumimoji="1" lang="en-US" altLang="zh-CN" sz="1600" b="0" i="1" smtClean="0">
+                          <a:solidFill>
+                            <a:schemeClr val="tx1"/>
+                          </a:solidFill>
+                          <a:latin typeface="Cambria Math" panose="02040503050406030204" pitchFamily="18" charset="0"/>
+                        </a:rPr>
+                        <m:t>=</m:t>
+                      </m:r>
+                      <m:f>
+                        <m:fPr>
+                          <m:ctrlPr>
+                            <a:rPr kumimoji="1" lang="en-US" altLang="zh-CN" sz="1600" b="0" i="1" smtClean="0">
+                              <a:solidFill>
+                                <a:schemeClr val="tx1"/>
+                              </a:solidFill>
+                              <a:latin typeface="Cambria Math" panose="02040503050406030204" pitchFamily="18" charset="0"/>
+                            </a:rPr>
+                          </m:ctrlPr>
+                        </m:fPr>
+                        <m:num>
+                          <m:r>
+                            <a:rPr kumimoji="1" lang="en-US" altLang="zh-CN" sz="1600" b="0" i="1" smtClean="0">
+                              <a:solidFill>
+                                <a:schemeClr val="tx1"/>
+                              </a:solidFill>
+                              <a:latin typeface="Cambria Math" panose="02040503050406030204" pitchFamily="18" charset="0"/>
+                            </a:rPr>
+                            <m:t>1</m:t>
+                          </m:r>
+                        </m:num>
+                        <m:den>
+                          <m:r>
+                            <a:rPr kumimoji="1" lang="en-US" altLang="zh-CN" sz="1600" b="0" i="1" smtClean="0">
+                              <a:solidFill>
+                                <a:schemeClr val="tx1"/>
+                              </a:solidFill>
+                              <a:latin typeface="Cambria Math" panose="02040503050406030204" pitchFamily="18" charset="0"/>
+                            </a:rPr>
+                            <m:t>2</m:t>
+                          </m:r>
+                        </m:den>
+                      </m:f>
+                      <m:sSub>
+                        <m:sSubPr>
+                          <m:ctrlPr>
+                            <a:rPr kumimoji="1" lang="en-US" altLang="zh-CN" sz="1600" b="0" i="1" smtClean="0">
+                              <a:solidFill>
+                                <a:schemeClr val="tx1"/>
+                              </a:solidFill>
+                              <a:latin typeface="Cambria Math" panose="02040503050406030204" pitchFamily="18" charset="0"/>
+                            </a:rPr>
+                          </m:ctrlPr>
+                        </m:sSubPr>
+                        <m:e>
+                          <m:r>
+                            <a:rPr kumimoji="1" lang="en-US" altLang="zh-CN" sz="1600" b="0" i="1" smtClean="0">
+                              <a:solidFill>
+                                <a:schemeClr val="tx1"/>
+                              </a:solidFill>
+                              <a:latin typeface="Cambria Math" panose="02040503050406030204" pitchFamily="18" charset="0"/>
+                            </a:rPr>
+                            <m:t>𝐻</m:t>
+                          </m:r>
+                        </m:e>
+                        <m:sub>
+                          <m:r>
+                            <a:rPr kumimoji="1" lang="en-US" altLang="zh-CN" sz="1600" b="0" i="1" smtClean="0">
+                              <a:solidFill>
+                                <a:schemeClr val="tx1"/>
+                              </a:solidFill>
+                              <a:latin typeface="Cambria Math" panose="02040503050406030204" pitchFamily="18" charset="0"/>
+                            </a:rPr>
+                            <m:t>𝑖</m:t>
+                          </m:r>
+                          <m:r>
+                            <a:rPr kumimoji="1" lang="en-US" altLang="zh-CN" sz="1600" b="0" i="1" smtClean="0">
+                              <a:solidFill>
+                                <a:schemeClr val="tx1"/>
+                              </a:solidFill>
+                              <a:latin typeface="Cambria Math" panose="02040503050406030204" pitchFamily="18" charset="0"/>
+                            </a:rPr>
+                            <m:t>,</m:t>
+                          </m:r>
+                          <m:r>
+                            <a:rPr kumimoji="1" lang="en-US" altLang="zh-CN" sz="1600" b="0" i="1" smtClean="0">
+                              <a:solidFill>
+                                <a:schemeClr val="tx1"/>
+                              </a:solidFill>
+                              <a:latin typeface="Cambria Math" panose="02040503050406030204" pitchFamily="18" charset="0"/>
+                            </a:rPr>
+                            <m:t>𝑖</m:t>
+                          </m:r>
+                        </m:sub>
+                      </m:sSub>
+                      <m:sSubSup>
+                        <m:sSubSupPr>
+                          <m:ctrlPr>
+                            <a:rPr kumimoji="1" lang="en-US" altLang="zh-CN" sz="1600" i="1">
+                              <a:solidFill>
+                                <a:schemeClr val="tx1"/>
+                              </a:solidFill>
+                              <a:latin typeface="Cambria Math" panose="02040503050406030204" pitchFamily="18" charset="0"/>
+                            </a:rPr>
+                          </m:ctrlPr>
+                        </m:sSubSupPr>
+                        <m:e>
+                          <m:r>
+                            <a:rPr kumimoji="1" lang="en-US" altLang="zh-CN" sz="1600" i="1">
+                              <a:solidFill>
+                                <a:schemeClr val="tx1"/>
+                              </a:solidFill>
+                              <a:latin typeface="Cambria Math" panose="02040503050406030204" pitchFamily="18" charset="0"/>
+                            </a:rPr>
+                            <m:t>𝑤</m:t>
+                          </m:r>
+                        </m:e>
+                        <m:sub>
+                          <m:r>
+                            <a:rPr kumimoji="1" lang="en-US" altLang="zh-CN" sz="1600" i="1">
+                              <a:solidFill>
+                                <a:schemeClr val="tx1"/>
+                              </a:solidFill>
+                              <a:latin typeface="Cambria Math" panose="02040503050406030204" pitchFamily="18" charset="0"/>
+                            </a:rPr>
+                            <m:t>𝑖</m:t>
+                          </m:r>
+                        </m:sub>
+                        <m:sup>
+                          <m:r>
+                            <a:rPr kumimoji="1" lang="en-US" altLang="zh-CN" sz="1600" i="1">
+                              <a:solidFill>
+                                <a:schemeClr val="tx1"/>
+                              </a:solidFill>
+                              <a:latin typeface="Cambria Math" panose="02040503050406030204" pitchFamily="18" charset="0"/>
+                            </a:rPr>
+                            <m:t>2</m:t>
+                          </m:r>
+                        </m:sup>
+                      </m:sSubSup>
+                      <m:r>
+                        <a:rPr kumimoji="1" lang="en-US" altLang="zh-CN" sz="1600" b="0" i="1" smtClean="0">
+                          <a:solidFill>
+                            <a:schemeClr val="tx1"/>
+                          </a:solidFill>
+                          <a:latin typeface="Cambria Math" panose="02040503050406030204" pitchFamily="18" charset="0"/>
+                        </a:rPr>
+                        <m:t>−</m:t>
+                      </m:r>
+                      <m:sSub>
+                        <m:sSubPr>
+                          <m:ctrlPr>
+                            <a:rPr kumimoji="1" lang="en-US" altLang="zh-CN" sz="1600" i="1">
+                              <a:solidFill>
+                                <a:schemeClr val="tx1"/>
+                              </a:solidFill>
+                              <a:latin typeface="Cambria Math" panose="02040503050406030204" pitchFamily="18" charset="0"/>
+                            </a:rPr>
+                          </m:ctrlPr>
+                        </m:sSubPr>
+                        <m:e>
+                          <m:sSub>
+                            <m:sSubPr>
+                              <m:ctrlPr>
+                                <a:rPr kumimoji="1" lang="en-US" altLang="zh-CN" sz="1600" b="0" i="1" smtClean="0">
+                                  <a:solidFill>
+                                    <a:schemeClr val="tx1"/>
+                                  </a:solidFill>
+                                  <a:latin typeface="Cambria Math" panose="02040503050406030204" pitchFamily="18" charset="0"/>
+                                </a:rPr>
+                              </m:ctrlPr>
+                            </m:sSubPr>
+                            <m:e>
+                              <m:r>
+                                <a:rPr kumimoji="1" lang="en-US" altLang="zh-CN" sz="1600" b="0" i="1" smtClean="0">
+                                  <a:solidFill>
+                                    <a:schemeClr val="tx1"/>
+                                  </a:solidFill>
+                                  <a:latin typeface="Cambria Math" panose="02040503050406030204" pitchFamily="18" charset="0"/>
+                                </a:rPr>
+                                <m:t>𝐻</m:t>
+                              </m:r>
+                            </m:e>
+                            <m:sub>
+                              <m:r>
+                                <a:rPr kumimoji="1" lang="en-US" altLang="zh-CN" sz="1600" b="0" i="1" smtClean="0">
+                                  <a:solidFill>
+                                    <a:schemeClr val="tx1"/>
+                                  </a:solidFill>
+                                  <a:latin typeface="Cambria Math" panose="02040503050406030204" pitchFamily="18" charset="0"/>
+                                </a:rPr>
+                                <m:t>𝑖</m:t>
+                              </m:r>
+                              <m:r>
+                                <a:rPr kumimoji="1" lang="en-US" altLang="zh-CN" sz="1600" b="0" i="1" smtClean="0">
+                                  <a:solidFill>
+                                    <a:schemeClr val="tx1"/>
+                                  </a:solidFill>
+                                  <a:latin typeface="Cambria Math" panose="02040503050406030204" pitchFamily="18" charset="0"/>
+                                </a:rPr>
+                                <m:t>,</m:t>
+                              </m:r>
+                              <m:r>
+                                <a:rPr kumimoji="1" lang="en-US" altLang="zh-CN" sz="1600" b="0" i="1" smtClean="0">
+                                  <a:solidFill>
+                                    <a:schemeClr val="tx1"/>
+                                  </a:solidFill>
+                                  <a:latin typeface="Cambria Math" panose="02040503050406030204" pitchFamily="18" charset="0"/>
+                                </a:rPr>
+                                <m:t>𝑖</m:t>
+                              </m:r>
+                            </m:sub>
+                          </m:sSub>
+                          <m:r>
+                            <a:rPr kumimoji="1" lang="en-US" altLang="zh-CN" sz="1600" i="1">
+                              <a:solidFill>
+                                <a:schemeClr val="tx1"/>
+                              </a:solidFill>
+                              <a:latin typeface="Cambria Math" panose="02040503050406030204" pitchFamily="18" charset="0"/>
+                            </a:rPr>
+                            <m:t>𝑤</m:t>
+                          </m:r>
+                        </m:e>
+                        <m:sub>
+                          <m:r>
+                            <a:rPr kumimoji="1" lang="en-US" altLang="zh-CN" sz="1600" i="1">
+                              <a:solidFill>
+                                <a:schemeClr val="tx1"/>
+                              </a:solidFill>
+                              <a:latin typeface="Cambria Math" panose="02040503050406030204" pitchFamily="18" charset="0"/>
+                            </a:rPr>
+                            <m:t>𝑖</m:t>
+                          </m:r>
+                        </m:sub>
+                      </m:sSub>
+                      <m:sSubSup>
+                        <m:sSubSupPr>
+                          <m:ctrlPr>
+                            <a:rPr kumimoji="1" lang="en-US" altLang="zh-CN" sz="1600" b="0" i="1" smtClean="0">
+                              <a:solidFill>
+                                <a:schemeClr val="tx1"/>
+                              </a:solidFill>
+                              <a:latin typeface="Cambria Math" panose="02040503050406030204" pitchFamily="18" charset="0"/>
+                            </a:rPr>
+                          </m:ctrlPr>
+                        </m:sSubSupPr>
+                        <m:e>
+                          <m:r>
+                            <a:rPr kumimoji="1" lang="en-US" altLang="zh-CN" sz="1600" b="0" i="1" smtClean="0">
+                              <a:solidFill>
+                                <a:schemeClr val="tx1"/>
+                              </a:solidFill>
+                              <a:latin typeface="Cambria Math" panose="02040503050406030204" pitchFamily="18" charset="0"/>
+                            </a:rPr>
+                            <m:t>𝑤</m:t>
+                          </m:r>
+                        </m:e>
+                        <m:sub>
+                          <m:r>
+                            <a:rPr kumimoji="1" lang="en-US" altLang="zh-CN" sz="1600" b="0" i="1" smtClean="0">
+                              <a:solidFill>
+                                <a:schemeClr val="tx1"/>
+                              </a:solidFill>
+                              <a:latin typeface="Cambria Math" panose="02040503050406030204" pitchFamily="18" charset="0"/>
+                            </a:rPr>
+                            <m:t>𝑖</m:t>
+                          </m:r>
+                        </m:sub>
+                        <m:sup>
+                          <m:r>
+                            <a:rPr kumimoji="1" lang="en-US" altLang="zh-CN" sz="1600" b="0" i="1" smtClean="0">
+                              <a:solidFill>
+                                <a:schemeClr val="tx1"/>
+                              </a:solidFill>
+                              <a:latin typeface="Cambria Math" panose="02040503050406030204" pitchFamily="18" charset="0"/>
+                            </a:rPr>
+                            <m:t>∗</m:t>
+                          </m:r>
+                        </m:sup>
+                      </m:sSubSup>
+                      <m:r>
+                        <a:rPr kumimoji="1" lang="en-US" altLang="zh-CN" sz="1600" b="0" i="1" smtClean="0">
+                          <a:solidFill>
+                            <a:schemeClr val="tx1"/>
+                          </a:solidFill>
+                          <a:latin typeface="Cambria Math" panose="02040503050406030204" pitchFamily="18" charset="0"/>
+                        </a:rPr>
+                        <m:t>+</m:t>
+                      </m:r>
+                      <m:r>
+                        <a:rPr kumimoji="1" lang="en-US" altLang="zh-CN" sz="1600" i="1">
+                          <a:solidFill>
+                            <a:schemeClr val="tx1"/>
+                          </a:solidFill>
+                          <a:latin typeface="Cambria Math" panose="02040503050406030204" pitchFamily="18" charset="0"/>
+                        </a:rPr>
+                        <m:t>𝛼</m:t>
+                      </m:r>
+                      <m:d>
+                        <m:dPr>
+                          <m:begChr m:val="|"/>
+                          <m:endChr m:val="|"/>
+                          <m:ctrlPr>
+                            <a:rPr kumimoji="1" lang="en-US" altLang="zh-CN" sz="1600" i="1">
+                              <a:solidFill>
+                                <a:schemeClr val="tx1"/>
+                              </a:solidFill>
+                              <a:latin typeface="Cambria Math" panose="02040503050406030204" pitchFamily="18" charset="0"/>
+                            </a:rPr>
+                          </m:ctrlPr>
+                        </m:dPr>
+                        <m:e>
+                          <m:sSub>
+                            <m:sSubPr>
+                              <m:ctrlPr>
+                                <a:rPr kumimoji="1" lang="en-US" altLang="zh-CN" sz="1600" i="1">
+                                  <a:solidFill>
+                                    <a:schemeClr val="tx1"/>
+                                  </a:solidFill>
+                                  <a:latin typeface="Cambria Math" panose="02040503050406030204" pitchFamily="18" charset="0"/>
+                                </a:rPr>
+                              </m:ctrlPr>
+                            </m:sSubPr>
+                            <m:e>
+                              <m:r>
+                                <a:rPr kumimoji="1" lang="en-US" altLang="zh-CN" sz="1600" i="1">
+                                  <a:solidFill>
+                                    <a:schemeClr val="tx1"/>
+                                  </a:solidFill>
+                                  <a:latin typeface="Cambria Math" panose="02040503050406030204" pitchFamily="18" charset="0"/>
+                                </a:rPr>
+                                <m:t>𝑤</m:t>
+                              </m:r>
+                            </m:e>
+                            <m:sub>
+                              <m:r>
+                                <a:rPr kumimoji="1" lang="en-US" altLang="zh-CN" sz="1600" i="1">
+                                  <a:solidFill>
+                                    <a:schemeClr val="tx1"/>
+                                  </a:solidFill>
+                                  <a:latin typeface="Cambria Math" panose="02040503050406030204" pitchFamily="18" charset="0"/>
+                                </a:rPr>
+                                <m:t>𝑖</m:t>
+                              </m:r>
+                            </m:sub>
+                          </m:sSub>
+                        </m:e>
+                      </m:d>
+                      <m:r>
+                        <a:rPr kumimoji="1" lang="en-US" altLang="zh-CN" sz="1600" b="0" i="1" smtClean="0">
+                          <a:solidFill>
+                            <a:schemeClr val="tx1"/>
+                          </a:solidFill>
+                          <a:latin typeface="Cambria Math" panose="02040503050406030204" pitchFamily="18" charset="0"/>
+                        </a:rPr>
+                        <m:t>+</m:t>
+                      </m:r>
+                      <m:f>
+                        <m:fPr>
+                          <m:ctrlPr>
+                            <a:rPr kumimoji="1" lang="en-US" altLang="zh-CN" sz="1600" b="0" i="1" smtClean="0">
+                              <a:solidFill>
+                                <a:schemeClr val="tx1"/>
+                              </a:solidFill>
+                              <a:latin typeface="Cambria Math" panose="02040503050406030204" pitchFamily="18" charset="0"/>
+                            </a:rPr>
+                          </m:ctrlPr>
+                        </m:fPr>
+                        <m:num>
+                          <m:r>
+                            <a:rPr kumimoji="1" lang="en-US" altLang="zh-CN" sz="1600" b="0" i="1" smtClean="0">
+                              <a:solidFill>
+                                <a:schemeClr val="tx1"/>
+                              </a:solidFill>
+                              <a:latin typeface="Cambria Math" panose="02040503050406030204" pitchFamily="18" charset="0"/>
+                            </a:rPr>
+                            <m:t>1</m:t>
+                          </m:r>
+                        </m:num>
+                        <m:den>
+                          <m:r>
+                            <a:rPr kumimoji="1" lang="en-US" altLang="zh-CN" sz="1600" b="0" i="1" smtClean="0">
+                              <a:solidFill>
+                                <a:schemeClr val="tx1"/>
+                              </a:solidFill>
+                              <a:latin typeface="Cambria Math" panose="02040503050406030204" pitchFamily="18" charset="0"/>
+                            </a:rPr>
+                            <m:t>2</m:t>
+                          </m:r>
+                        </m:den>
+                      </m:f>
+                      <m:sSup>
+                        <m:sSupPr>
+                          <m:ctrlPr>
+                            <a:rPr kumimoji="1" lang="en-US" altLang="zh-CN" sz="1600" i="1">
+                              <a:solidFill>
+                                <a:schemeClr val="tx1"/>
+                              </a:solidFill>
+                              <a:latin typeface="Cambria Math" panose="02040503050406030204" pitchFamily="18" charset="0"/>
+                            </a:rPr>
+                          </m:ctrlPr>
+                        </m:sSupPr>
+                        <m:e>
+                          <m:sSub>
+                            <m:sSubPr>
+                              <m:ctrlPr>
+                                <a:rPr kumimoji="1" lang="en-US" altLang="zh-CN" sz="1600" i="1">
+                                  <a:solidFill>
+                                    <a:schemeClr val="tx1"/>
+                                  </a:solidFill>
+                                  <a:latin typeface="Cambria Math" panose="02040503050406030204" pitchFamily="18" charset="0"/>
+                                </a:rPr>
+                              </m:ctrlPr>
+                            </m:sSubPr>
+                            <m:e>
+                              <m:r>
+                                <a:rPr kumimoji="1" lang="en-US" altLang="zh-CN" sz="1600" i="1">
+                                  <a:solidFill>
+                                    <a:schemeClr val="tx1"/>
+                                  </a:solidFill>
+                                  <a:latin typeface="Cambria Math" panose="02040503050406030204" pitchFamily="18" charset="0"/>
+                                </a:rPr>
+                                <m:t>𝐻</m:t>
+                              </m:r>
+                            </m:e>
+                            <m:sub>
+                              <m:r>
+                                <a:rPr kumimoji="1" lang="en-US" altLang="zh-CN" sz="1600" i="1">
+                                  <a:solidFill>
+                                    <a:schemeClr val="tx1"/>
+                                  </a:solidFill>
+                                  <a:latin typeface="Cambria Math" panose="02040503050406030204" pitchFamily="18" charset="0"/>
+                                </a:rPr>
+                                <m:t>𝑖</m:t>
+                              </m:r>
+                              <m:r>
+                                <a:rPr kumimoji="1" lang="en-US" altLang="zh-CN" sz="1600" i="1">
+                                  <a:solidFill>
+                                    <a:schemeClr val="tx1"/>
+                                  </a:solidFill>
+                                  <a:latin typeface="Cambria Math" panose="02040503050406030204" pitchFamily="18" charset="0"/>
+                                </a:rPr>
+                                <m:t>,</m:t>
+                              </m:r>
+                              <m:r>
+                                <a:rPr kumimoji="1" lang="en-US" altLang="zh-CN" sz="1600" i="1">
+                                  <a:solidFill>
+                                    <a:schemeClr val="tx1"/>
+                                  </a:solidFill>
+                                  <a:latin typeface="Cambria Math" panose="02040503050406030204" pitchFamily="18" charset="0"/>
+                                </a:rPr>
+                                <m:t>𝑖</m:t>
+                              </m:r>
+                            </m:sub>
+                          </m:sSub>
+                          <m:d>
+                            <m:dPr>
+                              <m:ctrlPr>
+                                <a:rPr kumimoji="1" lang="en-US" altLang="zh-CN" sz="1600" i="1">
+                                  <a:solidFill>
+                                    <a:schemeClr val="tx1"/>
+                                  </a:solidFill>
+                                  <a:latin typeface="Cambria Math" panose="02040503050406030204" pitchFamily="18" charset="0"/>
+                                </a:rPr>
+                              </m:ctrlPr>
+                            </m:dPr>
+                            <m:e>
+                              <m:sSubSup>
+                                <m:sSubSupPr>
+                                  <m:ctrlPr>
+                                    <a:rPr kumimoji="1" lang="en-US" altLang="zh-CN" sz="1600" i="1">
+                                      <a:solidFill>
+                                        <a:schemeClr val="tx1"/>
+                                      </a:solidFill>
+                                      <a:latin typeface="Cambria Math" panose="02040503050406030204" pitchFamily="18" charset="0"/>
+                                    </a:rPr>
+                                  </m:ctrlPr>
+                                </m:sSubSupPr>
+                                <m:e>
+                                  <m:r>
+                                    <a:rPr kumimoji="1" lang="en-US" altLang="zh-CN" sz="1600" i="1">
+                                      <a:solidFill>
+                                        <a:schemeClr val="tx1"/>
+                                      </a:solidFill>
+                                      <a:latin typeface="Cambria Math" panose="02040503050406030204" pitchFamily="18" charset="0"/>
+                                    </a:rPr>
+                                    <m:t>𝑤</m:t>
+                                  </m:r>
+                                </m:e>
+                                <m:sub>
+                                  <m:r>
+                                    <a:rPr kumimoji="1" lang="en-US" altLang="zh-CN" sz="1600" i="1">
+                                      <a:solidFill>
+                                        <a:schemeClr val="tx1"/>
+                                      </a:solidFill>
+                                      <a:latin typeface="Cambria Math" panose="02040503050406030204" pitchFamily="18" charset="0"/>
+                                    </a:rPr>
+                                    <m:t>𝑖</m:t>
+                                  </m:r>
+                                </m:sub>
+                                <m:sup>
+                                  <m:r>
+                                    <a:rPr kumimoji="1" lang="en-US" altLang="zh-CN" sz="1600" i="1">
+                                      <a:solidFill>
+                                        <a:schemeClr val="tx1"/>
+                                      </a:solidFill>
+                                      <a:latin typeface="Cambria Math" panose="02040503050406030204" pitchFamily="18" charset="0"/>
+                                    </a:rPr>
+                                    <m:t>∗</m:t>
+                                  </m:r>
+                                </m:sup>
+                              </m:sSubSup>
+                            </m:e>
+                          </m:d>
+                        </m:e>
+                        <m:sup>
+                          <m:r>
+                            <a:rPr kumimoji="1" lang="en-US" altLang="zh-CN" sz="1600" i="1">
+                              <a:solidFill>
+                                <a:schemeClr val="tx1"/>
+                              </a:solidFill>
+                              <a:latin typeface="Cambria Math" panose="02040503050406030204" pitchFamily="18" charset="0"/>
+                            </a:rPr>
+                            <m:t>2</m:t>
+                          </m:r>
+                        </m:sup>
+                      </m:sSup>
+                    </m:oMath>
+                  </m:oMathPara>
+                </a14:m>
+                <a:endParaRPr kumimoji="1" lang="en-US" altLang="zh-CN" sz="1600" dirty="0">
+                  <a:solidFill>
+                    <a:schemeClr val="tx1"/>
+                  </a:solidFill>
+                </a:endParaRPr>
+              </a:p>
+              <a:p>
+                <a:pPr marL="0" indent="0" algn="ctr">
+                  <a:buNone/>
+                </a:pPr>
+                <a14:m>
+                  <m:oMathPara xmlns:m="http://schemas.openxmlformats.org/officeDocument/2006/math">
+                    <m:oMathParaPr>
+                      <m:jc m:val="centerGroup"/>
+                    </m:oMathParaPr>
+                    <m:oMath xmlns:m="http://schemas.openxmlformats.org/officeDocument/2006/math">
+                      <m:r>
+                        <a:rPr kumimoji="1" lang="en-US" altLang="zh-CN" sz="1600" b="0" i="1" smtClean="0">
+                          <a:solidFill>
+                            <a:schemeClr val="tx1"/>
+                          </a:solidFill>
+                          <a:latin typeface="Cambria Math" panose="02040503050406030204" pitchFamily="18" charset="0"/>
+                        </a:rPr>
+                        <m:t>=</m:t>
+                      </m:r>
+                      <m:d>
+                        <m:dPr>
+                          <m:begChr m:val="{"/>
+                          <m:endChr m:val=""/>
+                          <m:ctrlPr>
+                            <a:rPr kumimoji="1" lang="en-US" altLang="zh-CN" sz="1600" b="0" i="1" smtClean="0">
+                              <a:solidFill>
+                                <a:schemeClr val="tx1"/>
+                              </a:solidFill>
+                              <a:latin typeface="Cambria Math" panose="02040503050406030204" pitchFamily="18" charset="0"/>
+                            </a:rPr>
+                          </m:ctrlPr>
+                        </m:dPr>
+                        <m:e>
+                          <m:eqArr>
+                            <m:eqArrPr>
+                              <m:ctrlPr>
+                                <a:rPr kumimoji="1" lang="en-US" altLang="zh-CN" sz="1600" b="0" i="1" smtClean="0">
+                                  <a:solidFill>
+                                    <a:schemeClr val="tx1"/>
+                                  </a:solidFill>
+                                  <a:latin typeface="Cambria Math" panose="02040503050406030204" pitchFamily="18" charset="0"/>
+                                </a:rPr>
+                              </m:ctrlPr>
+                            </m:eqArrPr>
+                            <m:e>
+                              <m:f>
+                                <m:fPr>
+                                  <m:ctrlPr>
+                                    <a:rPr kumimoji="1" lang="en-US" altLang="zh-CN" sz="1600" i="1">
+                                      <a:solidFill>
+                                        <a:schemeClr val="tx1"/>
+                                      </a:solidFill>
+                                      <a:latin typeface="Cambria Math" panose="02040503050406030204" pitchFamily="18" charset="0"/>
+                                    </a:rPr>
+                                  </m:ctrlPr>
+                                </m:fPr>
+                                <m:num>
+                                  <m:r>
+                                    <a:rPr kumimoji="1" lang="en-US" altLang="zh-CN" sz="1600" i="1">
+                                      <a:solidFill>
+                                        <a:schemeClr val="tx1"/>
+                                      </a:solidFill>
+                                      <a:latin typeface="Cambria Math" panose="02040503050406030204" pitchFamily="18" charset="0"/>
+                                    </a:rPr>
+                                    <m:t>1</m:t>
+                                  </m:r>
+                                </m:num>
+                                <m:den>
+                                  <m:r>
+                                    <a:rPr kumimoji="1" lang="en-US" altLang="zh-CN" sz="1600" i="1">
+                                      <a:solidFill>
+                                        <a:schemeClr val="tx1"/>
+                                      </a:solidFill>
+                                      <a:latin typeface="Cambria Math" panose="02040503050406030204" pitchFamily="18" charset="0"/>
+                                    </a:rPr>
+                                    <m:t>2</m:t>
+                                  </m:r>
+                                </m:den>
+                              </m:f>
+                              <m:sSub>
+                                <m:sSubPr>
+                                  <m:ctrlPr>
+                                    <a:rPr kumimoji="1" lang="en-US" altLang="zh-CN" sz="1600" i="1">
+                                      <a:solidFill>
+                                        <a:schemeClr val="tx1"/>
+                                      </a:solidFill>
+                                      <a:latin typeface="Cambria Math" panose="02040503050406030204" pitchFamily="18" charset="0"/>
+                                    </a:rPr>
+                                  </m:ctrlPr>
+                                </m:sSubPr>
+                                <m:e>
+                                  <m:r>
+                                    <a:rPr kumimoji="1" lang="en-US" altLang="zh-CN" sz="1600" i="1">
+                                      <a:solidFill>
+                                        <a:schemeClr val="tx1"/>
+                                      </a:solidFill>
+                                      <a:latin typeface="Cambria Math" panose="02040503050406030204" pitchFamily="18" charset="0"/>
+                                    </a:rPr>
+                                    <m:t>𝐻</m:t>
+                                  </m:r>
+                                </m:e>
+                                <m:sub>
+                                  <m:r>
+                                    <a:rPr kumimoji="1" lang="en-US" altLang="zh-CN" sz="1600" i="1">
+                                      <a:solidFill>
+                                        <a:schemeClr val="tx1"/>
+                                      </a:solidFill>
+                                      <a:latin typeface="Cambria Math" panose="02040503050406030204" pitchFamily="18" charset="0"/>
+                                    </a:rPr>
+                                    <m:t>𝑖</m:t>
+                                  </m:r>
+                                  <m:r>
+                                    <a:rPr kumimoji="1" lang="en-US" altLang="zh-CN" sz="1600" i="1">
+                                      <a:solidFill>
+                                        <a:schemeClr val="tx1"/>
+                                      </a:solidFill>
+                                      <a:latin typeface="Cambria Math" panose="02040503050406030204" pitchFamily="18" charset="0"/>
+                                    </a:rPr>
+                                    <m:t>,</m:t>
+                                  </m:r>
+                                  <m:r>
+                                    <a:rPr kumimoji="1" lang="en-US" altLang="zh-CN" sz="1600" i="1">
+                                      <a:solidFill>
+                                        <a:schemeClr val="tx1"/>
+                                      </a:solidFill>
+                                      <a:latin typeface="Cambria Math" panose="02040503050406030204" pitchFamily="18" charset="0"/>
+                                    </a:rPr>
+                                    <m:t>𝑖</m:t>
+                                  </m:r>
+                                </m:sub>
+                              </m:sSub>
+                              <m:sSubSup>
+                                <m:sSubSupPr>
+                                  <m:ctrlPr>
+                                    <a:rPr kumimoji="1" lang="en-US" altLang="zh-CN" sz="1600" i="1">
+                                      <a:solidFill>
+                                        <a:schemeClr val="tx1"/>
+                                      </a:solidFill>
+                                      <a:latin typeface="Cambria Math" panose="02040503050406030204" pitchFamily="18" charset="0"/>
+                                    </a:rPr>
+                                  </m:ctrlPr>
+                                </m:sSubSupPr>
+                                <m:e>
+                                  <m:r>
+                                    <a:rPr kumimoji="1" lang="en-US" altLang="zh-CN" sz="1600" i="1">
+                                      <a:solidFill>
+                                        <a:schemeClr val="tx1"/>
+                                      </a:solidFill>
+                                      <a:latin typeface="Cambria Math" panose="02040503050406030204" pitchFamily="18" charset="0"/>
+                                    </a:rPr>
+                                    <m:t>𝑤</m:t>
+                                  </m:r>
+                                </m:e>
+                                <m:sub>
+                                  <m:r>
+                                    <a:rPr kumimoji="1" lang="en-US" altLang="zh-CN" sz="1600" i="1">
+                                      <a:solidFill>
+                                        <a:schemeClr val="tx1"/>
+                                      </a:solidFill>
+                                      <a:latin typeface="Cambria Math" panose="02040503050406030204" pitchFamily="18" charset="0"/>
+                                    </a:rPr>
+                                    <m:t>𝑖</m:t>
+                                  </m:r>
+                                </m:sub>
+                                <m:sup>
+                                  <m:r>
+                                    <a:rPr kumimoji="1" lang="en-US" altLang="zh-CN" sz="1600" i="1">
+                                      <a:solidFill>
+                                        <a:schemeClr val="tx1"/>
+                                      </a:solidFill>
+                                      <a:latin typeface="Cambria Math" panose="02040503050406030204" pitchFamily="18" charset="0"/>
+                                    </a:rPr>
+                                    <m:t>2</m:t>
+                                  </m:r>
+                                </m:sup>
+                              </m:sSubSup>
+                              <m:r>
+                                <a:rPr kumimoji="1" lang="en-US" altLang="zh-CN" sz="1600" b="0" i="1" smtClean="0">
+                                  <a:solidFill>
+                                    <a:schemeClr val="tx1"/>
+                                  </a:solidFill>
+                                  <a:latin typeface="Cambria Math" panose="02040503050406030204" pitchFamily="18" charset="0"/>
+                                </a:rPr>
+                                <m:t>−</m:t>
+                              </m:r>
+                              <m:d>
+                                <m:dPr>
+                                  <m:ctrlPr>
+                                    <a:rPr kumimoji="1" lang="en-US" altLang="zh-CN" sz="1600" b="0" i="1" smtClean="0">
+                                      <a:solidFill>
+                                        <a:schemeClr val="tx1"/>
+                                      </a:solidFill>
+                                      <a:latin typeface="Cambria Math" panose="02040503050406030204" pitchFamily="18" charset="0"/>
+                                    </a:rPr>
+                                  </m:ctrlPr>
+                                </m:dPr>
+                                <m:e>
+                                  <m:sSub>
+                                    <m:sSubPr>
+                                      <m:ctrlPr>
+                                        <a:rPr kumimoji="1" lang="en-US" altLang="zh-CN" sz="1600" b="0" i="1" smtClean="0">
+                                          <a:solidFill>
+                                            <a:schemeClr val="tx1"/>
+                                          </a:solidFill>
+                                          <a:latin typeface="Cambria Math" panose="02040503050406030204" pitchFamily="18" charset="0"/>
+                                        </a:rPr>
+                                      </m:ctrlPr>
+                                    </m:sSubPr>
+                                    <m:e>
+                                      <m:r>
+                                        <a:rPr kumimoji="1" lang="en-US" altLang="zh-CN" sz="1600" b="0" i="1" smtClean="0">
+                                          <a:solidFill>
+                                            <a:schemeClr val="tx1"/>
+                                          </a:solidFill>
+                                          <a:latin typeface="Cambria Math" panose="02040503050406030204" pitchFamily="18" charset="0"/>
+                                        </a:rPr>
+                                        <m:t>𝐻</m:t>
+                                      </m:r>
+                                    </m:e>
+                                    <m:sub>
+                                      <m:r>
+                                        <a:rPr kumimoji="1" lang="en-US" altLang="zh-CN" sz="1600" b="0" i="1" smtClean="0">
+                                          <a:solidFill>
+                                            <a:schemeClr val="tx1"/>
+                                          </a:solidFill>
+                                          <a:latin typeface="Cambria Math" panose="02040503050406030204" pitchFamily="18" charset="0"/>
+                                        </a:rPr>
+                                        <m:t>𝑖</m:t>
+                                      </m:r>
+                                      <m:r>
+                                        <a:rPr kumimoji="1" lang="en-US" altLang="zh-CN" sz="1600" b="0" i="1" smtClean="0">
+                                          <a:solidFill>
+                                            <a:schemeClr val="tx1"/>
+                                          </a:solidFill>
+                                          <a:latin typeface="Cambria Math" panose="02040503050406030204" pitchFamily="18" charset="0"/>
+                                        </a:rPr>
+                                        <m:t>,</m:t>
+                                      </m:r>
+                                      <m:r>
+                                        <a:rPr kumimoji="1" lang="en-US" altLang="zh-CN" sz="1600" b="0" i="1" smtClean="0">
+                                          <a:solidFill>
+                                            <a:schemeClr val="tx1"/>
+                                          </a:solidFill>
+                                          <a:latin typeface="Cambria Math" panose="02040503050406030204" pitchFamily="18" charset="0"/>
+                                        </a:rPr>
+                                        <m:t>𝑖</m:t>
+                                      </m:r>
+                                    </m:sub>
+                                  </m:sSub>
+                                  <m:sSubSup>
+                                    <m:sSubSupPr>
+                                      <m:ctrlPr>
+                                        <a:rPr kumimoji="1" lang="en-US" altLang="zh-CN" sz="1600" b="0" i="1" smtClean="0">
+                                          <a:solidFill>
+                                            <a:schemeClr val="tx1"/>
+                                          </a:solidFill>
+                                          <a:latin typeface="Cambria Math" panose="02040503050406030204" pitchFamily="18" charset="0"/>
+                                        </a:rPr>
+                                      </m:ctrlPr>
+                                    </m:sSubSupPr>
+                                    <m:e>
+                                      <m:r>
+                                        <a:rPr kumimoji="1" lang="en-US" altLang="zh-CN" sz="1600" b="0" i="1" smtClean="0">
+                                          <a:solidFill>
+                                            <a:schemeClr val="tx1"/>
+                                          </a:solidFill>
+                                          <a:latin typeface="Cambria Math" panose="02040503050406030204" pitchFamily="18" charset="0"/>
+                                        </a:rPr>
+                                        <m:t>𝑤</m:t>
+                                      </m:r>
+                                    </m:e>
+                                    <m:sub>
+                                      <m:r>
+                                        <a:rPr kumimoji="1" lang="en-US" altLang="zh-CN" sz="1600" b="0" i="1" smtClean="0">
+                                          <a:solidFill>
+                                            <a:schemeClr val="tx1"/>
+                                          </a:solidFill>
+                                          <a:latin typeface="Cambria Math" panose="02040503050406030204" pitchFamily="18" charset="0"/>
+                                        </a:rPr>
+                                        <m:t>𝑖</m:t>
+                                      </m:r>
+                                    </m:sub>
+                                    <m:sup>
+                                      <m:r>
+                                        <a:rPr kumimoji="1" lang="en-US" altLang="zh-CN" sz="1600" b="0" i="1" smtClean="0">
+                                          <a:solidFill>
+                                            <a:schemeClr val="tx1"/>
+                                          </a:solidFill>
+                                          <a:latin typeface="Cambria Math" panose="02040503050406030204" pitchFamily="18" charset="0"/>
+                                        </a:rPr>
+                                        <m:t>∗</m:t>
+                                      </m:r>
+                                    </m:sup>
+                                  </m:sSubSup>
+                                  <m:r>
+                                    <a:rPr kumimoji="1" lang="en-US" altLang="zh-CN" sz="1600" b="0" i="1" smtClean="0">
+                                      <a:solidFill>
+                                        <a:schemeClr val="tx1"/>
+                                      </a:solidFill>
+                                      <a:latin typeface="Cambria Math" panose="02040503050406030204" pitchFamily="18" charset="0"/>
+                                    </a:rPr>
+                                    <m:t>−</m:t>
+                                  </m:r>
+                                  <m:r>
+                                    <a:rPr kumimoji="1" lang="en-US" altLang="zh-CN" sz="1600" b="0" i="1" smtClean="0">
+                                      <a:solidFill>
+                                        <a:schemeClr val="tx1"/>
+                                      </a:solidFill>
+                                      <a:latin typeface="Cambria Math" panose="02040503050406030204" pitchFamily="18" charset="0"/>
+                                    </a:rPr>
+                                    <m:t>𝛼</m:t>
+                                  </m:r>
+                                </m:e>
+                              </m:d>
+                              <m:sSub>
+                                <m:sSubPr>
+                                  <m:ctrlPr>
+                                    <a:rPr kumimoji="1" lang="en-US" altLang="zh-CN" sz="1600" b="0" i="1" smtClean="0">
+                                      <a:solidFill>
+                                        <a:schemeClr val="tx1"/>
+                                      </a:solidFill>
+                                      <a:latin typeface="Cambria Math" panose="02040503050406030204" pitchFamily="18" charset="0"/>
+                                    </a:rPr>
+                                  </m:ctrlPr>
+                                </m:sSubPr>
+                                <m:e>
+                                  <m:r>
+                                    <a:rPr kumimoji="1" lang="en-US" altLang="zh-CN" sz="1600" b="0" i="1" smtClean="0">
+                                      <a:solidFill>
+                                        <a:schemeClr val="tx1"/>
+                                      </a:solidFill>
+                                      <a:latin typeface="Cambria Math" panose="02040503050406030204" pitchFamily="18" charset="0"/>
+                                    </a:rPr>
+                                    <m:t>𝑤</m:t>
+                                  </m:r>
+                                </m:e>
+                                <m:sub>
+                                  <m:r>
+                                    <a:rPr kumimoji="1" lang="en-US" altLang="zh-CN" sz="1600" b="0" i="1" smtClean="0">
+                                      <a:solidFill>
+                                        <a:schemeClr val="tx1"/>
+                                      </a:solidFill>
+                                      <a:latin typeface="Cambria Math" panose="02040503050406030204" pitchFamily="18" charset="0"/>
+                                    </a:rPr>
+                                    <m:t>𝑖</m:t>
+                                  </m:r>
+                                </m:sub>
+                              </m:sSub>
+                              <m:r>
+                                <a:rPr kumimoji="1" lang="en-US" altLang="zh-CN" sz="1600" i="1">
+                                  <a:solidFill>
+                                    <a:schemeClr val="tx1"/>
+                                  </a:solidFill>
+                                  <a:latin typeface="Cambria Math" panose="02040503050406030204" pitchFamily="18" charset="0"/>
+                                </a:rPr>
+                                <m:t>+</m:t>
+                              </m:r>
+                              <m:f>
+                                <m:fPr>
+                                  <m:ctrlPr>
+                                    <a:rPr kumimoji="1" lang="en-US" altLang="zh-CN" sz="1600" i="1">
+                                      <a:solidFill>
+                                        <a:schemeClr val="tx1"/>
+                                      </a:solidFill>
+                                      <a:latin typeface="Cambria Math" panose="02040503050406030204" pitchFamily="18" charset="0"/>
+                                    </a:rPr>
+                                  </m:ctrlPr>
+                                </m:fPr>
+                                <m:num>
+                                  <m:r>
+                                    <a:rPr kumimoji="1" lang="en-US" altLang="zh-CN" sz="1600" i="1">
+                                      <a:solidFill>
+                                        <a:schemeClr val="tx1"/>
+                                      </a:solidFill>
+                                      <a:latin typeface="Cambria Math" panose="02040503050406030204" pitchFamily="18" charset="0"/>
+                                    </a:rPr>
+                                    <m:t>1</m:t>
+                                  </m:r>
+                                </m:num>
+                                <m:den>
+                                  <m:r>
+                                    <a:rPr kumimoji="1" lang="en-US" altLang="zh-CN" sz="1600" i="1">
+                                      <a:solidFill>
+                                        <a:schemeClr val="tx1"/>
+                                      </a:solidFill>
+                                      <a:latin typeface="Cambria Math" panose="02040503050406030204" pitchFamily="18" charset="0"/>
+                                    </a:rPr>
+                                    <m:t>2</m:t>
+                                  </m:r>
+                                </m:den>
+                              </m:f>
+                              <m:sSup>
+                                <m:sSupPr>
+                                  <m:ctrlPr>
+                                    <a:rPr kumimoji="1" lang="en-US" altLang="zh-CN" sz="1600" i="1">
+                                      <a:solidFill>
+                                        <a:schemeClr val="tx1"/>
+                                      </a:solidFill>
+                                      <a:latin typeface="Cambria Math" panose="02040503050406030204" pitchFamily="18" charset="0"/>
+                                    </a:rPr>
+                                  </m:ctrlPr>
+                                </m:sSupPr>
+                                <m:e>
+                                  <m:sSub>
+                                    <m:sSubPr>
+                                      <m:ctrlPr>
+                                        <a:rPr kumimoji="1" lang="en-US" altLang="zh-CN" sz="1600" i="1">
+                                          <a:solidFill>
+                                            <a:schemeClr val="tx1"/>
+                                          </a:solidFill>
+                                          <a:latin typeface="Cambria Math" panose="02040503050406030204" pitchFamily="18" charset="0"/>
+                                        </a:rPr>
+                                      </m:ctrlPr>
+                                    </m:sSubPr>
+                                    <m:e>
+                                      <m:r>
+                                        <a:rPr kumimoji="1" lang="en-US" altLang="zh-CN" sz="1600" i="1">
+                                          <a:solidFill>
+                                            <a:schemeClr val="tx1"/>
+                                          </a:solidFill>
+                                          <a:latin typeface="Cambria Math" panose="02040503050406030204" pitchFamily="18" charset="0"/>
+                                        </a:rPr>
+                                        <m:t>𝐻</m:t>
+                                      </m:r>
+                                    </m:e>
+                                    <m:sub>
+                                      <m:r>
+                                        <a:rPr kumimoji="1" lang="en-US" altLang="zh-CN" sz="1600" i="1">
+                                          <a:solidFill>
+                                            <a:schemeClr val="tx1"/>
+                                          </a:solidFill>
+                                          <a:latin typeface="Cambria Math" panose="02040503050406030204" pitchFamily="18" charset="0"/>
+                                        </a:rPr>
+                                        <m:t>𝑖</m:t>
+                                      </m:r>
+                                      <m:r>
+                                        <a:rPr kumimoji="1" lang="en-US" altLang="zh-CN" sz="1600" i="1">
+                                          <a:solidFill>
+                                            <a:schemeClr val="tx1"/>
+                                          </a:solidFill>
+                                          <a:latin typeface="Cambria Math" panose="02040503050406030204" pitchFamily="18" charset="0"/>
+                                        </a:rPr>
+                                        <m:t>,</m:t>
+                                      </m:r>
+                                      <m:r>
+                                        <a:rPr kumimoji="1" lang="en-US" altLang="zh-CN" sz="1600" i="1">
+                                          <a:solidFill>
+                                            <a:schemeClr val="tx1"/>
+                                          </a:solidFill>
+                                          <a:latin typeface="Cambria Math" panose="02040503050406030204" pitchFamily="18" charset="0"/>
+                                        </a:rPr>
+                                        <m:t>𝑖</m:t>
+                                      </m:r>
+                                    </m:sub>
+                                  </m:sSub>
+                                  <m:d>
+                                    <m:dPr>
+                                      <m:ctrlPr>
+                                        <a:rPr kumimoji="1" lang="en-US" altLang="zh-CN" sz="1600" i="1">
+                                          <a:solidFill>
+                                            <a:schemeClr val="tx1"/>
+                                          </a:solidFill>
+                                          <a:latin typeface="Cambria Math" panose="02040503050406030204" pitchFamily="18" charset="0"/>
+                                        </a:rPr>
+                                      </m:ctrlPr>
+                                    </m:dPr>
+                                    <m:e>
+                                      <m:sSubSup>
+                                        <m:sSubSupPr>
+                                          <m:ctrlPr>
+                                            <a:rPr kumimoji="1" lang="en-US" altLang="zh-CN" sz="1600" i="1">
+                                              <a:solidFill>
+                                                <a:schemeClr val="tx1"/>
+                                              </a:solidFill>
+                                              <a:latin typeface="Cambria Math" panose="02040503050406030204" pitchFamily="18" charset="0"/>
+                                            </a:rPr>
+                                          </m:ctrlPr>
+                                        </m:sSubSupPr>
+                                        <m:e>
+                                          <m:r>
+                                            <a:rPr kumimoji="1" lang="en-US" altLang="zh-CN" sz="1600" i="1">
+                                              <a:solidFill>
+                                                <a:schemeClr val="tx1"/>
+                                              </a:solidFill>
+                                              <a:latin typeface="Cambria Math" panose="02040503050406030204" pitchFamily="18" charset="0"/>
+                                            </a:rPr>
+                                            <m:t>𝑤</m:t>
+                                          </m:r>
+                                        </m:e>
+                                        <m:sub>
+                                          <m:r>
+                                            <a:rPr kumimoji="1" lang="en-US" altLang="zh-CN" sz="1600" i="1">
+                                              <a:solidFill>
+                                                <a:schemeClr val="tx1"/>
+                                              </a:solidFill>
+                                              <a:latin typeface="Cambria Math" panose="02040503050406030204" pitchFamily="18" charset="0"/>
+                                            </a:rPr>
+                                            <m:t>𝑖</m:t>
+                                          </m:r>
+                                        </m:sub>
+                                        <m:sup>
+                                          <m:r>
+                                            <a:rPr kumimoji="1" lang="en-US" altLang="zh-CN" sz="1600" i="1">
+                                              <a:solidFill>
+                                                <a:schemeClr val="tx1"/>
+                                              </a:solidFill>
+                                              <a:latin typeface="Cambria Math" panose="02040503050406030204" pitchFamily="18" charset="0"/>
+                                            </a:rPr>
+                                            <m:t>∗</m:t>
+                                          </m:r>
+                                        </m:sup>
+                                      </m:sSubSup>
+                                    </m:e>
+                                  </m:d>
+                                </m:e>
+                                <m:sup>
+                                  <m:r>
+                                    <a:rPr kumimoji="1" lang="en-US" altLang="zh-CN" sz="1600" i="1">
+                                      <a:solidFill>
+                                        <a:schemeClr val="tx1"/>
+                                      </a:solidFill>
+                                      <a:latin typeface="Cambria Math" panose="02040503050406030204" pitchFamily="18" charset="0"/>
+                                    </a:rPr>
+                                    <m:t>2</m:t>
+                                  </m:r>
+                                </m:sup>
+                              </m:sSup>
+                              <m:r>
+                                <a:rPr kumimoji="1" lang="en-US" altLang="zh-CN" sz="1600" b="0" i="1" smtClean="0">
+                                  <a:solidFill>
+                                    <a:schemeClr val="tx1"/>
+                                  </a:solidFill>
+                                  <a:latin typeface="Cambria Math" panose="02040503050406030204" pitchFamily="18" charset="0"/>
+                                </a:rPr>
+                                <m:t>, </m:t>
+                              </m:r>
+                              <m:sSub>
+                                <m:sSubPr>
+                                  <m:ctrlPr>
+                                    <a:rPr kumimoji="1" lang="en-US" altLang="zh-CN" sz="1600" b="0" i="1" smtClean="0">
+                                      <a:solidFill>
+                                        <a:schemeClr val="tx1"/>
+                                      </a:solidFill>
+                                      <a:latin typeface="Cambria Math" panose="02040503050406030204" pitchFamily="18" charset="0"/>
+                                    </a:rPr>
+                                  </m:ctrlPr>
+                                </m:sSubPr>
+                                <m:e>
+                                  <m:r>
+                                    <a:rPr kumimoji="1" lang="en-US" altLang="zh-CN" sz="1600" b="0" i="1" smtClean="0">
+                                      <a:solidFill>
+                                        <a:schemeClr val="tx1"/>
+                                      </a:solidFill>
+                                      <a:latin typeface="Cambria Math" panose="02040503050406030204" pitchFamily="18" charset="0"/>
+                                    </a:rPr>
+                                    <m:t>𝑤</m:t>
+                                  </m:r>
+                                </m:e>
+                                <m:sub>
+                                  <m:r>
+                                    <a:rPr kumimoji="1" lang="en-US" altLang="zh-CN" sz="1600" b="0" i="1" smtClean="0">
+                                      <a:solidFill>
+                                        <a:schemeClr val="tx1"/>
+                                      </a:solidFill>
+                                      <a:latin typeface="Cambria Math" panose="02040503050406030204" pitchFamily="18" charset="0"/>
+                                    </a:rPr>
+                                    <m:t>𝑖</m:t>
+                                  </m:r>
+                                </m:sub>
+                              </m:sSub>
+                              <m:r>
+                                <a:rPr kumimoji="1" lang="en-US" altLang="zh-CN" sz="1600" b="0" i="1" smtClean="0">
+                                  <a:solidFill>
+                                    <a:schemeClr val="tx1"/>
+                                  </a:solidFill>
+                                  <a:latin typeface="Cambria Math" panose="02040503050406030204" pitchFamily="18" charset="0"/>
+                                </a:rPr>
+                                <m:t>≥0</m:t>
+                              </m:r>
+                            </m:e>
+                            <m:e>
+                              <m:f>
+                                <m:fPr>
+                                  <m:ctrlPr>
+                                    <a:rPr kumimoji="1" lang="en-US" altLang="zh-CN" sz="1600" i="1">
+                                      <a:solidFill>
+                                        <a:schemeClr val="tx1"/>
+                                      </a:solidFill>
+                                      <a:latin typeface="Cambria Math" panose="02040503050406030204" pitchFamily="18" charset="0"/>
+                                    </a:rPr>
+                                  </m:ctrlPr>
+                                </m:fPr>
+                                <m:num>
+                                  <m:r>
+                                    <a:rPr kumimoji="1" lang="en-US" altLang="zh-CN" sz="1600" i="1">
+                                      <a:solidFill>
+                                        <a:schemeClr val="tx1"/>
+                                      </a:solidFill>
+                                      <a:latin typeface="Cambria Math" panose="02040503050406030204" pitchFamily="18" charset="0"/>
+                                    </a:rPr>
+                                    <m:t>1</m:t>
+                                  </m:r>
+                                </m:num>
+                                <m:den>
+                                  <m:r>
+                                    <a:rPr kumimoji="1" lang="en-US" altLang="zh-CN" sz="1600" i="1">
+                                      <a:solidFill>
+                                        <a:schemeClr val="tx1"/>
+                                      </a:solidFill>
+                                      <a:latin typeface="Cambria Math" panose="02040503050406030204" pitchFamily="18" charset="0"/>
+                                    </a:rPr>
+                                    <m:t>2</m:t>
+                                  </m:r>
+                                </m:den>
+                              </m:f>
+                              <m:sSub>
+                                <m:sSubPr>
+                                  <m:ctrlPr>
+                                    <a:rPr kumimoji="1" lang="en-US" altLang="zh-CN" sz="1600" i="1">
+                                      <a:solidFill>
+                                        <a:schemeClr val="tx1"/>
+                                      </a:solidFill>
+                                      <a:latin typeface="Cambria Math" panose="02040503050406030204" pitchFamily="18" charset="0"/>
+                                    </a:rPr>
+                                  </m:ctrlPr>
+                                </m:sSubPr>
+                                <m:e>
+                                  <m:r>
+                                    <a:rPr kumimoji="1" lang="en-US" altLang="zh-CN" sz="1600" i="1">
+                                      <a:solidFill>
+                                        <a:schemeClr val="tx1"/>
+                                      </a:solidFill>
+                                      <a:latin typeface="Cambria Math" panose="02040503050406030204" pitchFamily="18" charset="0"/>
+                                    </a:rPr>
+                                    <m:t>𝐻</m:t>
+                                  </m:r>
+                                </m:e>
+                                <m:sub>
+                                  <m:r>
+                                    <a:rPr kumimoji="1" lang="en-US" altLang="zh-CN" sz="1600" i="1">
+                                      <a:solidFill>
+                                        <a:schemeClr val="tx1"/>
+                                      </a:solidFill>
+                                      <a:latin typeface="Cambria Math" panose="02040503050406030204" pitchFamily="18" charset="0"/>
+                                    </a:rPr>
+                                    <m:t>𝑖</m:t>
+                                  </m:r>
+                                  <m:r>
+                                    <a:rPr kumimoji="1" lang="en-US" altLang="zh-CN" sz="1600" i="1">
+                                      <a:solidFill>
+                                        <a:schemeClr val="tx1"/>
+                                      </a:solidFill>
+                                      <a:latin typeface="Cambria Math" panose="02040503050406030204" pitchFamily="18" charset="0"/>
+                                    </a:rPr>
+                                    <m:t>,</m:t>
+                                  </m:r>
+                                  <m:r>
+                                    <a:rPr kumimoji="1" lang="en-US" altLang="zh-CN" sz="1600" i="1">
+                                      <a:solidFill>
+                                        <a:schemeClr val="tx1"/>
+                                      </a:solidFill>
+                                      <a:latin typeface="Cambria Math" panose="02040503050406030204" pitchFamily="18" charset="0"/>
+                                    </a:rPr>
+                                    <m:t>𝑖</m:t>
+                                  </m:r>
+                                </m:sub>
+                              </m:sSub>
+                              <m:sSubSup>
+                                <m:sSubSupPr>
+                                  <m:ctrlPr>
+                                    <a:rPr kumimoji="1" lang="en-US" altLang="zh-CN" sz="1600" i="1">
+                                      <a:solidFill>
+                                        <a:schemeClr val="tx1"/>
+                                      </a:solidFill>
+                                      <a:latin typeface="Cambria Math" panose="02040503050406030204" pitchFamily="18" charset="0"/>
+                                    </a:rPr>
+                                  </m:ctrlPr>
+                                </m:sSubSupPr>
+                                <m:e>
+                                  <m:r>
+                                    <a:rPr kumimoji="1" lang="en-US" altLang="zh-CN" sz="1600" i="1">
+                                      <a:solidFill>
+                                        <a:schemeClr val="tx1"/>
+                                      </a:solidFill>
+                                      <a:latin typeface="Cambria Math" panose="02040503050406030204" pitchFamily="18" charset="0"/>
+                                    </a:rPr>
+                                    <m:t>𝑤</m:t>
+                                  </m:r>
+                                </m:e>
+                                <m:sub>
+                                  <m:r>
+                                    <a:rPr kumimoji="1" lang="en-US" altLang="zh-CN" sz="1600" i="1">
+                                      <a:solidFill>
+                                        <a:schemeClr val="tx1"/>
+                                      </a:solidFill>
+                                      <a:latin typeface="Cambria Math" panose="02040503050406030204" pitchFamily="18" charset="0"/>
+                                    </a:rPr>
+                                    <m:t>𝑖</m:t>
+                                  </m:r>
+                                </m:sub>
+                                <m:sup>
+                                  <m:r>
+                                    <a:rPr kumimoji="1" lang="en-US" altLang="zh-CN" sz="1600" i="1">
+                                      <a:solidFill>
+                                        <a:schemeClr val="tx1"/>
+                                      </a:solidFill>
+                                      <a:latin typeface="Cambria Math" panose="02040503050406030204" pitchFamily="18" charset="0"/>
+                                    </a:rPr>
+                                    <m:t>2</m:t>
+                                  </m:r>
+                                </m:sup>
+                              </m:sSubSup>
+                              <m:r>
+                                <a:rPr kumimoji="1" lang="en-US" altLang="zh-CN" sz="1600" i="1">
+                                  <a:solidFill>
+                                    <a:schemeClr val="tx1"/>
+                                  </a:solidFill>
+                                  <a:latin typeface="Cambria Math" panose="02040503050406030204" pitchFamily="18" charset="0"/>
+                                </a:rPr>
+                                <m:t>−</m:t>
+                              </m:r>
+                              <m:sSub>
+                                <m:sSubPr>
+                                  <m:ctrlPr>
+                                    <a:rPr kumimoji="1" lang="en-US" altLang="zh-CN" sz="1600" i="1">
+                                      <a:solidFill>
+                                        <a:schemeClr val="tx1"/>
+                                      </a:solidFill>
+                                      <a:latin typeface="Cambria Math" panose="02040503050406030204" pitchFamily="18" charset="0"/>
+                                    </a:rPr>
+                                  </m:ctrlPr>
+                                </m:sSubPr>
+                                <m:e>
+                                  <m:d>
+                                    <m:dPr>
+                                      <m:ctrlPr>
+                                        <a:rPr kumimoji="1" lang="en-US" altLang="zh-CN" sz="1600" i="1" smtClean="0">
+                                          <a:solidFill>
+                                            <a:schemeClr val="tx1"/>
+                                          </a:solidFill>
+                                          <a:latin typeface="Cambria Math" panose="02040503050406030204" pitchFamily="18" charset="0"/>
+                                        </a:rPr>
+                                      </m:ctrlPr>
+                                    </m:dPr>
+                                    <m:e>
+                                      <m:sSub>
+                                        <m:sSubPr>
+                                          <m:ctrlPr>
+                                            <a:rPr kumimoji="1" lang="en-US" altLang="zh-CN" sz="1600" i="1">
+                                              <a:solidFill>
+                                                <a:schemeClr val="tx1"/>
+                                              </a:solidFill>
+                                              <a:latin typeface="Cambria Math" panose="02040503050406030204" pitchFamily="18" charset="0"/>
+                                            </a:rPr>
+                                          </m:ctrlPr>
+                                        </m:sSubPr>
+                                        <m:e>
+                                          <m:r>
+                                            <a:rPr kumimoji="1" lang="en-US" altLang="zh-CN" sz="1600" i="1">
+                                              <a:solidFill>
+                                                <a:schemeClr val="tx1"/>
+                                              </a:solidFill>
+                                              <a:latin typeface="Cambria Math" panose="02040503050406030204" pitchFamily="18" charset="0"/>
+                                            </a:rPr>
+                                            <m:t>𝐻</m:t>
+                                          </m:r>
+                                        </m:e>
+                                        <m:sub>
+                                          <m:r>
+                                            <a:rPr kumimoji="1" lang="en-US" altLang="zh-CN" sz="1600" i="1">
+                                              <a:solidFill>
+                                                <a:schemeClr val="tx1"/>
+                                              </a:solidFill>
+                                              <a:latin typeface="Cambria Math" panose="02040503050406030204" pitchFamily="18" charset="0"/>
+                                            </a:rPr>
+                                            <m:t>𝑖</m:t>
+                                          </m:r>
+                                          <m:r>
+                                            <a:rPr kumimoji="1" lang="en-US" altLang="zh-CN" sz="1600" i="1">
+                                              <a:solidFill>
+                                                <a:schemeClr val="tx1"/>
+                                              </a:solidFill>
+                                              <a:latin typeface="Cambria Math" panose="02040503050406030204" pitchFamily="18" charset="0"/>
+                                            </a:rPr>
+                                            <m:t>,</m:t>
+                                          </m:r>
+                                          <m:r>
+                                            <a:rPr kumimoji="1" lang="en-US" altLang="zh-CN" sz="1600" i="1">
+                                              <a:solidFill>
+                                                <a:schemeClr val="tx1"/>
+                                              </a:solidFill>
+                                              <a:latin typeface="Cambria Math" panose="02040503050406030204" pitchFamily="18" charset="0"/>
+                                            </a:rPr>
+                                            <m:t>𝑖</m:t>
+                                          </m:r>
+                                        </m:sub>
+                                      </m:sSub>
+                                      <m:sSubSup>
+                                        <m:sSubSupPr>
+                                          <m:ctrlPr>
+                                            <a:rPr kumimoji="1" lang="en-US" altLang="zh-CN" sz="1600" i="1">
+                                              <a:solidFill>
+                                                <a:schemeClr val="tx1"/>
+                                              </a:solidFill>
+                                              <a:latin typeface="Cambria Math" panose="02040503050406030204" pitchFamily="18" charset="0"/>
+                                            </a:rPr>
+                                          </m:ctrlPr>
+                                        </m:sSubSupPr>
+                                        <m:e>
+                                          <m:r>
+                                            <a:rPr kumimoji="1" lang="en-US" altLang="zh-CN" sz="1600" i="1">
+                                              <a:solidFill>
+                                                <a:schemeClr val="tx1"/>
+                                              </a:solidFill>
+                                              <a:latin typeface="Cambria Math" panose="02040503050406030204" pitchFamily="18" charset="0"/>
+                                            </a:rPr>
+                                            <m:t>𝑤</m:t>
+                                          </m:r>
+                                        </m:e>
+                                        <m:sub>
+                                          <m:r>
+                                            <a:rPr kumimoji="1" lang="en-US" altLang="zh-CN" sz="1600" i="1">
+                                              <a:solidFill>
+                                                <a:schemeClr val="tx1"/>
+                                              </a:solidFill>
+                                              <a:latin typeface="Cambria Math" panose="02040503050406030204" pitchFamily="18" charset="0"/>
+                                            </a:rPr>
+                                            <m:t>𝑖</m:t>
+                                          </m:r>
+                                        </m:sub>
+                                        <m:sup>
+                                          <m:r>
+                                            <a:rPr kumimoji="1" lang="en-US" altLang="zh-CN" sz="1600" i="1">
+                                              <a:solidFill>
+                                                <a:schemeClr val="tx1"/>
+                                              </a:solidFill>
+                                              <a:latin typeface="Cambria Math" panose="02040503050406030204" pitchFamily="18" charset="0"/>
+                                            </a:rPr>
+                                            <m:t>∗</m:t>
+                                          </m:r>
+                                        </m:sup>
+                                      </m:sSubSup>
+                                      <m:r>
+                                        <a:rPr kumimoji="1" lang="en-US" altLang="zh-CN" sz="1600" i="1">
+                                          <a:solidFill>
+                                            <a:schemeClr val="tx1"/>
+                                          </a:solidFill>
+                                          <a:latin typeface="Cambria Math" panose="02040503050406030204" pitchFamily="18" charset="0"/>
+                                        </a:rPr>
+                                        <m:t>+</m:t>
+                                      </m:r>
+                                      <m:r>
+                                        <a:rPr kumimoji="1" lang="en-US" altLang="zh-CN" sz="1600" i="1">
+                                          <a:solidFill>
+                                            <a:schemeClr val="tx1"/>
+                                          </a:solidFill>
+                                          <a:latin typeface="Cambria Math" panose="02040503050406030204" pitchFamily="18" charset="0"/>
+                                        </a:rPr>
+                                        <m:t>𝛼</m:t>
+                                      </m:r>
+                                    </m:e>
+                                  </m:d>
+                                  <m:r>
+                                    <a:rPr kumimoji="1" lang="en-US" altLang="zh-CN" sz="1600" i="1">
+                                      <a:solidFill>
+                                        <a:schemeClr val="tx1"/>
+                                      </a:solidFill>
+                                      <a:latin typeface="Cambria Math" panose="02040503050406030204" pitchFamily="18" charset="0"/>
+                                    </a:rPr>
+                                    <m:t>𝑤</m:t>
+                                  </m:r>
+                                </m:e>
+                                <m:sub>
+                                  <m:r>
+                                    <a:rPr kumimoji="1" lang="en-US" altLang="zh-CN" sz="1600" i="1">
+                                      <a:solidFill>
+                                        <a:schemeClr val="tx1"/>
+                                      </a:solidFill>
+                                      <a:latin typeface="Cambria Math" panose="02040503050406030204" pitchFamily="18" charset="0"/>
+                                    </a:rPr>
+                                    <m:t>𝑖</m:t>
+                                  </m:r>
+                                </m:sub>
+                              </m:sSub>
+                              <m:r>
+                                <a:rPr kumimoji="1" lang="en-US" altLang="zh-CN" sz="1600" i="1">
+                                  <a:solidFill>
+                                    <a:schemeClr val="tx1"/>
+                                  </a:solidFill>
+                                  <a:latin typeface="Cambria Math" panose="02040503050406030204" pitchFamily="18" charset="0"/>
+                                </a:rPr>
+                                <m:t>+</m:t>
+                              </m:r>
+                              <m:f>
+                                <m:fPr>
+                                  <m:ctrlPr>
+                                    <a:rPr kumimoji="1" lang="en-US" altLang="zh-CN" sz="1600" i="1">
+                                      <a:solidFill>
+                                        <a:schemeClr val="tx1"/>
+                                      </a:solidFill>
+                                      <a:latin typeface="Cambria Math" panose="02040503050406030204" pitchFamily="18" charset="0"/>
+                                    </a:rPr>
+                                  </m:ctrlPr>
+                                </m:fPr>
+                                <m:num>
+                                  <m:r>
+                                    <a:rPr kumimoji="1" lang="en-US" altLang="zh-CN" sz="1600" i="1">
+                                      <a:solidFill>
+                                        <a:schemeClr val="tx1"/>
+                                      </a:solidFill>
+                                      <a:latin typeface="Cambria Math" panose="02040503050406030204" pitchFamily="18" charset="0"/>
+                                    </a:rPr>
+                                    <m:t>1</m:t>
+                                  </m:r>
+                                </m:num>
+                                <m:den>
+                                  <m:r>
+                                    <a:rPr kumimoji="1" lang="en-US" altLang="zh-CN" sz="1600" i="1">
+                                      <a:solidFill>
+                                        <a:schemeClr val="tx1"/>
+                                      </a:solidFill>
+                                      <a:latin typeface="Cambria Math" panose="02040503050406030204" pitchFamily="18" charset="0"/>
+                                    </a:rPr>
+                                    <m:t>2</m:t>
+                                  </m:r>
+                                </m:den>
+                              </m:f>
+                              <m:sSup>
+                                <m:sSupPr>
+                                  <m:ctrlPr>
+                                    <a:rPr kumimoji="1" lang="en-US" altLang="zh-CN" sz="1600" i="1">
+                                      <a:solidFill>
+                                        <a:schemeClr val="tx1"/>
+                                      </a:solidFill>
+                                      <a:latin typeface="Cambria Math" panose="02040503050406030204" pitchFamily="18" charset="0"/>
+                                    </a:rPr>
+                                  </m:ctrlPr>
+                                </m:sSupPr>
+                                <m:e>
+                                  <m:sSub>
+                                    <m:sSubPr>
+                                      <m:ctrlPr>
+                                        <a:rPr kumimoji="1" lang="en-US" altLang="zh-CN" sz="1600" i="1">
+                                          <a:solidFill>
+                                            <a:schemeClr val="tx1"/>
+                                          </a:solidFill>
+                                          <a:latin typeface="Cambria Math" panose="02040503050406030204" pitchFamily="18" charset="0"/>
+                                        </a:rPr>
+                                      </m:ctrlPr>
+                                    </m:sSubPr>
+                                    <m:e>
+                                      <m:r>
+                                        <a:rPr kumimoji="1" lang="en-US" altLang="zh-CN" sz="1600" i="1">
+                                          <a:solidFill>
+                                            <a:schemeClr val="tx1"/>
+                                          </a:solidFill>
+                                          <a:latin typeface="Cambria Math" panose="02040503050406030204" pitchFamily="18" charset="0"/>
+                                        </a:rPr>
+                                        <m:t>𝐻</m:t>
+                                      </m:r>
+                                    </m:e>
+                                    <m:sub>
+                                      <m:r>
+                                        <a:rPr kumimoji="1" lang="en-US" altLang="zh-CN" sz="1600" i="1">
+                                          <a:solidFill>
+                                            <a:schemeClr val="tx1"/>
+                                          </a:solidFill>
+                                          <a:latin typeface="Cambria Math" panose="02040503050406030204" pitchFamily="18" charset="0"/>
+                                        </a:rPr>
+                                        <m:t>𝑖</m:t>
+                                      </m:r>
+                                      <m:r>
+                                        <a:rPr kumimoji="1" lang="en-US" altLang="zh-CN" sz="1600" i="1">
+                                          <a:solidFill>
+                                            <a:schemeClr val="tx1"/>
+                                          </a:solidFill>
+                                          <a:latin typeface="Cambria Math" panose="02040503050406030204" pitchFamily="18" charset="0"/>
+                                        </a:rPr>
+                                        <m:t>,</m:t>
+                                      </m:r>
+                                      <m:r>
+                                        <a:rPr kumimoji="1" lang="en-US" altLang="zh-CN" sz="1600" i="1">
+                                          <a:solidFill>
+                                            <a:schemeClr val="tx1"/>
+                                          </a:solidFill>
+                                          <a:latin typeface="Cambria Math" panose="02040503050406030204" pitchFamily="18" charset="0"/>
+                                        </a:rPr>
+                                        <m:t>𝑖</m:t>
+                                      </m:r>
+                                    </m:sub>
+                                  </m:sSub>
+                                  <m:d>
+                                    <m:dPr>
+                                      <m:ctrlPr>
+                                        <a:rPr kumimoji="1" lang="en-US" altLang="zh-CN" sz="1600" i="1">
+                                          <a:solidFill>
+                                            <a:schemeClr val="tx1"/>
+                                          </a:solidFill>
+                                          <a:latin typeface="Cambria Math" panose="02040503050406030204" pitchFamily="18" charset="0"/>
+                                        </a:rPr>
+                                      </m:ctrlPr>
+                                    </m:dPr>
+                                    <m:e>
+                                      <m:sSubSup>
+                                        <m:sSubSupPr>
+                                          <m:ctrlPr>
+                                            <a:rPr kumimoji="1" lang="en-US" altLang="zh-CN" sz="1600" i="1">
+                                              <a:solidFill>
+                                                <a:schemeClr val="tx1"/>
+                                              </a:solidFill>
+                                              <a:latin typeface="Cambria Math" panose="02040503050406030204" pitchFamily="18" charset="0"/>
+                                            </a:rPr>
+                                          </m:ctrlPr>
+                                        </m:sSubSupPr>
+                                        <m:e>
+                                          <m:r>
+                                            <a:rPr kumimoji="1" lang="en-US" altLang="zh-CN" sz="1600" i="1">
+                                              <a:solidFill>
+                                                <a:schemeClr val="tx1"/>
+                                              </a:solidFill>
+                                              <a:latin typeface="Cambria Math" panose="02040503050406030204" pitchFamily="18" charset="0"/>
+                                            </a:rPr>
+                                            <m:t>𝑤</m:t>
+                                          </m:r>
+                                        </m:e>
+                                        <m:sub>
+                                          <m:r>
+                                            <a:rPr kumimoji="1" lang="en-US" altLang="zh-CN" sz="1600" i="1">
+                                              <a:solidFill>
+                                                <a:schemeClr val="tx1"/>
+                                              </a:solidFill>
+                                              <a:latin typeface="Cambria Math" panose="02040503050406030204" pitchFamily="18" charset="0"/>
+                                            </a:rPr>
+                                            <m:t>𝑖</m:t>
+                                          </m:r>
+                                        </m:sub>
+                                        <m:sup>
+                                          <m:r>
+                                            <a:rPr kumimoji="1" lang="en-US" altLang="zh-CN" sz="1600" i="1">
+                                              <a:solidFill>
+                                                <a:schemeClr val="tx1"/>
+                                              </a:solidFill>
+                                              <a:latin typeface="Cambria Math" panose="02040503050406030204" pitchFamily="18" charset="0"/>
+                                            </a:rPr>
+                                            <m:t>∗</m:t>
+                                          </m:r>
+                                        </m:sup>
+                                      </m:sSubSup>
+                                    </m:e>
+                                  </m:d>
+                                </m:e>
+                                <m:sup>
+                                  <m:r>
+                                    <a:rPr kumimoji="1" lang="en-US" altLang="zh-CN" sz="1600" i="1">
+                                      <a:solidFill>
+                                        <a:schemeClr val="tx1"/>
+                                      </a:solidFill>
+                                      <a:latin typeface="Cambria Math" panose="02040503050406030204" pitchFamily="18" charset="0"/>
+                                    </a:rPr>
+                                    <m:t>2</m:t>
+                                  </m:r>
+                                </m:sup>
+                              </m:sSup>
+                              <m:r>
+                                <a:rPr kumimoji="1" lang="en-US" altLang="zh-CN" sz="1600" i="1">
+                                  <a:solidFill>
+                                    <a:schemeClr val="tx1"/>
+                                  </a:solidFill>
+                                  <a:latin typeface="Cambria Math" panose="02040503050406030204" pitchFamily="18" charset="0"/>
+                                </a:rPr>
+                                <m:t>, </m:t>
+                              </m:r>
+                              <m:sSub>
+                                <m:sSubPr>
+                                  <m:ctrlPr>
+                                    <a:rPr kumimoji="1" lang="en-US" altLang="zh-CN" sz="1600" i="1">
+                                      <a:solidFill>
+                                        <a:schemeClr val="tx1"/>
+                                      </a:solidFill>
+                                      <a:latin typeface="Cambria Math" panose="02040503050406030204" pitchFamily="18" charset="0"/>
+                                    </a:rPr>
+                                  </m:ctrlPr>
+                                </m:sSubPr>
+                                <m:e>
+                                  <m:r>
+                                    <a:rPr kumimoji="1" lang="en-US" altLang="zh-CN" sz="1600" i="1">
+                                      <a:solidFill>
+                                        <a:schemeClr val="tx1"/>
+                                      </a:solidFill>
+                                      <a:latin typeface="Cambria Math" panose="02040503050406030204" pitchFamily="18" charset="0"/>
+                                    </a:rPr>
+                                    <m:t>𝑤</m:t>
+                                  </m:r>
+                                </m:e>
+                                <m:sub>
+                                  <m:r>
+                                    <a:rPr kumimoji="1" lang="en-US" altLang="zh-CN" sz="1600" i="1">
+                                      <a:solidFill>
+                                        <a:schemeClr val="tx1"/>
+                                      </a:solidFill>
+                                      <a:latin typeface="Cambria Math" panose="02040503050406030204" pitchFamily="18" charset="0"/>
+                                    </a:rPr>
+                                    <m:t>𝑖</m:t>
+                                  </m:r>
+                                </m:sub>
+                              </m:sSub>
+                              <m:r>
+                                <a:rPr kumimoji="1" lang="en-US" altLang="zh-CN" sz="1600" b="0" i="1" smtClean="0">
+                                  <a:solidFill>
+                                    <a:schemeClr val="tx1"/>
+                                  </a:solidFill>
+                                  <a:latin typeface="Cambria Math" panose="02040503050406030204" pitchFamily="18" charset="0"/>
+                                </a:rPr>
+                                <m:t>&lt;</m:t>
+                              </m:r>
+                              <m:r>
+                                <a:rPr kumimoji="1" lang="en-US" altLang="zh-CN" sz="1600" i="1">
+                                  <a:solidFill>
+                                    <a:schemeClr val="tx1"/>
+                                  </a:solidFill>
+                                  <a:latin typeface="Cambria Math" panose="02040503050406030204" pitchFamily="18" charset="0"/>
+                                </a:rPr>
+                                <m:t>0</m:t>
+                              </m:r>
+                            </m:e>
+                          </m:eqArr>
+                        </m:e>
+                      </m:d>
+                    </m:oMath>
+                  </m:oMathPara>
+                </a14:m>
+                <a:endParaRPr kumimoji="1" lang="en-US" altLang="zh-CN" sz="1600" dirty="0">
+                  <a:solidFill>
+                    <a:schemeClr val="tx1"/>
+                  </a:solidFill>
+                </a:endParaRPr>
+              </a:p>
+              <a:p>
+                <a:pPr marL="0" indent="0">
+                  <a:buNone/>
+                </a:pPr>
+                <a:r>
+                  <a:rPr kumimoji="1" lang="zh-CN" altLang="en-US" sz="1600" dirty="0">
+                    <a:solidFill>
+                      <a:schemeClr val="tx1"/>
+                    </a:solidFill>
+                  </a:rPr>
+                  <a:t>当</a:t>
+                </a:r>
+                <a:r>
+                  <a:rPr kumimoji="1" lang="en-US" altLang="zh-CN" sz="1600" dirty="0">
+                    <a:solidFill>
+                      <a:schemeClr val="tx1"/>
+                    </a:solidFill>
+                  </a:rPr>
+                  <a:t>f</a:t>
+                </a:r>
+                <a:r>
+                  <a:rPr kumimoji="1" lang="zh-CN" altLang="en-US" sz="1600" dirty="0">
+                    <a:solidFill>
+                      <a:schemeClr val="tx1"/>
+                    </a:solidFill>
+                  </a:rPr>
+                  <a:t>取得最小值时</a:t>
+                </a:r>
+                <a:r>
+                  <a:rPr kumimoji="1" lang="zh-CN" altLang="en-US" sz="1600">
+                    <a:solidFill>
+                      <a:schemeClr val="tx1"/>
+                    </a:solidFill>
+                  </a:rPr>
+                  <a:t>，有以下三</a:t>
+                </a:r>
+                <a:r>
+                  <a:rPr kumimoji="1" lang="zh-CN" altLang="en-US" sz="1600" dirty="0">
+                    <a:solidFill>
+                      <a:schemeClr val="tx1"/>
+                    </a:solidFill>
+                  </a:rPr>
+                  <a:t>种情况</a:t>
+                </a:r>
+                <a:endParaRPr kumimoji="1" lang="en-US" altLang="zh-CN" sz="1600" dirty="0">
+                  <a:solidFill>
+                    <a:schemeClr val="tx1"/>
+                  </a:solidFill>
+                </a:endParaRPr>
+              </a:p>
+              <a:p>
+                <a:pPr marL="0" indent="0">
+                  <a:buNone/>
+                </a:pPr>
+                <a:r>
+                  <a:rPr kumimoji="1" lang="zh-CN" altLang="en-US" sz="1600" dirty="0">
+                    <a:solidFill>
+                      <a:schemeClr val="tx1"/>
+                    </a:solidFill>
+                  </a:rPr>
+                  <a:t>当</a:t>
+                </a:r>
+                <a14:m>
+                  <m:oMath xmlns:m="http://schemas.openxmlformats.org/officeDocument/2006/math">
+                    <m:sSub>
+                      <m:sSubPr>
+                        <m:ctrlPr>
+                          <a:rPr kumimoji="1" lang="en-US" altLang="zh-CN" sz="1600" i="1">
+                            <a:solidFill>
+                              <a:schemeClr val="tx1"/>
+                            </a:solidFill>
+                            <a:latin typeface="Cambria Math" panose="02040503050406030204" pitchFamily="18" charset="0"/>
+                          </a:rPr>
+                        </m:ctrlPr>
+                      </m:sSubPr>
+                      <m:e>
+                        <m:r>
+                          <a:rPr kumimoji="1" lang="en-US" altLang="zh-CN" sz="1600" i="1">
+                            <a:solidFill>
+                              <a:schemeClr val="tx1"/>
+                            </a:solidFill>
+                            <a:latin typeface="Cambria Math" panose="02040503050406030204" pitchFamily="18" charset="0"/>
+                          </a:rPr>
+                          <m:t>𝑤</m:t>
+                        </m:r>
+                      </m:e>
+                      <m:sub>
+                        <m:r>
+                          <a:rPr kumimoji="1" lang="en-US" altLang="zh-CN" sz="1600" i="1">
+                            <a:solidFill>
+                              <a:schemeClr val="tx1"/>
+                            </a:solidFill>
+                            <a:latin typeface="Cambria Math" panose="02040503050406030204" pitchFamily="18" charset="0"/>
+                          </a:rPr>
+                          <m:t>𝑖</m:t>
+                        </m:r>
+                      </m:sub>
+                    </m:sSub>
+                    <m:r>
+                      <a:rPr kumimoji="1" lang="en-US" altLang="zh-CN" sz="1600" i="1">
+                        <a:solidFill>
+                          <a:schemeClr val="tx1"/>
+                        </a:solidFill>
+                        <a:latin typeface="Cambria Math" panose="02040503050406030204" pitchFamily="18" charset="0"/>
+                      </a:rPr>
+                      <m:t>≥0</m:t>
+                    </m:r>
+                  </m:oMath>
+                </a14:m>
+                <a:r>
+                  <a:rPr kumimoji="1" lang="zh-CN" altLang="en-US" sz="1600" b="0" dirty="0">
+                    <a:solidFill>
+                      <a:schemeClr val="tx1"/>
+                    </a:solidFill>
+                  </a:rPr>
+                  <a:t>时，最小值在</a:t>
+                </a:r>
+                <a14:m>
+                  <m:oMath xmlns:m="http://schemas.openxmlformats.org/officeDocument/2006/math">
+                    <m:func>
+                      <m:funcPr>
+                        <m:ctrlPr>
+                          <a:rPr kumimoji="1" lang="en-US" altLang="zh-CN" sz="1600" i="1">
+                            <a:solidFill>
+                              <a:schemeClr val="tx1"/>
+                            </a:solidFill>
+                            <a:latin typeface="Cambria Math" panose="02040503050406030204" pitchFamily="18" charset="0"/>
+                          </a:rPr>
+                        </m:ctrlPr>
+                      </m:funcPr>
+                      <m:fName>
+                        <m:r>
+                          <m:rPr>
+                            <m:sty m:val="p"/>
+                          </m:rPr>
+                          <a:rPr kumimoji="1" lang="en-US" altLang="zh-CN" sz="1600">
+                            <a:solidFill>
+                              <a:schemeClr val="tx1"/>
+                            </a:solidFill>
+                            <a:latin typeface="Cambria Math" panose="02040503050406030204" pitchFamily="18" charset="0"/>
+                          </a:rPr>
+                          <m:t>max</m:t>
+                        </m:r>
+                      </m:fName>
+                      <m:e>
+                        <m:d>
+                          <m:dPr>
+                            <m:begChr m:val="{"/>
+                            <m:endChr m:val="}"/>
+                            <m:ctrlPr>
+                              <a:rPr kumimoji="1" lang="en-US" altLang="zh-CN" sz="1600" i="1">
+                                <a:solidFill>
+                                  <a:schemeClr val="tx1"/>
+                                </a:solidFill>
+                                <a:latin typeface="Cambria Math" panose="02040503050406030204" pitchFamily="18" charset="0"/>
+                              </a:rPr>
+                            </m:ctrlPr>
+                          </m:dPr>
+                          <m:e>
+                            <m:sSubSup>
+                              <m:sSubSupPr>
+                                <m:ctrlPr>
+                                  <a:rPr kumimoji="1" lang="en-US" altLang="zh-CN" sz="1600" i="1">
+                                    <a:solidFill>
+                                      <a:schemeClr val="tx1"/>
+                                    </a:solidFill>
+                                    <a:latin typeface="Cambria Math" panose="02040503050406030204" pitchFamily="18" charset="0"/>
+                                  </a:rPr>
+                                </m:ctrlPr>
+                              </m:sSubSupPr>
+                              <m:e>
+                                <m:r>
+                                  <a:rPr kumimoji="1" lang="en-US" altLang="zh-CN" sz="1600" i="1">
+                                    <a:solidFill>
+                                      <a:schemeClr val="tx1"/>
+                                    </a:solidFill>
+                                    <a:latin typeface="Cambria Math" panose="02040503050406030204" pitchFamily="18" charset="0"/>
+                                  </a:rPr>
+                                  <m:t>𝑤</m:t>
+                                </m:r>
+                              </m:e>
+                              <m:sub>
+                                <m:r>
+                                  <a:rPr kumimoji="1" lang="en-US" altLang="zh-CN" sz="1600" i="1">
+                                    <a:solidFill>
+                                      <a:schemeClr val="tx1"/>
+                                    </a:solidFill>
+                                    <a:latin typeface="Cambria Math" panose="02040503050406030204" pitchFamily="18" charset="0"/>
+                                  </a:rPr>
+                                  <m:t>𝑖</m:t>
+                                </m:r>
+                              </m:sub>
+                              <m:sup>
+                                <m:r>
+                                  <a:rPr kumimoji="1" lang="en-US" altLang="zh-CN" sz="1600" i="1">
+                                    <a:solidFill>
+                                      <a:schemeClr val="tx1"/>
+                                    </a:solidFill>
+                                    <a:latin typeface="Cambria Math" panose="02040503050406030204" pitchFamily="18" charset="0"/>
+                                  </a:rPr>
+                                  <m:t>∗</m:t>
+                                </m:r>
+                              </m:sup>
+                            </m:sSubSup>
+                            <m:r>
+                              <a:rPr kumimoji="1" lang="en-US" altLang="zh-CN" sz="1600" i="1">
+                                <a:solidFill>
+                                  <a:schemeClr val="tx1"/>
+                                </a:solidFill>
+                                <a:latin typeface="Cambria Math" panose="02040503050406030204" pitchFamily="18" charset="0"/>
+                              </a:rPr>
+                              <m:t>−</m:t>
+                            </m:r>
+                            <m:f>
+                              <m:fPr>
+                                <m:ctrlPr>
+                                  <a:rPr kumimoji="1" lang="en-US" altLang="zh-CN" sz="1600" b="0" i="1" smtClean="0">
+                                    <a:solidFill>
+                                      <a:schemeClr val="tx1"/>
+                                    </a:solidFill>
+                                    <a:latin typeface="Cambria Math" panose="02040503050406030204" pitchFamily="18" charset="0"/>
+                                  </a:rPr>
+                                </m:ctrlPr>
+                              </m:fPr>
+                              <m:num>
+                                <m:r>
+                                  <a:rPr kumimoji="1" lang="en-US" altLang="zh-CN" sz="1600" i="1">
+                                    <a:solidFill>
+                                      <a:schemeClr val="tx1"/>
+                                    </a:solidFill>
+                                    <a:latin typeface="Cambria Math" panose="02040503050406030204" pitchFamily="18" charset="0"/>
+                                  </a:rPr>
+                                  <m:t>𝛼</m:t>
+                                </m:r>
+                              </m:num>
+                              <m:den>
+                                <m:sSub>
+                                  <m:sSubPr>
+                                    <m:ctrlPr>
+                                      <a:rPr kumimoji="1" lang="en-US" altLang="zh-CN" sz="1600" i="1">
+                                        <a:solidFill>
+                                          <a:schemeClr val="tx1"/>
+                                        </a:solidFill>
+                                        <a:latin typeface="Cambria Math" panose="02040503050406030204" pitchFamily="18" charset="0"/>
+                                      </a:rPr>
+                                    </m:ctrlPr>
+                                  </m:sSubPr>
+                                  <m:e>
+                                    <m:r>
+                                      <a:rPr kumimoji="1" lang="en-US" altLang="zh-CN" sz="1600" i="1">
+                                        <a:solidFill>
+                                          <a:schemeClr val="tx1"/>
+                                        </a:solidFill>
+                                        <a:latin typeface="Cambria Math" panose="02040503050406030204" pitchFamily="18" charset="0"/>
+                                      </a:rPr>
+                                      <m:t>𝐻</m:t>
+                                    </m:r>
+                                  </m:e>
+                                  <m:sub>
+                                    <m:r>
+                                      <a:rPr kumimoji="1" lang="en-US" altLang="zh-CN" sz="1600" i="1">
+                                        <a:solidFill>
+                                          <a:schemeClr val="tx1"/>
+                                        </a:solidFill>
+                                        <a:latin typeface="Cambria Math" panose="02040503050406030204" pitchFamily="18" charset="0"/>
+                                      </a:rPr>
+                                      <m:t>𝑖</m:t>
+                                    </m:r>
+                                    <m:r>
+                                      <a:rPr kumimoji="1" lang="en-US" altLang="zh-CN" sz="1600" i="1">
+                                        <a:solidFill>
+                                          <a:schemeClr val="tx1"/>
+                                        </a:solidFill>
+                                        <a:latin typeface="Cambria Math" panose="02040503050406030204" pitchFamily="18" charset="0"/>
+                                      </a:rPr>
+                                      <m:t>,</m:t>
+                                    </m:r>
+                                    <m:r>
+                                      <a:rPr kumimoji="1" lang="en-US" altLang="zh-CN" sz="1600" i="1">
+                                        <a:solidFill>
+                                          <a:schemeClr val="tx1"/>
+                                        </a:solidFill>
+                                        <a:latin typeface="Cambria Math" panose="02040503050406030204" pitchFamily="18" charset="0"/>
+                                      </a:rPr>
+                                      <m:t>𝑖</m:t>
+                                    </m:r>
+                                  </m:sub>
+                                </m:sSub>
+                              </m:den>
+                            </m:f>
+                            <m:r>
+                              <a:rPr kumimoji="1" lang="en-US" altLang="zh-CN" sz="1600" i="1">
+                                <a:solidFill>
+                                  <a:schemeClr val="tx1"/>
+                                </a:solidFill>
+                                <a:latin typeface="Cambria Math" panose="02040503050406030204" pitchFamily="18" charset="0"/>
+                              </a:rPr>
+                              <m:t>, 0</m:t>
+                            </m:r>
+                          </m:e>
+                        </m:d>
+                      </m:e>
+                    </m:func>
+                  </m:oMath>
+                </a14:m>
+                <a:r>
+                  <a:rPr kumimoji="1" lang="zh-CN" altLang="en-US" sz="1600" b="0" dirty="0">
+                    <a:solidFill>
+                      <a:schemeClr val="tx1"/>
+                    </a:solidFill>
+                  </a:rPr>
+                  <a:t>处取得；</a:t>
+                </a:r>
+                <a:endParaRPr kumimoji="1" lang="en-US" altLang="zh-CN" sz="1600" b="0" dirty="0">
+                  <a:solidFill>
+                    <a:schemeClr val="tx1"/>
+                  </a:solidFill>
+                </a:endParaRPr>
+              </a:p>
+              <a:p>
+                <a:pPr marL="0" indent="0">
+                  <a:buNone/>
+                </a:pPr>
+                <a:r>
+                  <a:rPr kumimoji="1" lang="zh-CN" altLang="en-US" sz="1600" b="0" dirty="0">
+                    <a:solidFill>
+                      <a:schemeClr val="tx1"/>
+                    </a:solidFill>
+                  </a:rPr>
+                  <a:t>当</a:t>
+                </a:r>
+                <a14:m>
+                  <m:oMath xmlns:m="http://schemas.openxmlformats.org/officeDocument/2006/math">
+                    <m:sSub>
+                      <m:sSubPr>
+                        <m:ctrlPr>
+                          <a:rPr kumimoji="1" lang="en-US" altLang="zh-CN" sz="1600" i="1">
+                            <a:solidFill>
+                              <a:schemeClr val="tx1"/>
+                            </a:solidFill>
+                            <a:latin typeface="Cambria Math" panose="02040503050406030204" pitchFamily="18" charset="0"/>
+                          </a:rPr>
+                        </m:ctrlPr>
+                      </m:sSubPr>
+                      <m:e>
+                        <m:r>
+                          <a:rPr kumimoji="1" lang="en-US" altLang="zh-CN" sz="1600" i="1">
+                            <a:solidFill>
+                              <a:schemeClr val="tx1"/>
+                            </a:solidFill>
+                            <a:latin typeface="Cambria Math" panose="02040503050406030204" pitchFamily="18" charset="0"/>
+                          </a:rPr>
+                          <m:t>𝑤</m:t>
+                        </m:r>
+                      </m:e>
+                      <m:sub>
+                        <m:r>
+                          <a:rPr kumimoji="1" lang="en-US" altLang="zh-CN" sz="1600" i="1">
+                            <a:solidFill>
+                              <a:schemeClr val="tx1"/>
+                            </a:solidFill>
+                            <a:latin typeface="Cambria Math" panose="02040503050406030204" pitchFamily="18" charset="0"/>
+                          </a:rPr>
+                          <m:t>𝑖</m:t>
+                        </m:r>
+                      </m:sub>
+                    </m:sSub>
+                    <m:r>
+                      <a:rPr kumimoji="1" lang="en-US" altLang="zh-CN" sz="1600" b="0" i="1" smtClean="0">
+                        <a:solidFill>
+                          <a:schemeClr val="tx1"/>
+                        </a:solidFill>
+                        <a:latin typeface="Cambria Math" panose="02040503050406030204" pitchFamily="18" charset="0"/>
+                      </a:rPr>
+                      <m:t>≤</m:t>
+                    </m:r>
+                    <m:r>
+                      <a:rPr kumimoji="1" lang="en-US" altLang="zh-CN" sz="1600" i="1">
+                        <a:solidFill>
+                          <a:schemeClr val="tx1"/>
+                        </a:solidFill>
+                        <a:latin typeface="Cambria Math" panose="02040503050406030204" pitchFamily="18" charset="0"/>
+                      </a:rPr>
+                      <m:t>0</m:t>
+                    </m:r>
+                  </m:oMath>
+                </a14:m>
+                <a:r>
+                  <a:rPr kumimoji="1" lang="zh-CN" altLang="en-US" sz="1600" b="0" dirty="0">
+                    <a:solidFill>
+                      <a:schemeClr val="tx1"/>
+                    </a:solidFill>
+                  </a:rPr>
+                  <a:t>，最小值在</a:t>
+                </a:r>
+                <a14:m>
+                  <m:oMath xmlns:m="http://schemas.openxmlformats.org/officeDocument/2006/math">
+                    <m:r>
+                      <m:rPr>
+                        <m:sty m:val="p"/>
+                      </m:rPr>
+                      <a:rPr kumimoji="1" lang="en-US" altLang="zh-CN" sz="1600" b="0" i="0" smtClean="0">
+                        <a:solidFill>
+                          <a:schemeClr val="tx1"/>
+                        </a:solidFill>
+                        <a:latin typeface="Cambria Math" panose="02040503050406030204" pitchFamily="18" charset="0"/>
+                      </a:rPr>
+                      <m:t>min</m:t>
+                    </m:r>
+                    <m:r>
+                      <a:rPr kumimoji="1" lang="en-US" altLang="zh-CN" sz="1600" b="0" i="0" smtClean="0">
+                        <a:solidFill>
+                          <a:schemeClr val="tx1"/>
+                        </a:solidFill>
+                        <a:latin typeface="Cambria Math" panose="02040503050406030204" pitchFamily="18" charset="0"/>
+                      </a:rPr>
+                      <m:t>{</m:t>
+                    </m:r>
+                    <m:sSubSup>
+                      <m:sSubSupPr>
+                        <m:ctrlPr>
+                          <a:rPr kumimoji="1" lang="en-US" altLang="zh-CN" sz="1600" i="1">
+                            <a:solidFill>
+                              <a:schemeClr val="tx1"/>
+                            </a:solidFill>
+                            <a:latin typeface="Cambria Math" panose="02040503050406030204" pitchFamily="18" charset="0"/>
+                          </a:rPr>
+                        </m:ctrlPr>
+                      </m:sSubSupPr>
+                      <m:e>
+                        <m:r>
+                          <a:rPr kumimoji="1" lang="en-US" altLang="zh-CN" sz="1600" i="1">
+                            <a:solidFill>
+                              <a:schemeClr val="tx1"/>
+                            </a:solidFill>
+                            <a:latin typeface="Cambria Math" panose="02040503050406030204" pitchFamily="18" charset="0"/>
+                          </a:rPr>
+                          <m:t>𝑤</m:t>
+                        </m:r>
+                      </m:e>
+                      <m:sub>
+                        <m:r>
+                          <a:rPr kumimoji="1" lang="en-US" altLang="zh-CN" sz="1600" i="1">
+                            <a:solidFill>
+                              <a:schemeClr val="tx1"/>
+                            </a:solidFill>
+                            <a:latin typeface="Cambria Math" panose="02040503050406030204" pitchFamily="18" charset="0"/>
+                          </a:rPr>
+                          <m:t>𝑖</m:t>
+                        </m:r>
+                      </m:sub>
+                      <m:sup>
+                        <m:r>
+                          <a:rPr kumimoji="1" lang="en-US" altLang="zh-CN" sz="1600" i="1">
+                            <a:solidFill>
+                              <a:schemeClr val="tx1"/>
+                            </a:solidFill>
+                            <a:latin typeface="Cambria Math" panose="02040503050406030204" pitchFamily="18" charset="0"/>
+                          </a:rPr>
+                          <m:t>∗</m:t>
+                        </m:r>
+                      </m:sup>
+                    </m:sSubSup>
+                    <m:r>
+                      <a:rPr kumimoji="1" lang="en-US" altLang="zh-CN" sz="1600" i="1">
+                        <a:solidFill>
+                          <a:schemeClr val="tx1"/>
+                        </a:solidFill>
+                        <a:latin typeface="Cambria Math" panose="02040503050406030204" pitchFamily="18" charset="0"/>
+                      </a:rPr>
+                      <m:t>+</m:t>
+                    </m:r>
+                    <m:f>
+                      <m:fPr>
+                        <m:ctrlPr>
+                          <a:rPr kumimoji="1" lang="en-US" altLang="zh-CN" sz="1600" b="0" i="1" smtClean="0">
+                            <a:solidFill>
+                              <a:schemeClr val="tx1"/>
+                            </a:solidFill>
+                            <a:latin typeface="Cambria Math" panose="02040503050406030204" pitchFamily="18" charset="0"/>
+                          </a:rPr>
+                        </m:ctrlPr>
+                      </m:fPr>
+                      <m:num>
+                        <m:r>
+                          <a:rPr kumimoji="1" lang="en-US" altLang="zh-CN" sz="1600" i="1">
+                            <a:solidFill>
+                              <a:schemeClr val="tx1"/>
+                            </a:solidFill>
+                            <a:latin typeface="Cambria Math" panose="02040503050406030204" pitchFamily="18" charset="0"/>
+                          </a:rPr>
+                          <m:t>𝛼</m:t>
+                        </m:r>
+                      </m:num>
+                      <m:den>
+                        <m:sSub>
+                          <m:sSubPr>
+                            <m:ctrlPr>
+                              <a:rPr kumimoji="1" lang="en-US" altLang="zh-CN" sz="1600" i="1">
+                                <a:solidFill>
+                                  <a:schemeClr val="tx1"/>
+                                </a:solidFill>
+                                <a:latin typeface="Cambria Math" panose="02040503050406030204" pitchFamily="18" charset="0"/>
+                              </a:rPr>
+                            </m:ctrlPr>
+                          </m:sSubPr>
+                          <m:e>
+                            <m:r>
+                              <a:rPr kumimoji="1" lang="en-US" altLang="zh-CN" sz="1600" i="1">
+                                <a:solidFill>
+                                  <a:schemeClr val="tx1"/>
+                                </a:solidFill>
+                                <a:latin typeface="Cambria Math" panose="02040503050406030204" pitchFamily="18" charset="0"/>
+                              </a:rPr>
+                              <m:t>𝐻</m:t>
+                            </m:r>
+                          </m:e>
+                          <m:sub>
+                            <m:r>
+                              <a:rPr kumimoji="1" lang="en-US" altLang="zh-CN" sz="1600" i="1">
+                                <a:solidFill>
+                                  <a:schemeClr val="tx1"/>
+                                </a:solidFill>
+                                <a:latin typeface="Cambria Math" panose="02040503050406030204" pitchFamily="18" charset="0"/>
+                              </a:rPr>
+                              <m:t>𝑖</m:t>
+                            </m:r>
+                            <m:r>
+                              <a:rPr kumimoji="1" lang="en-US" altLang="zh-CN" sz="1600" i="1">
+                                <a:solidFill>
+                                  <a:schemeClr val="tx1"/>
+                                </a:solidFill>
+                                <a:latin typeface="Cambria Math" panose="02040503050406030204" pitchFamily="18" charset="0"/>
+                              </a:rPr>
+                              <m:t>,</m:t>
+                            </m:r>
+                            <m:r>
+                              <a:rPr kumimoji="1" lang="en-US" altLang="zh-CN" sz="1600" i="1">
+                                <a:solidFill>
+                                  <a:schemeClr val="tx1"/>
+                                </a:solidFill>
+                                <a:latin typeface="Cambria Math" panose="02040503050406030204" pitchFamily="18" charset="0"/>
+                              </a:rPr>
+                              <m:t>𝑖</m:t>
+                            </m:r>
+                          </m:sub>
+                        </m:sSub>
+                      </m:den>
+                    </m:f>
+                    <m:r>
+                      <a:rPr kumimoji="1" lang="en-US" altLang="zh-CN" sz="1600" b="0" i="1" smtClean="0">
+                        <a:solidFill>
+                          <a:schemeClr val="tx1"/>
+                        </a:solidFill>
+                        <a:latin typeface="Cambria Math" panose="02040503050406030204" pitchFamily="18" charset="0"/>
+                      </a:rPr>
+                      <m:t>,0}</m:t>
+                    </m:r>
+                  </m:oMath>
+                </a14:m>
+                <a:r>
+                  <a:rPr kumimoji="1" lang="zh-CN" altLang="en-US" sz="1600" b="0" dirty="0">
+                    <a:solidFill>
+                      <a:schemeClr val="tx1"/>
+                    </a:solidFill>
+                  </a:rPr>
+                  <a:t>处取得。</a:t>
+                </a:r>
+                <a:endParaRPr kumimoji="1" lang="en-US" altLang="zh-CN" sz="1600" b="0" dirty="0">
+                  <a:solidFill>
+                    <a:schemeClr val="tx1"/>
+                  </a:solidFill>
+                </a:endParaRPr>
+              </a:p>
+              <a:p>
+                <a:pPr marL="0" indent="0">
+                  <a:buNone/>
+                </a:pPr>
+                <a:endParaRPr kumimoji="1" lang="en-US" altLang="zh-CN" sz="1600" b="0" dirty="0">
+                  <a:solidFill>
+                    <a:schemeClr val="tx1"/>
+                  </a:solidFill>
+                </a:endParaRPr>
+              </a:p>
+              <a:p>
+                <a:pPr marL="0" indent="0" algn="ctr">
+                  <a:buNone/>
+                </a:pPr>
+                <a:endParaRPr kumimoji="1" lang="en-US" altLang="zh-CN" sz="1600" dirty="0">
+                  <a:solidFill>
+                    <a:schemeClr val="tx1"/>
+                  </a:solidFill>
+                </a:endParaRPr>
+              </a:p>
+            </p:txBody>
+          </p:sp>
+        </mc:Choice>
+        <mc:Fallback>
+          <p:sp>
+            <p:nvSpPr>
+              <p:cNvPr id="5" name="内容占位符 4"/>
+              <p:cNvSpPr>
+                <a:spLocks noGrp="1" noRot="1" noChangeAspect="1" noMove="1" noResize="1" noEditPoints="1" noAdjustHandles="1" noChangeArrowheads="1" noChangeShapeType="1" noTextEdit="1"/>
+              </p:cNvSpPr>
+              <p:nvPr>
+                <p:ph idx="1"/>
+              </p:nvPr>
+            </p:nvSpPr>
+            <p:spPr>
+              <a:xfrm>
+                <a:off x="473364" y="1409350"/>
+                <a:ext cx="8301181" cy="4928534"/>
+              </a:xfrm>
+              <a:blipFill>
+                <a:blip r:embed="rId2"/>
+                <a:stretch>
+                  <a:fillRect l="-459" t="-17179"/>
+                </a:stretch>
+              </a:blipFill>
+            </p:spPr>
+            <p:txBody>
+              <a:bodyPr/>
+              <a:lstStyle/>
+              <a:p>
+                <a:r>
+                  <a:rPr lang="en-CN">
+                    <a:noFill/>
+                  </a:rPr>
+                  <a:t> </a:t>
+                </a:r>
+              </a:p>
+            </p:txBody>
+          </p:sp>
+        </mc:Fallback>
+      </mc:AlternateContent>
+      <p:sp>
+        <p:nvSpPr>
+          <p:cNvPr id="7" name="标题 1"/>
+          <p:cNvSpPr>
+            <a:spLocks noGrp="1"/>
+          </p:cNvSpPr>
+          <p:nvPr>
+            <p:ph type="title"/>
+          </p:nvPr>
+        </p:nvSpPr>
+        <p:spPr>
+          <a:xfrm>
+            <a:off x="473364" y="520116"/>
+            <a:ext cx="6707612" cy="654343"/>
+          </a:xfrm>
+        </p:spPr>
+        <p:txBody>
+          <a:bodyPr/>
+          <a:lstStyle/>
+          <a:p>
+            <a:pPr algn="l"/>
+            <a:r>
+              <a:rPr lang="en-US" altLang="ja-JP" sz="3600" dirty="0">
+                <a:solidFill>
+                  <a:schemeClr val="bg1"/>
+                </a:solidFill>
+                <a:latin typeface="黑体"/>
+                <a:ea typeface="黑体"/>
+                <a:cs typeface="黑体"/>
+              </a:rPr>
+              <a:t>7.2 </a:t>
+            </a:r>
+            <a:r>
+              <a:rPr lang="en-US" altLang="zh-CN" sz="3600" dirty="0">
+                <a:solidFill>
+                  <a:schemeClr val="bg1"/>
+                </a:solidFill>
+                <a:latin typeface="黑体"/>
+                <a:ea typeface="黑体"/>
+                <a:cs typeface="黑体"/>
+              </a:rPr>
+              <a:t>L</a:t>
+            </a:r>
+            <a:r>
+              <a:rPr lang="en-US" altLang="zh-CN" sz="3600" baseline="30000" dirty="0">
+                <a:solidFill>
+                  <a:schemeClr val="bg1"/>
+                </a:solidFill>
+                <a:latin typeface="黑体"/>
+                <a:ea typeface="黑体"/>
+                <a:cs typeface="黑体"/>
+              </a:rPr>
+              <a:t>1</a:t>
+            </a:r>
+            <a:r>
+              <a:rPr lang="zh-CN" altLang="en-US" sz="3600" dirty="0">
+                <a:solidFill>
+                  <a:schemeClr val="bg1"/>
+                </a:solidFill>
+                <a:latin typeface="黑体"/>
+                <a:ea typeface="黑体"/>
+                <a:cs typeface="黑体"/>
+              </a:rPr>
+              <a:t>参数正则化</a:t>
+            </a:r>
+            <a:endParaRPr lang="ja-JP" altLang="en-US" sz="3600" dirty="0">
+              <a:solidFill>
+                <a:schemeClr val="bg1"/>
+              </a:solidFill>
+              <a:latin typeface="黑体"/>
+              <a:ea typeface="黑体"/>
+              <a:cs typeface="黑体"/>
+            </a:endParaRPr>
+          </a:p>
+        </p:txBody>
+      </p:sp>
+    </p:spTree>
+    <p:extLst>
+      <p:ext uri="{BB962C8B-B14F-4D97-AF65-F5344CB8AC3E}">
+        <p14:creationId xmlns:p14="http://schemas.microsoft.com/office/powerpoint/2010/main" val="1346494941"/>
+      </p:ext>
+    </p:extLst>
+  </p:cSld>
+  <p:clrMapOvr>
+    <a:masterClrMapping/>
+  </p:clrMapOvr>
+</p:sld>
+</file>
+
+<file path=ppt/slides/slide11.xml><?xml version="1.0" encoding="utf-8"?>
+<p:sld xmlns:a="http://schemas.openxmlformats.org/drawingml/2006/main" xmlns:r="http://schemas.openxmlformats.org/officeDocument/2006/relationships" xmlns:p="http://schemas.openxmlformats.org/presentationml/2006/main">
+  <p:cSld>
+    <p:spTree>
+      <p:nvGrpSpPr>
+        <p:cNvPr id="1" name=""/>
+        <p:cNvGrpSpPr/>
+        <p:nvPr/>
+      </p:nvGrpSpPr>
+      <p:grpSpPr>
+        <a:xfrm>
+          <a:off x="0" y="0"/>
+          <a:ext cx="0" cy="0"/>
+          <a:chOff x="0" y="0"/>
+          <a:chExt cx="0" cy="0"/>
+        </a:xfrm>
+      </p:grpSpPr>
       <p:pic>
         <p:nvPicPr>
           <p:cNvPr id="7" name="图片 6" descr="PPT4.jpg"/>
@@ -4977,8 +8015,8 @@
           <a:chExt cx="0" cy="0"/>
         </a:xfrm>
       </p:grpSpPr>
-      <mc:AlternateContent xmlns:mc="http://schemas.openxmlformats.org/markup-compatibility/2006">
-        <mc:Choice xmlns:a14="http://schemas.microsoft.com/office/drawing/2010/main" Requires="a14">
+      <mc:AlternateContent xmlns:mc="http://schemas.openxmlformats.org/markup-compatibility/2006" xmlns:a14="http://schemas.microsoft.com/office/drawing/2010/main">
+        <mc:Choice Requires="a14">
           <p:sp>
             <p:nvSpPr>
               <p:cNvPr id="5" name="内容占位符 4"/>
@@ -5230,27 +8268,7 @@
                                   <a:latin typeface="Cambria Math" panose="02040503050406030204" pitchFamily="18" charset="0"/>
                                   <a:ea typeface="Cambria Math" panose="02040503050406030204" pitchFamily="18" charset="0"/>
                                 </a:rPr>
-                                <m:t>0, </m:t>
-                              </m:r>
-                              <m:r>
-                                <a:rPr kumimoji="1" lang="en-US" altLang="zh-CN" b="0" i="1" smtClean="0">
-                                  <a:solidFill>
-                                    <a:schemeClr val="tx1"/>
-                                  </a:solidFill>
-                                  <a:latin typeface="Cambria Math" panose="02040503050406030204" pitchFamily="18" charset="0"/>
-                                  <a:ea typeface="Cambria Math" panose="02040503050406030204" pitchFamily="18" charset="0"/>
-                                </a:rPr>
-                                <m:t>0.0</m:t>
-                              </m:r>
-                              <m:r>
-                                <a:rPr kumimoji="1" lang="en-US" altLang="zh-CN" b="0" i="1" smtClean="0">
-                                  <a:solidFill>
-                                    <a:schemeClr val="tx1"/>
-                                  </a:solidFill>
-                                  <a:latin typeface="Cambria Math" panose="02040503050406030204" pitchFamily="18" charset="0"/>
-                                  <a:ea typeface="Cambria Math" panose="02040503050406030204" pitchFamily="18" charset="0"/>
-                                </a:rPr>
-                                <m:t>1</m:t>
+                                <m:t>0, 0.01</m:t>
                               </m:r>
                             </m:e>
                             <m:sup>
@@ -5854,7 +8872,7 @@
             </p:txBody>
           </p:sp>
         </mc:Choice>
-        <mc:Fallback>
+        <mc:Fallback xmlns="">
           <p:sp>
             <p:nvSpPr>
               <p:cNvPr id="5" name="内容占位符 4"/>
@@ -7684,8 +10702,8 @@
           <a:chExt cx="0" cy="0"/>
         </a:xfrm>
       </p:grpSpPr>
-      <mc:AlternateContent xmlns:mc="http://schemas.openxmlformats.org/markup-compatibility/2006">
-        <mc:Choice xmlns:a14="http://schemas.microsoft.com/office/drawing/2010/main" Requires="a14">
+      <mc:AlternateContent xmlns:mc="http://schemas.openxmlformats.org/markup-compatibility/2006" xmlns:a14="http://schemas.microsoft.com/office/drawing/2010/main">
+        <mc:Choice Requires="a14">
           <p:sp>
             <p:nvSpPr>
               <p:cNvPr id="5" name="内容占位符 4"/>
@@ -8358,7 +11376,7 @@
                     <m:sSub>
                       <m:sSubPr>
                         <m:ctrlPr>
-                          <a:rPr kumimoji="1" lang="en-US" altLang="zh-CN" sz="2000" b="0" i="0" smtClean="0">
+                          <a:rPr kumimoji="1" lang="en-US" altLang="zh-CN" sz="2000" b="0" i="1" smtClean="0">
                             <a:solidFill>
                               <a:schemeClr val="tx1"/>
                             </a:solidFill>
@@ -9250,7 +12268,7 @@
             </p:txBody>
           </p:sp>
         </mc:Choice>
-        <mc:Fallback>
+        <mc:Fallback xmlns="">
           <p:sp>
             <p:nvSpPr>
               <p:cNvPr id="5" name="内容占位符 4"/>
@@ -9405,8 +12423,8 @@
           <a:chExt cx="0" cy="0"/>
         </a:xfrm>
       </p:grpSpPr>
-      <mc:AlternateContent xmlns:mc="http://schemas.openxmlformats.org/markup-compatibility/2006">
-        <mc:Choice xmlns:a14="http://schemas.microsoft.com/office/drawing/2010/main" Requires="a14">
+      <mc:AlternateContent xmlns:mc="http://schemas.openxmlformats.org/markup-compatibility/2006" xmlns:a14="http://schemas.microsoft.com/office/drawing/2010/main">
+        <mc:Choice Requires="a14">
           <p:sp>
             <p:nvSpPr>
               <p:cNvPr id="5" name="内容占位符 4"/>
@@ -11383,7 +14401,7 @@
                         <m:d>
                           <m:dPr>
                             <m:ctrlPr>
-                              <a:rPr kumimoji="1" lang="en-US" altLang="zh-CN" sz="1600" b="0" i="0" smtClean="0">
+                              <a:rPr kumimoji="1" lang="en-US" altLang="zh-CN" sz="1600" b="0" i="1" smtClean="0">
                                 <a:solidFill>
                                   <a:schemeClr val="tx1"/>
                                 </a:solidFill>
@@ -13241,7 +16259,7 @@
                       <m:d>
                         <m:dPr>
                           <m:ctrlPr>
-                            <a:rPr kumimoji="1" lang="en-US" altLang="zh-CN" sz="1600" b="0" i="0" smtClean="0">
+                            <a:rPr kumimoji="1" lang="en-US" altLang="zh-CN" sz="1600" b="0" i="1" smtClean="0">
                               <a:solidFill>
                                 <a:schemeClr val="tx1"/>
                               </a:solidFill>
@@ -13650,7 +16668,7 @@
             </p:txBody>
           </p:sp>
         </mc:Choice>
-        <mc:Fallback>
+        <mc:Fallback xmlns="">
           <p:sp>
             <p:nvSpPr>
               <p:cNvPr id="5" name="内容占位符 4"/>
@@ -13805,8 +16823,8 @@
           <a:chExt cx="0" cy="0"/>
         </a:xfrm>
       </p:grpSpPr>
-      <mc:AlternateContent xmlns:mc="http://schemas.openxmlformats.org/markup-compatibility/2006">
-        <mc:Choice xmlns:a14="http://schemas.microsoft.com/office/drawing/2010/main" Requires="a14">
+      <mc:AlternateContent xmlns:mc="http://schemas.openxmlformats.org/markup-compatibility/2006" xmlns:a14="http://schemas.microsoft.com/office/drawing/2010/main">
+        <mc:Choice Requires="a14">
           <p:sp>
             <p:nvSpPr>
               <p:cNvPr id="5" name="内容占位符 4"/>
@@ -13960,16 +16978,7 @@
                               </a:solidFill>
                               <a:latin typeface="Cambria Math" panose="02040503050406030204" pitchFamily="18" charset="0"/>
                             </a:rPr>
-                            <m:t>=</m:t>
-                          </m:r>
-                          <m:r>
-                            <a:rPr kumimoji="1" lang="en-US" altLang="zh-CN" sz="1800" b="0" i="1" smtClean="0">
-                              <a:solidFill>
-                                <a:schemeClr val="tx1"/>
-                              </a:solidFill>
-                              <a:latin typeface="Cambria Math" panose="02040503050406030204" pitchFamily="18" charset="0"/>
-                            </a:rPr>
-                            <m:t>1</m:t>
+                            <m:t>=1</m:t>
                           </m:r>
                         </m:sub>
                         <m:sup>
@@ -14362,7 +17371,7 @@
             </p:txBody>
           </p:sp>
         </mc:Choice>
-        <mc:Fallback>
+        <mc:Fallback xmlns="">
           <p:sp>
             <p:nvSpPr>
               <p:cNvPr id="5" name="内容占位符 4"/>
@@ -14476,68 +17485,8 @@
           </a:p>
         </p:txBody>
       </p:sp>
-      <p:pic>
-        <p:nvPicPr>
-          <p:cNvPr id="4" name="图片 3">
-            <a:extLst>
-              <a:ext uri="{FF2B5EF4-FFF2-40B4-BE49-F238E27FC236}">
-                <a16:creationId xmlns:a16="http://schemas.microsoft.com/office/drawing/2014/main" id="{1C94D39C-E461-4CE0-AE30-DDC9337D38C7}"/>
-              </a:ext>
-            </a:extLst>
-          </p:cNvPr>
-          <p:cNvPicPr>
-            <a:picLocks noChangeAspect="1"/>
-          </p:cNvPicPr>
-          <p:nvPr/>
-        </p:nvPicPr>
-        <p:blipFill>
-          <a:blip r:embed="rId3"/>
-          <a:stretch>
-            <a:fillRect/>
-          </a:stretch>
-        </p:blipFill>
-        <p:spPr>
-          <a:xfrm>
-            <a:off x="5032880" y="3172460"/>
-            <a:ext cx="3247619" cy="2276190"/>
-          </a:xfrm>
-          <a:prstGeom prst="rect">
-            <a:avLst/>
-          </a:prstGeom>
-        </p:spPr>
-      </p:pic>
-      <p:pic>
-        <p:nvPicPr>
-          <p:cNvPr id="8" name="图片 7">
-            <a:extLst>
-              <a:ext uri="{FF2B5EF4-FFF2-40B4-BE49-F238E27FC236}">
-                <a16:creationId xmlns:a16="http://schemas.microsoft.com/office/drawing/2014/main" id="{7E807C77-AF2D-4FA9-BE6C-241D75C33119}"/>
-              </a:ext>
-            </a:extLst>
-          </p:cNvPr>
-          <p:cNvPicPr>
-            <a:picLocks noChangeAspect="1"/>
-          </p:cNvPicPr>
-          <p:nvPr/>
-        </p:nvPicPr>
-        <p:blipFill>
-          <a:blip r:embed="rId4"/>
-          <a:stretch>
-            <a:fillRect/>
-          </a:stretch>
-        </p:blipFill>
-        <p:spPr>
-          <a:xfrm>
-            <a:off x="1027112" y="3172460"/>
-            <a:ext cx="3209524" cy="2238095"/>
-          </a:xfrm>
-          <a:prstGeom prst="rect">
-            <a:avLst/>
-          </a:prstGeom>
-        </p:spPr>
-      </p:pic>
-      <mc:AlternateContent xmlns:mc="http://schemas.openxmlformats.org/markup-compatibility/2006">
-        <mc:Choice xmlns:a14="http://schemas.microsoft.com/office/drawing/2010/main" Requires="a14">
+      <mc:AlternateContent xmlns:mc="http://schemas.openxmlformats.org/markup-compatibility/2006" xmlns:a14="http://schemas.microsoft.com/office/drawing/2010/main">
+        <mc:Choice Requires="a14">
           <p:sp>
             <p:nvSpPr>
               <p:cNvPr id="9" name="文本框 8">
@@ -14597,7 +17546,7 @@
             </p:txBody>
           </p:sp>
         </mc:Choice>
-        <mc:Fallback>
+        <mc:Fallback xmlns="">
           <p:sp>
             <p:nvSpPr>
               <p:cNvPr id="9" name="文本框 8">
@@ -14642,8 +17591,8 @@
           </p:sp>
         </mc:Fallback>
       </mc:AlternateContent>
-      <mc:AlternateContent xmlns:mc="http://schemas.openxmlformats.org/markup-compatibility/2006">
-        <mc:Choice xmlns:a14="http://schemas.microsoft.com/office/drawing/2010/main" Requires="a14">
+      <mc:AlternateContent xmlns:mc="http://schemas.openxmlformats.org/markup-compatibility/2006" xmlns:a14="http://schemas.microsoft.com/office/drawing/2010/main">
+        <mc:Choice Requires="a14">
           <p:sp>
             <p:nvSpPr>
               <p:cNvPr id="10" name="文本框 9">
@@ -14701,7 +17650,7 @@
             </p:txBody>
           </p:sp>
         </mc:Choice>
-        <mc:Fallback>
+        <mc:Fallback xmlns="">
           <p:sp>
             <p:nvSpPr>
               <p:cNvPr id="10" name="文本框 9">
@@ -14746,6 +17695,66 @@
           </p:sp>
         </mc:Fallback>
       </mc:AlternateContent>
+      <p:pic>
+        <p:nvPicPr>
+          <p:cNvPr id="2" name="Picture 1">
+            <a:extLst>
+              <a:ext uri="{FF2B5EF4-FFF2-40B4-BE49-F238E27FC236}">
+                <a16:creationId xmlns:a16="http://schemas.microsoft.com/office/drawing/2014/main" id="{34D46AAD-DD24-4345-81E0-9AC5010C6619}"/>
+              </a:ext>
+            </a:extLst>
+          </p:cNvPr>
+          <p:cNvPicPr>
+            <a:picLocks noChangeAspect="1"/>
+          </p:cNvPicPr>
+          <p:nvPr/>
+        </p:nvPicPr>
+        <p:blipFill>
+          <a:blip r:embed="rId7"/>
+          <a:stretch>
+            <a:fillRect/>
+          </a:stretch>
+        </p:blipFill>
+        <p:spPr>
+          <a:xfrm>
+            <a:off x="4792880" y="2889661"/>
+            <a:ext cx="3750998" cy="2558989"/>
+          </a:xfrm>
+          <a:prstGeom prst="rect">
+            <a:avLst/>
+          </a:prstGeom>
+        </p:spPr>
+      </p:pic>
+      <p:pic>
+        <p:nvPicPr>
+          <p:cNvPr id="3" name="Picture 2">
+            <a:extLst>
+              <a:ext uri="{FF2B5EF4-FFF2-40B4-BE49-F238E27FC236}">
+                <a16:creationId xmlns:a16="http://schemas.microsoft.com/office/drawing/2014/main" id="{2104C323-6ECC-2E4B-BB96-D415811B8447}"/>
+              </a:ext>
+            </a:extLst>
+          </p:cNvPr>
+          <p:cNvPicPr>
+            <a:picLocks noChangeAspect="1"/>
+          </p:cNvPicPr>
+          <p:nvPr/>
+        </p:nvPicPr>
+        <p:blipFill>
+          <a:blip r:embed="rId8"/>
+          <a:stretch>
+            <a:fillRect/>
+          </a:stretch>
+        </p:blipFill>
+        <p:spPr>
+          <a:xfrm>
+            <a:off x="836190" y="2889661"/>
+            <a:ext cx="3726023" cy="2516700"/>
+          </a:xfrm>
+          <a:prstGeom prst="rect">
+            <a:avLst/>
+          </a:prstGeom>
+        </p:spPr>
+      </p:pic>
     </p:spTree>
     <p:extLst>
       <p:ext uri="{BB962C8B-B14F-4D97-AF65-F5344CB8AC3E}">
@@ -14804,7 +17813,7 @@
                   <a:buNone/>
                 </a:pPr>
                 <a:r>
-                  <a:rPr kumimoji="1" lang="zh-CN" altLang="en-US" sz="1800" b="0" dirty="0">
+                  <a:rPr kumimoji="1" lang="zh-CN" altLang="en-US" sz="1600" b="0" dirty="0">
                     <a:solidFill>
                       <a:schemeClr val="tx1"/>
                     </a:solidFill>
@@ -14813,7 +17822,7 @@
                   <a:t>对模型参数</a:t>
                 </a:r>
                 <a:r>
-                  <a:rPr kumimoji="1" lang="en-US" altLang="zh-CN" sz="1800" b="0" dirty="0">
+                  <a:rPr kumimoji="1" lang="en-US" altLang="zh-CN" sz="1600" b="0" dirty="0">
                     <a:solidFill>
                       <a:schemeClr val="tx1"/>
                     </a:solidFill>
@@ -14822,7 +17831,7 @@
                   <a:t>w</a:t>
                 </a:r>
                 <a:r>
-                  <a:rPr kumimoji="1" lang="zh-CN" altLang="en-US" sz="1800" b="0" dirty="0">
+                  <a:rPr kumimoji="1" lang="zh-CN" altLang="en-US" sz="1600" b="0" dirty="0">
                     <a:solidFill>
                       <a:schemeClr val="tx1"/>
                     </a:solidFill>
@@ -14831,7 +17840,7 @@
                   <a:t>的</a:t>
                 </a:r>
                 <a:r>
-                  <a:rPr kumimoji="1" lang="en-US" altLang="zh-CN" sz="1800" b="0" dirty="0">
+                  <a:rPr kumimoji="1" lang="en-US" altLang="zh-CN" sz="1600" b="0" dirty="0">
                     <a:solidFill>
                       <a:schemeClr val="tx1"/>
                     </a:solidFill>
@@ -14840,7 +17849,7 @@
                   <a:t>L</a:t>
                 </a:r>
                 <a:r>
-                  <a:rPr kumimoji="1" lang="en-US" altLang="zh-CN" sz="1800" b="0" baseline="30000" dirty="0">
+                  <a:rPr kumimoji="1" lang="en-US" altLang="zh-CN" sz="1600" b="0" baseline="30000" dirty="0">
                     <a:solidFill>
                       <a:schemeClr val="tx1"/>
                     </a:solidFill>
@@ -14849,7 +17858,7 @@
                   <a:t>1</a:t>
                 </a:r>
                 <a:r>
-                  <a:rPr kumimoji="1" lang="zh-CN" altLang="en-US" sz="1800" b="0" dirty="0">
+                  <a:rPr kumimoji="1" lang="zh-CN" altLang="en-US" sz="1600" b="0" dirty="0">
                     <a:solidFill>
                       <a:schemeClr val="tx1"/>
                     </a:solidFill>
@@ -14857,7 +17866,7 @@
                   </a:rPr>
                   <a:t>正则化形式定义为</a:t>
                 </a:r>
-                <a:endParaRPr kumimoji="1" lang="en-US" altLang="zh-CN" sz="1800" b="0" dirty="0">
+                <a:endParaRPr kumimoji="1" lang="en-US" altLang="zh-CN" sz="1600" b="0" dirty="0">
                   <a:solidFill>
                     <a:schemeClr val="tx1"/>
                   </a:solidFill>
@@ -14878,7 +17887,7 @@
                         <m:rPr>
                           <m:sty m:val="p"/>
                         </m:rPr>
-                        <a:rPr kumimoji="1" lang="en-US" altLang="zh-CN" sz="1800" b="0" i="0" smtClean="0">
+                        <a:rPr kumimoji="1" lang="en-US" altLang="zh-CN" sz="1600" b="0" i="0" smtClean="0">
                           <a:solidFill>
                             <a:schemeClr val="tx1"/>
                           </a:solidFill>
@@ -14889,7 +17898,7 @@
                       <m:d>
                         <m:dPr>
                           <m:ctrlPr>
-                            <a:rPr kumimoji="1" lang="en-US" altLang="zh-CN" sz="1800" b="1" i="0" smtClean="0">
+                            <a:rPr kumimoji="1" lang="en-US" altLang="zh-CN" sz="1600" b="1" i="1" smtClean="0">
                               <a:solidFill>
                                 <a:schemeClr val="tx1"/>
                               </a:solidFill>
@@ -14899,7 +17908,7 @@
                         </m:dPr>
                         <m:e>
                           <m:r>
-                            <a:rPr kumimoji="1" lang="en-US" altLang="zh-CN" sz="1800" b="1" i="1" smtClean="0">
+                            <a:rPr kumimoji="1" lang="en-US" altLang="zh-CN" sz="1600" b="1" i="1" smtClean="0">
                               <a:solidFill>
                                 <a:schemeClr val="tx1"/>
                               </a:solidFill>
@@ -14910,7 +17919,7 @@
                         </m:e>
                       </m:d>
                       <m:r>
-                        <a:rPr kumimoji="1" lang="en-US" altLang="zh-CN" sz="1800" b="1" i="0" smtClean="0">
+                        <a:rPr kumimoji="1" lang="en-US" altLang="zh-CN" sz="1600" b="1" i="0" smtClean="0">
                           <a:solidFill>
                             <a:schemeClr val="tx1"/>
                           </a:solidFill>
@@ -14921,7 +17930,7 @@
                       <m:sSub>
                         <m:sSubPr>
                           <m:ctrlPr>
-                            <a:rPr kumimoji="1" lang="en-US" altLang="zh-CN" sz="1800" b="1" i="0" smtClean="0">
+                            <a:rPr kumimoji="1" lang="en-US" altLang="zh-CN" sz="1600" b="1" i="1" smtClean="0">
                               <a:solidFill>
                                 <a:schemeClr val="tx1"/>
                               </a:solidFill>
@@ -14931,7 +17940,7 @@
                         </m:sSubPr>
                         <m:e>
                           <m:r>
-                            <a:rPr kumimoji="1" lang="en-US" altLang="zh-CN" sz="1800" b="1" i="0" smtClean="0">
+                            <a:rPr kumimoji="1" lang="en-US" altLang="zh-CN" sz="1600" b="1" i="0" smtClean="0">
                               <a:solidFill>
                                 <a:schemeClr val="tx1"/>
                               </a:solidFill>
@@ -14944,7 +17953,7 @@
                               <m:begChr m:val="|"/>
                               <m:endChr m:val="|"/>
                               <m:ctrlPr>
-                                <a:rPr kumimoji="1" lang="en-US" altLang="zh-CN" sz="1800" b="1" i="0" smtClean="0">
+                                <a:rPr kumimoji="1" lang="en-US" altLang="zh-CN" sz="1600" b="1" i="1" smtClean="0">
                                   <a:solidFill>
                                     <a:schemeClr val="tx1"/>
                                   </a:solidFill>
@@ -14954,7 +17963,7 @@
                             </m:dPr>
                             <m:e>
                               <m:r>
-                                <a:rPr kumimoji="1" lang="en-US" altLang="zh-CN" sz="1800" b="1" i="0" smtClean="0">
+                                <a:rPr kumimoji="1" lang="en-US" altLang="zh-CN" sz="1600" b="1" i="0" smtClean="0">
                                   <a:solidFill>
                                     <a:schemeClr val="tx1"/>
                                   </a:solidFill>
@@ -14965,7 +17974,7 @@
                             </m:e>
                           </m:d>
                           <m:r>
-                            <a:rPr kumimoji="1" lang="en-US" altLang="zh-CN" sz="1800" b="1" i="0" smtClean="0">
+                            <a:rPr kumimoji="1" lang="en-US" altLang="zh-CN" sz="1600" b="1" i="0" smtClean="0">
                               <a:solidFill>
                                 <a:schemeClr val="tx1"/>
                               </a:solidFill>
@@ -14976,7 +17985,7 @@
                         </m:e>
                         <m:sub>
                           <m:r>
-                            <a:rPr kumimoji="1" lang="en-US" altLang="zh-CN" sz="1800" b="1" i="0" smtClean="0">
+                            <a:rPr kumimoji="1" lang="en-US" altLang="zh-CN" sz="1600" b="1" i="0" smtClean="0">
                               <a:solidFill>
                                 <a:schemeClr val="tx1"/>
                               </a:solidFill>
@@ -14987,7 +17996,7 @@
                         </m:sub>
                       </m:sSub>
                       <m:r>
-                        <a:rPr kumimoji="1" lang="en-US" altLang="zh-CN" sz="1800" b="1" i="0" smtClean="0">
+                        <a:rPr kumimoji="1" lang="en-US" altLang="zh-CN" sz="1600" b="1" i="0" smtClean="0">
                           <a:solidFill>
                             <a:schemeClr val="tx1"/>
                           </a:solidFill>
@@ -15000,7 +18009,7 @@
                           <m:chr m:val="∑"/>
                           <m:supHide m:val="on"/>
                           <m:ctrlPr>
-                            <a:rPr kumimoji="1" lang="en-US" altLang="zh-CN" sz="1800" b="1" i="1" smtClean="0">
+                            <a:rPr kumimoji="1" lang="en-US" altLang="zh-CN" sz="1600" b="1" i="1" smtClean="0">
                               <a:solidFill>
                                 <a:schemeClr val="tx1"/>
                               </a:solidFill>
@@ -15010,7 +18019,7 @@
                         </m:naryPr>
                         <m:sub>
                           <m:r>
-                            <a:rPr kumimoji="1" lang="en-US" altLang="zh-CN" sz="1800" b="1" i="1" smtClean="0">
+                            <a:rPr kumimoji="1" lang="en-US" altLang="zh-CN" sz="1600" b="1" i="1" smtClean="0">
                               <a:solidFill>
                                 <a:schemeClr val="tx1"/>
                               </a:solidFill>
@@ -15022,7 +18031,7 @@
                         <m:sup/>
                         <m:e>
                           <m:r>
-                            <a:rPr kumimoji="1" lang="en-US" altLang="zh-CN" sz="1800" b="1" i="1" smtClean="0">
+                            <a:rPr kumimoji="1" lang="en-US" altLang="zh-CN" sz="1600" b="1" i="1" smtClean="0">
                               <a:solidFill>
                                 <a:schemeClr val="tx1"/>
                               </a:solidFill>
@@ -15033,7 +18042,7 @@
                           <m:sSub>
                             <m:sSubPr>
                               <m:ctrlPr>
-                                <a:rPr kumimoji="1" lang="en-US" altLang="zh-CN" sz="1800" b="1" i="1" smtClean="0">
+                                <a:rPr kumimoji="1" lang="en-US" altLang="zh-CN" sz="1600" b="1" i="1" smtClean="0">
                                   <a:solidFill>
                                     <a:schemeClr val="tx1"/>
                                   </a:solidFill>
@@ -15043,7 +18052,7 @@
                             </m:sSubPr>
                             <m:e>
                               <m:r>
-                                <a:rPr kumimoji="1" lang="en-US" altLang="zh-CN" sz="1800" b="1" i="1" smtClean="0">
+                                <a:rPr kumimoji="1" lang="en-US" altLang="zh-CN" sz="1600" b="1" i="1" smtClean="0">
                                   <a:solidFill>
                                     <a:schemeClr val="tx1"/>
                                   </a:solidFill>
@@ -15054,7 +18063,7 @@
                             </m:e>
                             <m:sub>
                               <m:r>
-                                <a:rPr kumimoji="1" lang="en-US" altLang="zh-CN" sz="1800" b="1" i="1" smtClean="0">
+                                <a:rPr kumimoji="1" lang="en-US" altLang="zh-CN" sz="1600" b="1" i="1" smtClean="0">
                                   <a:solidFill>
                                     <a:schemeClr val="tx1"/>
                                   </a:solidFill>
@@ -15065,7 +18074,7 @@
                             </m:sub>
                           </m:sSub>
                           <m:r>
-                            <a:rPr kumimoji="1" lang="en-US" altLang="zh-CN" sz="1800" b="1" i="1" smtClean="0">
+                            <a:rPr kumimoji="1" lang="en-US" altLang="zh-CN" sz="1600" b="1" i="1" smtClean="0">
                               <a:solidFill>
                                 <a:schemeClr val="tx1"/>
                               </a:solidFill>
@@ -15078,7 +18087,7 @@
                     </m:oMath>
                   </m:oMathPara>
                 </a14:m>
-                <a:endParaRPr kumimoji="1" lang="en-US" altLang="zh-CN" sz="1800" b="1" dirty="0">
+                <a:endParaRPr kumimoji="1" lang="en-US" altLang="zh-CN" sz="1600" b="1" dirty="0">
                   <a:solidFill>
                     <a:schemeClr val="tx1"/>
                   </a:solidFill>
@@ -15089,7 +18098,7 @@
                   <a:buNone/>
                 </a:pPr>
                 <a:r>
-                  <a:rPr kumimoji="1" lang="en-US" altLang="zh-CN" sz="1800" dirty="0">
+                  <a:rPr kumimoji="1" lang="en-US" altLang="zh-CN" sz="1600" dirty="0">
                     <a:solidFill>
                       <a:schemeClr val="tx1"/>
                     </a:solidFill>
@@ -15097,7 +18106,7 @@
                   <a:t>L</a:t>
                 </a:r>
                 <a:r>
-                  <a:rPr kumimoji="1" lang="en-US" altLang="zh-CN" sz="1800" baseline="30000" dirty="0">
+                  <a:rPr kumimoji="1" lang="en-US" altLang="zh-CN" sz="1600" baseline="30000" dirty="0">
                     <a:solidFill>
                       <a:schemeClr val="tx1"/>
                     </a:solidFill>
@@ -15105,14 +18114,14 @@
                   <a:t>1</a:t>
                 </a:r>
                 <a:r>
-                  <a:rPr kumimoji="1" lang="zh-CN" altLang="en-US" sz="1800" dirty="0">
+                  <a:rPr kumimoji="1" lang="zh-CN" altLang="en-US" sz="1600" dirty="0">
                     <a:solidFill>
                       <a:schemeClr val="tx1"/>
                     </a:solidFill>
                   </a:rPr>
                   <a:t>正则化的目标函数为</a:t>
                 </a:r>
-                <a:endParaRPr kumimoji="1" lang="en-US" altLang="zh-CN" sz="1800" dirty="0">
+                <a:endParaRPr kumimoji="1" lang="en-US" altLang="zh-CN" sz="1600" dirty="0">
                   <a:solidFill>
                     <a:schemeClr val="tx1"/>
                   </a:solidFill>
@@ -15131,7 +18140,7 @@
                       <m:limUpp>
                         <m:limUppPr>
                           <m:ctrlPr>
-                            <a:rPr kumimoji="1" lang="en-US" altLang="zh-CN" sz="1800" b="0" i="1" smtClean="0">
+                            <a:rPr kumimoji="1" lang="en-US" altLang="zh-CN" sz="1600" b="0" i="1" smtClean="0">
                               <a:solidFill>
                                 <a:schemeClr val="tx1"/>
                               </a:solidFill>
@@ -15141,7 +18150,7 @@
                         </m:limUppPr>
                         <m:e>
                           <m:r>
-                            <a:rPr kumimoji="1" lang="en-US" altLang="zh-CN" sz="1800" b="0" i="1" smtClean="0">
+                            <a:rPr kumimoji="1" lang="en-US" altLang="zh-CN" sz="1600" b="0" i="1" smtClean="0">
                               <a:solidFill>
                                 <a:schemeClr val="tx1"/>
                               </a:solidFill>
@@ -15152,7 +18161,7 @@
                         </m:e>
                         <m:lim>
                           <m:r>
-                            <a:rPr kumimoji="1" lang="en-US" altLang="zh-CN" sz="1800" b="0" i="1" smtClean="0">
+                            <a:rPr kumimoji="1" lang="en-US" altLang="zh-CN" sz="1600" b="0" i="1" smtClean="0">
                               <a:solidFill>
                                 <a:schemeClr val="tx1"/>
                               </a:solidFill>
@@ -15165,7 +18174,7 @@
                       <m:d>
                         <m:dPr>
                           <m:ctrlPr>
-                            <a:rPr kumimoji="1" lang="en-US" altLang="zh-CN" sz="1800" b="0" i="1" smtClean="0">
+                            <a:rPr kumimoji="1" lang="en-US" altLang="zh-CN" sz="1600" b="0" i="1" smtClean="0">
                               <a:solidFill>
                                 <a:schemeClr val="tx1"/>
                               </a:solidFill>
@@ -15175,7 +18184,7 @@
                         </m:dPr>
                         <m:e>
                           <m:r>
-                            <a:rPr kumimoji="1" lang="en-US" altLang="zh-CN" sz="1800" b="1" i="1" smtClean="0">
+                            <a:rPr kumimoji="1" lang="en-US" altLang="zh-CN" sz="1600" b="1" i="1" smtClean="0">
                               <a:solidFill>
                                 <a:schemeClr val="tx1"/>
                               </a:solidFill>
@@ -15184,7 +18193,7 @@
                             <m:t>𝒘</m:t>
                           </m:r>
                           <m:r>
-                            <a:rPr kumimoji="1" lang="en-US" altLang="zh-CN" sz="1800" b="0" i="1" smtClean="0">
+                            <a:rPr kumimoji="1" lang="en-US" altLang="zh-CN" sz="1600" b="0" i="1" smtClean="0">
                               <a:solidFill>
                                 <a:schemeClr val="tx1"/>
                               </a:solidFill>
@@ -15193,7 +18202,7 @@
                             <m:t>;</m:t>
                           </m:r>
                           <m:r>
-                            <a:rPr kumimoji="1" lang="en-US" altLang="zh-CN" sz="1800" b="1" i="1" smtClean="0">
+                            <a:rPr kumimoji="1" lang="en-US" altLang="zh-CN" sz="1600" b="1" i="1" smtClean="0">
                               <a:solidFill>
                                 <a:schemeClr val="tx1"/>
                               </a:solidFill>
@@ -15202,7 +18211,7 @@
                             <m:t>𝑿</m:t>
                           </m:r>
                           <m:r>
-                            <a:rPr kumimoji="1" lang="en-US" altLang="zh-CN" sz="1800" b="0" i="1" smtClean="0">
+                            <a:rPr kumimoji="1" lang="en-US" altLang="zh-CN" sz="1600" b="0" i="1" smtClean="0">
                               <a:solidFill>
                                 <a:schemeClr val="tx1"/>
                               </a:solidFill>
@@ -15211,7 +18220,7 @@
                             <m:t>,</m:t>
                           </m:r>
                           <m:r>
-                            <a:rPr kumimoji="1" lang="en-US" altLang="zh-CN" sz="1800" b="1" i="1" smtClean="0">
+                            <a:rPr kumimoji="1" lang="en-US" altLang="zh-CN" sz="1600" b="1" i="1" smtClean="0">
                               <a:solidFill>
                                 <a:schemeClr val="tx1"/>
                               </a:solidFill>
@@ -15222,7 +18231,7 @@
                         </m:e>
                       </m:d>
                       <m:r>
-                        <a:rPr kumimoji="1" lang="en-US" altLang="zh-CN" sz="1800" b="0" i="1" smtClean="0">
+                        <a:rPr kumimoji="1" lang="en-US" altLang="zh-CN" sz="1600" b="0" i="1" smtClean="0">
                           <a:solidFill>
                             <a:schemeClr val="tx1"/>
                           </a:solidFill>
@@ -15231,7 +18240,7 @@
                         <m:t>=</m:t>
                       </m:r>
                       <m:r>
-                        <a:rPr kumimoji="1" lang="en-US" altLang="zh-CN" sz="1800" b="0" i="1" smtClean="0">
+                        <a:rPr kumimoji="1" lang="en-US" altLang="zh-CN" sz="1600" b="0" i="1" smtClean="0">
                           <a:solidFill>
                             <a:schemeClr val="tx1"/>
                           </a:solidFill>
@@ -15242,7 +18251,7 @@
                       <m:sSub>
                         <m:sSubPr>
                           <m:ctrlPr>
-                            <a:rPr kumimoji="1" lang="en-US" altLang="zh-CN" sz="1800" b="0" i="1" smtClean="0">
+                            <a:rPr kumimoji="1" lang="en-US" altLang="zh-CN" sz="1600" b="0" i="1" smtClean="0">
                               <a:solidFill>
                                 <a:schemeClr val="tx1"/>
                               </a:solidFill>
@@ -15252,7 +18261,7 @@
                         </m:sSubPr>
                         <m:e>
                           <m:r>
-                            <a:rPr kumimoji="1" lang="en-US" altLang="zh-CN" sz="1800" b="0" i="1" smtClean="0">
+                            <a:rPr kumimoji="1" lang="en-US" altLang="zh-CN" sz="1600" b="0" i="1" smtClean="0">
                               <a:solidFill>
                                 <a:schemeClr val="tx1"/>
                               </a:solidFill>
@@ -15265,7 +18274,7 @@
                               <m:begChr m:val="|"/>
                               <m:endChr m:val="|"/>
                               <m:ctrlPr>
-                                <a:rPr kumimoji="1" lang="en-US" altLang="zh-CN" sz="1800" b="0" i="1" smtClean="0">
+                                <a:rPr kumimoji="1" lang="en-US" altLang="zh-CN" sz="1600" b="0" i="1" smtClean="0">
                                   <a:solidFill>
                                     <a:schemeClr val="tx1"/>
                                   </a:solidFill>
@@ -15275,7 +18284,7 @@
                             </m:dPr>
                             <m:e>
                               <m:r>
-                                <a:rPr kumimoji="1" lang="en-US" altLang="zh-CN" sz="1800" b="1" i="1" smtClean="0">
+                                <a:rPr kumimoji="1" lang="en-US" altLang="zh-CN" sz="1600" b="1" i="1" smtClean="0">
                                   <a:solidFill>
                                     <a:schemeClr val="tx1"/>
                                   </a:solidFill>
@@ -15286,7 +18295,7 @@
                             </m:e>
                           </m:d>
                           <m:r>
-                            <a:rPr kumimoji="1" lang="en-US" altLang="zh-CN" sz="1800" b="0" i="1" smtClean="0">
+                            <a:rPr kumimoji="1" lang="en-US" altLang="zh-CN" sz="1600" b="0" i="1" smtClean="0">
                               <a:solidFill>
                                 <a:schemeClr val="tx1"/>
                               </a:solidFill>
@@ -15297,7 +18306,7 @@
                         </m:e>
                         <m:sub>
                           <m:r>
-                            <a:rPr kumimoji="1" lang="en-US" altLang="zh-CN" sz="1800" b="0" i="1" smtClean="0">
+                            <a:rPr kumimoji="1" lang="en-US" altLang="zh-CN" sz="1600" b="0" i="1" smtClean="0">
                               <a:solidFill>
                                 <a:schemeClr val="tx1"/>
                               </a:solidFill>
@@ -15308,7 +18317,7 @@
                         </m:sub>
                       </m:sSub>
                       <m:r>
-                        <a:rPr kumimoji="1" lang="en-US" altLang="zh-CN" sz="1800" b="0" i="1" smtClean="0">
+                        <a:rPr kumimoji="1" lang="en-US" altLang="zh-CN" sz="1600" b="0" i="1" smtClean="0">
                           <a:solidFill>
                             <a:schemeClr val="tx1"/>
                           </a:solidFill>
@@ -15317,7 +18326,7 @@
                         <m:t>+</m:t>
                       </m:r>
                       <m:r>
-                        <a:rPr kumimoji="1" lang="en-US" altLang="zh-CN" sz="1800" b="0" i="1" smtClean="0">
+                        <a:rPr kumimoji="1" lang="en-US" altLang="zh-CN" sz="1600" b="0" i="1" smtClean="0">
                           <a:solidFill>
                             <a:schemeClr val="tx1"/>
                           </a:solidFill>
@@ -15326,7 +18335,7 @@
                         <m:t>𝐽</m:t>
                       </m:r>
                       <m:r>
-                        <a:rPr kumimoji="1" lang="en-US" altLang="zh-CN" sz="1800" b="0" i="1" smtClean="0">
+                        <a:rPr kumimoji="1" lang="en-US" altLang="zh-CN" sz="1600" b="0" i="1" smtClean="0">
                           <a:solidFill>
                             <a:schemeClr val="tx1"/>
                           </a:solidFill>
@@ -15335,7 +18344,7 @@
                         <m:t>(</m:t>
                       </m:r>
                       <m:r>
-                        <a:rPr kumimoji="1" lang="en-US" altLang="zh-CN" sz="1800" b="1" i="1" smtClean="0">
+                        <a:rPr kumimoji="1" lang="en-US" altLang="zh-CN" sz="1600" b="1" i="1" smtClean="0">
                           <a:solidFill>
                             <a:schemeClr val="tx1"/>
                           </a:solidFill>
@@ -15344,7 +18353,7 @@
                         <m:t>𝒘</m:t>
                       </m:r>
                       <m:r>
-                        <a:rPr kumimoji="1" lang="en-US" altLang="zh-CN" sz="1800" b="0" i="1" smtClean="0">
+                        <a:rPr kumimoji="1" lang="en-US" altLang="zh-CN" sz="1600" b="0" i="1" smtClean="0">
                           <a:solidFill>
                             <a:schemeClr val="tx1"/>
                           </a:solidFill>
@@ -15353,7 +18362,7 @@
                         <m:t>;</m:t>
                       </m:r>
                       <m:r>
-                        <a:rPr kumimoji="1" lang="en-US" altLang="zh-CN" sz="1800" b="1" i="1" smtClean="0">
+                        <a:rPr kumimoji="1" lang="en-US" altLang="zh-CN" sz="1600" b="1" i="1" smtClean="0">
                           <a:solidFill>
                             <a:schemeClr val="tx1"/>
                           </a:solidFill>
@@ -15362,7 +18371,7 @@
                         <m:t>𝑿</m:t>
                       </m:r>
                       <m:r>
-                        <a:rPr kumimoji="1" lang="en-US" altLang="zh-CN" sz="1800" b="0" i="1" smtClean="0">
+                        <a:rPr kumimoji="1" lang="en-US" altLang="zh-CN" sz="1600" b="0" i="1" smtClean="0">
                           <a:solidFill>
                             <a:schemeClr val="tx1"/>
                           </a:solidFill>
@@ -15371,7 +18380,7 @@
                         <m:t>,</m:t>
                       </m:r>
                       <m:r>
-                        <a:rPr kumimoji="1" lang="en-US" altLang="zh-CN" sz="1800" b="1" i="1" smtClean="0">
+                        <a:rPr kumimoji="1" lang="en-US" altLang="zh-CN" sz="1600" b="1" i="1" smtClean="0">
                           <a:solidFill>
                             <a:schemeClr val="tx1"/>
                           </a:solidFill>
@@ -15380,7 +18389,7 @@
                         <m:t>𝒚</m:t>
                       </m:r>
                       <m:r>
-                        <a:rPr kumimoji="1" lang="en-US" altLang="zh-CN" sz="1800" b="0" i="1" smtClean="0">
+                        <a:rPr kumimoji="1" lang="en-US" altLang="zh-CN" sz="1600" b="0" i="1" smtClean="0">
                           <a:solidFill>
                             <a:schemeClr val="tx1"/>
                           </a:solidFill>
@@ -15391,7 +18400,7 @@
                     </m:oMath>
                   </m:oMathPara>
                 </a14:m>
-                <a:endParaRPr kumimoji="1" lang="en-US" altLang="zh-CN" sz="1800" dirty="0">
+                <a:endParaRPr kumimoji="1" lang="en-US" altLang="zh-CN" sz="1600" dirty="0">
                   <a:solidFill>
                     <a:schemeClr val="tx1"/>
                   </a:solidFill>
@@ -15402,14 +18411,14 @@
                   <a:buNone/>
                 </a:pPr>
                 <a:r>
-                  <a:rPr kumimoji="1" lang="zh-CN" altLang="en-US" sz="1800" dirty="0">
+                  <a:rPr kumimoji="1" lang="zh-CN" altLang="en-US" sz="1600" dirty="0">
                     <a:solidFill>
                       <a:schemeClr val="tx1"/>
                     </a:solidFill>
                   </a:rPr>
                   <a:t>对应的梯度为</a:t>
                 </a:r>
-                <a:endParaRPr kumimoji="1" lang="en-US" altLang="zh-CN" sz="1800" dirty="0">
+                <a:endParaRPr kumimoji="1" lang="en-US" altLang="zh-CN" sz="1600" dirty="0">
                   <a:solidFill>
                     <a:schemeClr val="tx1"/>
                   </a:solidFill>
@@ -15428,7 +18437,7 @@
                       <m:sSub>
                         <m:sSubPr>
                           <m:ctrlPr>
-                            <a:rPr kumimoji="1" lang="en-US" altLang="zh-CN" sz="1800" b="0" i="1" smtClean="0">
+                            <a:rPr kumimoji="1" lang="en-US" altLang="zh-CN" sz="1600" b="0" i="1" smtClean="0">
                               <a:solidFill>
                                 <a:schemeClr val="tx1"/>
                               </a:solidFill>
@@ -15441,7 +18450,7 @@
                             <m:rPr>
                               <m:sty m:val="p"/>
                             </m:rPr>
-                            <a:rPr kumimoji="1" lang="en-US" altLang="zh-CN" sz="1800" b="0" i="0" smtClean="0">
+                            <a:rPr kumimoji="1" lang="en-US" altLang="zh-CN" sz="1600" b="0" i="0" smtClean="0">
                               <a:solidFill>
                                 <a:schemeClr val="tx1"/>
                               </a:solidFill>
@@ -15452,7 +18461,7 @@
                         </m:e>
                         <m:sub>
                           <m:r>
-                            <a:rPr kumimoji="1" lang="en-US" altLang="zh-CN" sz="1800" b="0" i="1" smtClean="0">
+                            <a:rPr kumimoji="1" lang="en-US" altLang="zh-CN" sz="1600" b="0" i="1" smtClean="0">
                               <a:solidFill>
                                 <a:schemeClr val="tx1"/>
                               </a:solidFill>
@@ -15465,7 +18474,7 @@
                       <m:limUpp>
                         <m:limUppPr>
                           <m:ctrlPr>
-                            <a:rPr kumimoji="1" lang="en-US" altLang="zh-CN" sz="1800" i="1">
+                            <a:rPr kumimoji="1" lang="en-US" altLang="zh-CN" sz="1600" i="1">
                               <a:solidFill>
                                 <a:schemeClr val="tx1"/>
                               </a:solidFill>
@@ -15475,7 +18484,7 @@
                         </m:limUppPr>
                         <m:e>
                           <m:r>
-                            <a:rPr kumimoji="1" lang="en-US" altLang="zh-CN" sz="1800" i="1">
+                            <a:rPr kumimoji="1" lang="en-US" altLang="zh-CN" sz="1600" i="1">
                               <a:solidFill>
                                 <a:schemeClr val="tx1"/>
                               </a:solidFill>
@@ -15486,7 +18495,7 @@
                         </m:e>
                         <m:lim>
                           <m:r>
-                            <a:rPr kumimoji="1" lang="en-US" altLang="zh-CN" sz="1800" i="1">
+                            <a:rPr kumimoji="1" lang="en-US" altLang="zh-CN" sz="1600" i="1">
                               <a:solidFill>
                                 <a:schemeClr val="tx1"/>
                               </a:solidFill>
@@ -15499,7 +18508,7 @@
                       <m:d>
                         <m:dPr>
                           <m:ctrlPr>
-                            <a:rPr kumimoji="1" lang="en-US" altLang="zh-CN" sz="1800" i="1">
+                            <a:rPr kumimoji="1" lang="en-US" altLang="zh-CN" sz="1600" i="1">
                               <a:solidFill>
                                 <a:schemeClr val="tx1"/>
                               </a:solidFill>
@@ -15509,7 +18518,7 @@
                         </m:dPr>
                         <m:e>
                           <m:r>
-                            <a:rPr kumimoji="1" lang="en-US" altLang="zh-CN" sz="1800" b="1" i="1">
+                            <a:rPr kumimoji="1" lang="en-US" altLang="zh-CN" sz="1600" b="1" i="1">
                               <a:solidFill>
                                 <a:schemeClr val="tx1"/>
                               </a:solidFill>
@@ -15518,7 +18527,7 @@
                             <m:t>𝒘</m:t>
                           </m:r>
                           <m:r>
-                            <a:rPr kumimoji="1" lang="en-US" altLang="zh-CN" sz="1800" i="1">
+                            <a:rPr kumimoji="1" lang="en-US" altLang="zh-CN" sz="1600" i="1">
                               <a:solidFill>
                                 <a:schemeClr val="tx1"/>
                               </a:solidFill>
@@ -15527,7 +18536,7 @@
                             <m:t>;</m:t>
                           </m:r>
                           <m:r>
-                            <a:rPr kumimoji="1" lang="en-US" altLang="zh-CN" sz="1800" b="1" i="1">
+                            <a:rPr kumimoji="1" lang="en-US" altLang="zh-CN" sz="1600" b="1" i="1">
                               <a:solidFill>
                                 <a:schemeClr val="tx1"/>
                               </a:solidFill>
@@ -15536,7 +18545,7 @@
                             <m:t>𝑿</m:t>
                           </m:r>
                           <m:r>
-                            <a:rPr kumimoji="1" lang="en-US" altLang="zh-CN" sz="1800" i="1">
+                            <a:rPr kumimoji="1" lang="en-US" altLang="zh-CN" sz="1600" i="1">
                               <a:solidFill>
                                 <a:schemeClr val="tx1"/>
                               </a:solidFill>
@@ -15545,7 +18554,7 @@
                             <m:t>,</m:t>
                           </m:r>
                           <m:r>
-                            <a:rPr kumimoji="1" lang="en-US" altLang="zh-CN" sz="1800" b="1" i="1">
+                            <a:rPr kumimoji="1" lang="en-US" altLang="zh-CN" sz="1600" b="1" i="1">
                               <a:solidFill>
                                 <a:schemeClr val="tx1"/>
                               </a:solidFill>
@@ -15556,7 +18565,7 @@
                         </m:e>
                       </m:d>
                       <m:r>
-                        <a:rPr kumimoji="1" lang="en-US" altLang="zh-CN" sz="1800" i="1">
+                        <a:rPr kumimoji="1" lang="en-US" altLang="zh-CN" sz="1600" i="1">
                           <a:solidFill>
                             <a:schemeClr val="tx1"/>
                           </a:solidFill>
@@ -15565,7 +18574,7 @@
                         <m:t>=</m:t>
                       </m:r>
                       <m:r>
-                        <a:rPr kumimoji="1" lang="en-US" altLang="zh-CN" sz="1800" i="1">
+                        <a:rPr kumimoji="1" lang="en-US" altLang="zh-CN" sz="1600" i="1">
                           <a:solidFill>
                             <a:schemeClr val="tx1"/>
                           </a:solidFill>
@@ -15574,7 +18583,7 @@
                         <m:t>𝛼</m:t>
                       </m:r>
                       <m:r>
-                        <a:rPr kumimoji="1" lang="en-US" altLang="zh-CN" sz="1800" b="0" i="1" smtClean="0">
+                        <a:rPr kumimoji="1" lang="en-US" altLang="zh-CN" sz="1600" b="0" i="1" smtClean="0">
                           <a:solidFill>
                             <a:schemeClr val="tx1"/>
                           </a:solidFill>
@@ -15583,7 +18592,7 @@
                         <m:t>𝑠𝑖𝑔𝑛</m:t>
                       </m:r>
                       <m:r>
-                        <a:rPr kumimoji="1" lang="en-US" altLang="zh-CN" sz="1800" b="0" i="1" smtClean="0">
+                        <a:rPr kumimoji="1" lang="en-US" altLang="zh-CN" sz="1600" b="0" i="1" smtClean="0">
                           <a:solidFill>
                             <a:schemeClr val="tx1"/>
                           </a:solidFill>
@@ -15592,7 +18601,7 @@
                         <m:t>(</m:t>
                       </m:r>
                       <m:r>
-                        <a:rPr kumimoji="1" lang="en-US" altLang="zh-CN" sz="1800" b="1" i="1" smtClean="0">
+                        <a:rPr kumimoji="1" lang="en-US" altLang="zh-CN" sz="1600" b="1" i="1" smtClean="0">
                           <a:solidFill>
                             <a:schemeClr val="tx1"/>
                           </a:solidFill>
@@ -15601,7 +18610,7 @@
                         <m:t>𝒘</m:t>
                       </m:r>
                       <m:r>
-                        <a:rPr kumimoji="1" lang="en-US" altLang="zh-CN" sz="1800" b="0" i="1" smtClean="0">
+                        <a:rPr kumimoji="1" lang="en-US" altLang="zh-CN" sz="1600" b="0" i="1" smtClean="0">
                           <a:solidFill>
                             <a:schemeClr val="tx1"/>
                           </a:solidFill>
@@ -15610,7 +18619,7 @@
                         <m:t>)</m:t>
                       </m:r>
                       <m:r>
-                        <a:rPr kumimoji="1" lang="en-US" altLang="zh-CN" sz="1800" i="1">
+                        <a:rPr kumimoji="1" lang="en-US" altLang="zh-CN" sz="1600" i="1">
                           <a:solidFill>
                             <a:schemeClr val="tx1"/>
                           </a:solidFill>
@@ -15621,7 +18630,7 @@
                       <m:sSub>
                         <m:sSubPr>
                           <m:ctrlPr>
-                            <a:rPr kumimoji="1" lang="en-US" altLang="zh-CN" sz="1800" i="1">
+                            <a:rPr kumimoji="1" lang="en-US" altLang="zh-CN" sz="1600" i="1">
                               <a:solidFill>
                                 <a:schemeClr val="tx1"/>
                               </a:solidFill>
@@ -15634,7 +18643,7 @@
                             <m:rPr>
                               <m:sty m:val="p"/>
                             </m:rPr>
-                            <a:rPr kumimoji="1" lang="en-US" altLang="zh-CN" sz="1800">
+                            <a:rPr kumimoji="1" lang="en-US" altLang="zh-CN" sz="1600">
                               <a:solidFill>
                                 <a:schemeClr val="tx1"/>
                               </a:solidFill>
@@ -15645,7 +18654,7 @@
                         </m:e>
                         <m:sub>
                           <m:r>
-                            <a:rPr kumimoji="1" lang="en-US" altLang="zh-CN" sz="1800" i="1">
+                            <a:rPr kumimoji="1" lang="en-US" altLang="zh-CN" sz="1600" i="1">
                               <a:solidFill>
                                 <a:schemeClr val="tx1"/>
                               </a:solidFill>
@@ -15656,7 +18665,7 @@
                         </m:sub>
                       </m:sSub>
                       <m:r>
-                        <a:rPr kumimoji="1" lang="en-US" altLang="zh-CN" sz="1800" i="1">
+                        <a:rPr kumimoji="1" lang="en-US" altLang="zh-CN" sz="1600" i="1">
                           <a:solidFill>
                             <a:schemeClr val="tx1"/>
                           </a:solidFill>
@@ -15665,7 +18674,7 @@
                         <m:t>𝐽</m:t>
                       </m:r>
                       <m:r>
-                        <a:rPr kumimoji="1" lang="en-US" altLang="zh-CN" sz="1800" i="1">
+                        <a:rPr kumimoji="1" lang="en-US" altLang="zh-CN" sz="1600" i="1">
                           <a:solidFill>
                             <a:schemeClr val="tx1"/>
                           </a:solidFill>
@@ -15674,7 +18683,7 @@
                         <m:t>(</m:t>
                       </m:r>
                       <m:r>
-                        <a:rPr kumimoji="1" lang="en-US" altLang="zh-CN" sz="1800" b="1" i="1">
+                        <a:rPr kumimoji="1" lang="en-US" altLang="zh-CN" sz="1600" b="1" i="1">
                           <a:solidFill>
                             <a:schemeClr val="tx1"/>
                           </a:solidFill>
@@ -15683,7 +18692,7 @@
                         <m:t>𝒘</m:t>
                       </m:r>
                       <m:r>
-                        <a:rPr kumimoji="1" lang="en-US" altLang="zh-CN" sz="1800" i="1">
+                        <a:rPr kumimoji="1" lang="en-US" altLang="zh-CN" sz="1600" i="1">
                           <a:solidFill>
                             <a:schemeClr val="tx1"/>
                           </a:solidFill>
@@ -15692,7 +18701,7 @@
                         <m:t>;</m:t>
                       </m:r>
                       <m:r>
-                        <a:rPr kumimoji="1" lang="en-US" altLang="zh-CN" sz="1800" b="1" i="1">
+                        <a:rPr kumimoji="1" lang="en-US" altLang="zh-CN" sz="1600" b="1" i="1">
                           <a:solidFill>
                             <a:schemeClr val="tx1"/>
                           </a:solidFill>
@@ -15701,7 +18710,7 @@
                         <m:t>𝑿</m:t>
                       </m:r>
                       <m:r>
-                        <a:rPr kumimoji="1" lang="en-US" altLang="zh-CN" sz="1800" i="1">
+                        <a:rPr kumimoji="1" lang="en-US" altLang="zh-CN" sz="1600" i="1">
                           <a:solidFill>
                             <a:schemeClr val="tx1"/>
                           </a:solidFill>
@@ -15710,7 +18719,7 @@
                         <m:t>,</m:t>
                       </m:r>
                       <m:r>
-                        <a:rPr kumimoji="1" lang="en-US" altLang="zh-CN" sz="1800" b="1" i="1">
+                        <a:rPr kumimoji="1" lang="en-US" altLang="zh-CN" sz="1600" b="1" i="1">
                           <a:solidFill>
                             <a:schemeClr val="tx1"/>
                           </a:solidFill>
@@ -15719,7 +18728,7 @@
                         <m:t>𝒚</m:t>
                       </m:r>
                       <m:r>
-                        <a:rPr kumimoji="1" lang="en-US" altLang="zh-CN" sz="1800" i="1">
+                        <a:rPr kumimoji="1" lang="en-US" altLang="zh-CN" sz="1600" i="1">
                           <a:solidFill>
                             <a:schemeClr val="tx1"/>
                           </a:solidFill>
@@ -15730,7 +18739,1198 @@
                     </m:oMath>
                   </m:oMathPara>
                 </a14:m>
-                <a:endParaRPr kumimoji="1" lang="en-US" altLang="zh-CN" sz="1800" dirty="0">
+                <a:endParaRPr kumimoji="1" lang="en-US" altLang="zh-CN" sz="1600" dirty="0">
+                  <a:solidFill>
+                    <a:schemeClr val="tx1"/>
+                  </a:solidFill>
+                </a:endParaRPr>
+              </a:p>
+              <a:p>
+                <a:pPr marL="0" indent="0">
+                  <a:buNone/>
+                </a:pPr>
+                <a:r>
+                  <a:rPr kumimoji="1" lang="en-US" altLang="zh-CN" sz="1600" dirty="0">
+                    <a:solidFill>
+                      <a:schemeClr val="tx1"/>
+                    </a:solidFill>
+                  </a:rPr>
+                  <a:t>sign(</a:t>
+                </a:r>
+                <a:r>
+                  <a:rPr kumimoji="1" lang="en-US" altLang="zh-CN" sz="1600" b="1" dirty="0">
+                    <a:solidFill>
+                      <a:schemeClr val="tx1"/>
+                    </a:solidFill>
+                  </a:rPr>
+                  <a:t>w</a:t>
+                </a:r>
+                <a:r>
+                  <a:rPr kumimoji="1" lang="en-US" altLang="zh-CN" sz="1600" dirty="0">
+                    <a:solidFill>
+                      <a:schemeClr val="tx1"/>
+                    </a:solidFill>
+                  </a:rPr>
+                  <a:t>)</a:t>
+                </a:r>
+                <a:r>
+                  <a:rPr kumimoji="1" lang="zh-CN" altLang="en-US" sz="1600" dirty="0">
+                    <a:solidFill>
+                      <a:schemeClr val="tx1"/>
+                    </a:solidFill>
+                  </a:rPr>
+                  <a:t>只是简单地取</a:t>
+                </a:r>
+                <a:r>
+                  <a:rPr kumimoji="1" lang="en-US" altLang="zh-CN" sz="1600" b="1" dirty="0">
+                    <a:solidFill>
+                      <a:schemeClr val="tx1"/>
+                    </a:solidFill>
+                  </a:rPr>
+                  <a:t>w</a:t>
+                </a:r>
+                <a:r>
+                  <a:rPr kumimoji="1" lang="zh-CN" altLang="en-US" sz="1600" dirty="0">
+                    <a:solidFill>
+                      <a:schemeClr val="tx1"/>
+                    </a:solidFill>
+                  </a:rPr>
+                  <a:t>各个分量的符号</a:t>
+                </a:r>
+                <a:endParaRPr kumimoji="1" lang="en-US" altLang="zh-CN" sz="1600" dirty="0">
+                  <a:solidFill>
+                    <a:schemeClr val="tx1"/>
+                  </a:solidFill>
+                </a:endParaRPr>
+              </a:p>
+              <a:p>
+                <a:pPr marL="0" indent="0">
+                  <a:buNone/>
+                </a:pPr>
+                <a:r>
+                  <a:rPr kumimoji="1" lang="zh-CN" altLang="en-US" sz="1600" dirty="0">
+                    <a:solidFill>
+                      <a:schemeClr val="tx1"/>
+                    </a:solidFill>
+                  </a:rPr>
+                  <a:t>类似的，对</a:t>
+                </a:r>
+                <a:r>
+                  <a:rPr kumimoji="1" lang="en-US" altLang="zh-CN" sz="1600" dirty="0">
+                    <a:solidFill>
+                      <a:schemeClr val="tx1"/>
+                    </a:solidFill>
+                  </a:rPr>
+                  <a:t>L</a:t>
+                </a:r>
+                <a:r>
+                  <a:rPr kumimoji="1" lang="en-US" altLang="zh-CN" sz="1600" baseline="30000" dirty="0">
+                    <a:solidFill>
+                      <a:schemeClr val="tx1"/>
+                    </a:solidFill>
+                  </a:rPr>
+                  <a:t>1</a:t>
+                </a:r>
+                <a:r>
+                  <a:rPr kumimoji="1" lang="zh-CN" altLang="en-US" sz="1600" dirty="0">
+                    <a:solidFill>
+                      <a:schemeClr val="tx1"/>
+                    </a:solidFill>
+                  </a:rPr>
+                  <a:t>正则化目标函数在</a:t>
+                </a:r>
+                <a:r>
+                  <a:rPr kumimoji="1" lang="en-US" altLang="zh-CN" sz="1600" dirty="0">
+                    <a:solidFill>
+                      <a:schemeClr val="tx1"/>
+                    </a:solidFill>
+                  </a:rPr>
+                  <a:t>w</a:t>
+                </a:r>
+                <a:r>
+                  <a:rPr kumimoji="1" lang="zh-CN" altLang="en-US" sz="1600" dirty="0">
+                    <a:solidFill>
+                      <a:schemeClr val="tx1"/>
+                    </a:solidFill>
+                  </a:rPr>
+                  <a:t>*处做</a:t>
+                </a:r>
+                <a:r>
+                  <a:rPr kumimoji="1" lang="zh-CN" altLang="en-CN" sz="1600" dirty="0">
+                    <a:solidFill>
+                      <a:schemeClr val="tx1"/>
+                    </a:solidFill>
+                  </a:rPr>
+                  <a:t>二次近似</a:t>
+                </a:r>
+                <a:r>
+                  <a:rPr kumimoji="1" lang="en-US" altLang="zh-CN" sz="1600" dirty="0">
+                    <a:solidFill>
+                      <a:schemeClr val="tx1"/>
+                    </a:solidFill>
+                  </a:rPr>
+                  <a:t>(</a:t>
+                </a:r>
+                <a:r>
+                  <a:rPr kumimoji="1" lang="zh-CN" altLang="en-US" sz="1600" dirty="0">
+                    <a:solidFill>
+                      <a:schemeClr val="tx1"/>
+                    </a:solidFill>
+                  </a:rPr>
+                  <a:t>假设</a:t>
+                </a:r>
+                <a:r>
+                  <a:rPr kumimoji="1" lang="en-US" altLang="zh-CN" sz="1600" dirty="0">
+                    <a:solidFill>
+                      <a:schemeClr val="tx1"/>
+                    </a:solidFill>
+                  </a:rPr>
+                  <a:t>Hessian</a:t>
+                </a:r>
+                <a:r>
+                  <a:rPr kumimoji="1" lang="zh-CN" altLang="en-US" sz="1600" dirty="0">
+                    <a:solidFill>
+                      <a:schemeClr val="tx1"/>
+                    </a:solidFill>
+                  </a:rPr>
+                  <a:t>是对角的，即</a:t>
+                </a:r>
+                <a:r>
+                  <a:rPr kumimoji="1" lang="en-US" altLang="zh-CN" sz="1600" dirty="0">
+                    <a:solidFill>
+                      <a:schemeClr val="tx1"/>
+                    </a:solidFill>
+                  </a:rPr>
+                  <a:t>H=</a:t>
+                </a:r>
+                <a:r>
+                  <a:rPr kumimoji="1" lang="en-US" altLang="zh-CN" sz="1600" dirty="0" err="1">
+                    <a:solidFill>
+                      <a:schemeClr val="tx1"/>
+                    </a:solidFill>
+                  </a:rPr>
+                  <a:t>diag</a:t>
+                </a:r>
+                <a:r>
+                  <a:rPr kumimoji="1" lang="en-US" altLang="zh-CN" sz="1600" dirty="0">
+                    <a:solidFill>
+                      <a:schemeClr val="tx1"/>
+                    </a:solidFill>
+                  </a:rPr>
+                  <a:t>(H</a:t>
+                </a:r>
+                <a:r>
+                  <a:rPr kumimoji="1" lang="en-US" altLang="zh-CN" sz="1600" baseline="-25000" dirty="0">
+                    <a:solidFill>
+                      <a:schemeClr val="tx1"/>
+                    </a:solidFill>
+                  </a:rPr>
+                  <a:t>1,1</a:t>
+                </a:r>
+                <a:r>
+                  <a:rPr kumimoji="1" lang="en-US" altLang="zh-CN" sz="1600" dirty="0">
+                    <a:solidFill>
+                      <a:schemeClr val="tx1"/>
+                    </a:solidFill>
+                  </a:rPr>
+                  <a:t>,…,</a:t>
+                </a:r>
+                <a:r>
+                  <a:rPr kumimoji="1" lang="en-US" altLang="zh-CN" sz="1600" dirty="0" err="1">
+                    <a:solidFill>
+                      <a:schemeClr val="tx1"/>
+                    </a:solidFill>
+                  </a:rPr>
+                  <a:t>H</a:t>
+                </a:r>
+                <a:r>
+                  <a:rPr kumimoji="1" lang="en-US" altLang="zh-CN" sz="1600" baseline="-25000" dirty="0" err="1">
+                    <a:solidFill>
+                      <a:schemeClr val="tx1"/>
+                    </a:solidFill>
+                  </a:rPr>
+                  <a:t>n,n</a:t>
+                </a:r>
+                <a:r>
+                  <a:rPr kumimoji="1" lang="en-US" altLang="zh-CN" sz="1600" dirty="0">
+                    <a:solidFill>
+                      <a:schemeClr val="tx1"/>
+                    </a:solidFill>
+                  </a:rPr>
+                  <a:t>),</a:t>
+                </a:r>
+                <a:r>
+                  <a:rPr kumimoji="1" lang="zh-CN" altLang="en-US" sz="1600" dirty="0">
+                    <a:solidFill>
+                      <a:schemeClr val="tx1"/>
+                    </a:solidFill>
+                  </a:rPr>
+                  <a:t>其中每个</a:t>
+                </a:r>
+                <a:r>
+                  <a:rPr kumimoji="1" lang="en-US" altLang="zh-CN" sz="1600" dirty="0" err="1">
+                    <a:solidFill>
+                      <a:schemeClr val="tx1"/>
+                    </a:solidFill>
+                  </a:rPr>
+                  <a:t>H</a:t>
+                </a:r>
+                <a:r>
+                  <a:rPr kumimoji="1" lang="en-US" altLang="zh-CN" sz="1600" baseline="-25000" dirty="0" err="1">
+                    <a:solidFill>
+                      <a:schemeClr val="tx1"/>
+                    </a:solidFill>
+                  </a:rPr>
+                  <a:t>i,i</a:t>
+                </a:r>
+                <a:r>
+                  <a:rPr kumimoji="1" lang="en-US" altLang="zh-CN" sz="1600" dirty="0">
+                    <a:solidFill>
+                      <a:schemeClr val="tx1"/>
+                    </a:solidFill>
+                  </a:rPr>
+                  <a:t>&gt;0)	</a:t>
+                </a:r>
+              </a:p>
+              <a:p>
+                <a:pPr marL="0" indent="0" algn="ctr">
+                  <a:buNone/>
+                </a:pPr>
+                <a14:m>
+                  <m:oMathPara xmlns:m="http://schemas.openxmlformats.org/officeDocument/2006/math">
+                    <m:oMathParaPr>
+                      <m:jc m:val="centerGroup"/>
+                    </m:oMathParaPr>
+                    <m:oMath xmlns:m="http://schemas.openxmlformats.org/officeDocument/2006/math">
+                      <m:acc>
+                        <m:accPr>
+                          <m:chr m:val="̂"/>
+                          <m:ctrlPr>
+                            <a:rPr kumimoji="1" lang="en-US" altLang="zh-CN" sz="1600" i="1">
+                              <a:solidFill>
+                                <a:schemeClr val="tx1"/>
+                              </a:solidFill>
+                              <a:latin typeface="Cambria Math" panose="02040503050406030204" pitchFamily="18" charset="0"/>
+                            </a:rPr>
+                          </m:ctrlPr>
+                        </m:accPr>
+                        <m:e>
+                          <m:r>
+                            <a:rPr kumimoji="1" lang="en-US" altLang="zh-CN" sz="1600" i="1">
+                              <a:solidFill>
+                                <a:schemeClr val="tx1"/>
+                              </a:solidFill>
+                              <a:latin typeface="Cambria Math" panose="02040503050406030204" pitchFamily="18" charset="0"/>
+                            </a:rPr>
+                            <m:t>𝐽</m:t>
+                          </m:r>
+                        </m:e>
+                      </m:acc>
+                      <m:d>
+                        <m:dPr>
+                          <m:ctrlPr>
+                            <a:rPr kumimoji="1" lang="en-US" altLang="zh-CN" sz="1600" b="1" i="1">
+                              <a:solidFill>
+                                <a:schemeClr val="tx1"/>
+                              </a:solidFill>
+                              <a:latin typeface="Cambria Math" panose="02040503050406030204" pitchFamily="18" charset="0"/>
+                            </a:rPr>
+                          </m:ctrlPr>
+                        </m:dPr>
+                        <m:e>
+                          <m:r>
+                            <a:rPr kumimoji="1" lang="en-US" altLang="zh-CN" sz="1600" b="1" i="1" smtClean="0">
+                              <a:solidFill>
+                                <a:schemeClr val="tx1"/>
+                              </a:solidFill>
+                              <a:latin typeface="Cambria Math" panose="02040503050406030204" pitchFamily="18" charset="0"/>
+                            </a:rPr>
+                            <m:t>𝒘</m:t>
+                          </m:r>
+                          <m:r>
+                            <a:rPr kumimoji="1" lang="en-US" altLang="zh-CN" sz="1600" b="1" i="1" smtClean="0">
+                              <a:solidFill>
+                                <a:schemeClr val="tx1"/>
+                              </a:solidFill>
+                              <a:latin typeface="Cambria Math" panose="02040503050406030204" pitchFamily="18" charset="0"/>
+                            </a:rPr>
+                            <m:t>;</m:t>
+                          </m:r>
+                          <m:r>
+                            <a:rPr kumimoji="1" lang="en-US" altLang="zh-CN" sz="1600" b="1" i="1" smtClean="0">
+                              <a:solidFill>
+                                <a:schemeClr val="tx1"/>
+                              </a:solidFill>
+                              <a:latin typeface="Cambria Math" panose="02040503050406030204" pitchFamily="18" charset="0"/>
+                            </a:rPr>
+                            <m:t>𝑿</m:t>
+                          </m:r>
+                          <m:r>
+                            <a:rPr kumimoji="1" lang="en-US" altLang="zh-CN" sz="1600" b="1" i="1" smtClean="0">
+                              <a:solidFill>
+                                <a:schemeClr val="tx1"/>
+                              </a:solidFill>
+                              <a:latin typeface="Cambria Math" panose="02040503050406030204" pitchFamily="18" charset="0"/>
+                            </a:rPr>
+                            <m:t>,</m:t>
+                          </m:r>
+                          <m:r>
+                            <a:rPr kumimoji="1" lang="en-US" altLang="zh-CN" sz="1600" b="1" i="1" smtClean="0">
+                              <a:solidFill>
+                                <a:schemeClr val="tx1"/>
+                              </a:solidFill>
+                              <a:latin typeface="Cambria Math" panose="02040503050406030204" pitchFamily="18" charset="0"/>
+                            </a:rPr>
+                            <m:t>𝒚</m:t>
+                          </m:r>
+                        </m:e>
+                      </m:d>
+                      <m:r>
+                        <a:rPr kumimoji="1" lang="en-US" altLang="zh-CN" sz="1600" i="1">
+                          <a:solidFill>
+                            <a:schemeClr val="tx1"/>
+                          </a:solidFill>
+                          <a:latin typeface="Cambria Math" panose="02040503050406030204" pitchFamily="18" charset="0"/>
+                        </a:rPr>
+                        <m:t>=</m:t>
+                      </m:r>
+                      <m:r>
+                        <a:rPr kumimoji="1" lang="en-US" altLang="zh-CN" sz="1600" i="1">
+                          <a:solidFill>
+                            <a:schemeClr val="tx1"/>
+                          </a:solidFill>
+                          <a:latin typeface="Cambria Math" panose="02040503050406030204" pitchFamily="18" charset="0"/>
+                        </a:rPr>
+                        <m:t>𝐽</m:t>
+                      </m:r>
+                      <m:d>
+                        <m:dPr>
+                          <m:ctrlPr>
+                            <a:rPr kumimoji="1" lang="en-US" altLang="zh-CN" sz="1600" i="1">
+                              <a:solidFill>
+                                <a:schemeClr val="tx1"/>
+                              </a:solidFill>
+                              <a:latin typeface="Cambria Math" panose="02040503050406030204" pitchFamily="18" charset="0"/>
+                            </a:rPr>
+                          </m:ctrlPr>
+                        </m:dPr>
+                        <m:e>
+                          <m:sSup>
+                            <m:sSupPr>
+                              <m:ctrlPr>
+                                <a:rPr kumimoji="1" lang="en-US" altLang="zh-CN" sz="1600" i="1" smtClean="0">
+                                  <a:solidFill>
+                                    <a:schemeClr val="tx1"/>
+                                  </a:solidFill>
+                                  <a:latin typeface="Cambria Math" panose="02040503050406030204" pitchFamily="18" charset="0"/>
+                                </a:rPr>
+                              </m:ctrlPr>
+                            </m:sSupPr>
+                            <m:e>
+                              <m:r>
+                                <a:rPr kumimoji="1" lang="en-US" altLang="zh-CN" sz="1600" b="1" i="1">
+                                  <a:solidFill>
+                                    <a:schemeClr val="tx1"/>
+                                  </a:solidFill>
+                                  <a:latin typeface="Cambria Math" panose="02040503050406030204" pitchFamily="18" charset="0"/>
+                                </a:rPr>
+                                <m:t>𝒘</m:t>
+                              </m:r>
+                            </m:e>
+                            <m:sup>
+                              <m:r>
+                                <a:rPr kumimoji="1" lang="en-US" altLang="zh-CN" sz="1600" i="1">
+                                  <a:solidFill>
+                                    <a:schemeClr val="tx1"/>
+                                  </a:solidFill>
+                                  <a:latin typeface="Cambria Math" panose="02040503050406030204" pitchFamily="18" charset="0"/>
+                                </a:rPr>
+                                <m:t>∗</m:t>
+                              </m:r>
+                            </m:sup>
+                          </m:sSup>
+                          <m:r>
+                            <a:rPr kumimoji="1" lang="en-US" altLang="zh-CN" sz="1600" b="0" i="1" smtClean="0">
+                              <a:solidFill>
+                                <a:schemeClr val="tx1"/>
+                              </a:solidFill>
+                              <a:latin typeface="Cambria Math" panose="02040503050406030204" pitchFamily="18" charset="0"/>
+                            </a:rPr>
+                            <m:t>;</m:t>
+                          </m:r>
+                          <m:r>
+                            <a:rPr kumimoji="1" lang="en-US" altLang="zh-CN" sz="1600" b="0" i="1" smtClean="0">
+                              <a:solidFill>
+                                <a:schemeClr val="tx1"/>
+                              </a:solidFill>
+                              <a:latin typeface="Cambria Math" panose="02040503050406030204" pitchFamily="18" charset="0"/>
+                            </a:rPr>
+                            <m:t>𝑋</m:t>
+                          </m:r>
+                          <m:r>
+                            <a:rPr kumimoji="1" lang="en-US" altLang="zh-CN" sz="1600" b="0" i="1" smtClean="0">
+                              <a:solidFill>
+                                <a:schemeClr val="tx1"/>
+                              </a:solidFill>
+                              <a:latin typeface="Cambria Math" panose="02040503050406030204" pitchFamily="18" charset="0"/>
+                            </a:rPr>
+                            <m:t>,</m:t>
+                          </m:r>
+                          <m:r>
+                            <a:rPr kumimoji="1" lang="en-US" altLang="zh-CN" sz="1600" b="0" i="1" smtClean="0">
+                              <a:solidFill>
+                                <a:schemeClr val="tx1"/>
+                              </a:solidFill>
+                              <a:latin typeface="Cambria Math" panose="02040503050406030204" pitchFamily="18" charset="0"/>
+                            </a:rPr>
+                            <m:t>𝑦</m:t>
+                          </m:r>
+                        </m:e>
+                      </m:d>
+                      <m:r>
+                        <a:rPr kumimoji="1" lang="en-US" altLang="zh-CN" sz="1600" i="1">
+                          <a:solidFill>
+                            <a:schemeClr val="tx1"/>
+                          </a:solidFill>
+                          <a:latin typeface="Cambria Math" panose="02040503050406030204" pitchFamily="18" charset="0"/>
+                        </a:rPr>
+                        <m:t>+</m:t>
+                      </m:r>
+                      <m:f>
+                        <m:fPr>
+                          <m:ctrlPr>
+                            <a:rPr kumimoji="1" lang="en-US" altLang="zh-CN" sz="1600" i="1">
+                              <a:solidFill>
+                                <a:schemeClr val="tx1"/>
+                              </a:solidFill>
+                              <a:latin typeface="Cambria Math" panose="02040503050406030204" pitchFamily="18" charset="0"/>
+                            </a:rPr>
+                          </m:ctrlPr>
+                        </m:fPr>
+                        <m:num>
+                          <m:r>
+                            <a:rPr kumimoji="1" lang="en-US" altLang="zh-CN" sz="1600" i="1">
+                              <a:solidFill>
+                                <a:schemeClr val="tx1"/>
+                              </a:solidFill>
+                              <a:latin typeface="Cambria Math" panose="02040503050406030204" pitchFamily="18" charset="0"/>
+                            </a:rPr>
+                            <m:t>1</m:t>
+                          </m:r>
+                        </m:num>
+                        <m:den>
+                          <m:r>
+                            <a:rPr kumimoji="1" lang="en-US" altLang="zh-CN" sz="1600" i="1">
+                              <a:solidFill>
+                                <a:schemeClr val="tx1"/>
+                              </a:solidFill>
+                              <a:latin typeface="Cambria Math" panose="02040503050406030204" pitchFamily="18" charset="0"/>
+                            </a:rPr>
+                            <m:t>2</m:t>
+                          </m:r>
+                        </m:den>
+                      </m:f>
+                      <m:d>
+                        <m:dPr>
+                          <m:ctrlPr>
+                            <a:rPr kumimoji="1" lang="en-US" altLang="zh-CN" sz="1600" i="1">
+                              <a:solidFill>
+                                <a:schemeClr val="tx1"/>
+                              </a:solidFill>
+                              <a:latin typeface="Cambria Math" panose="02040503050406030204" pitchFamily="18" charset="0"/>
+                            </a:rPr>
+                          </m:ctrlPr>
+                        </m:dPr>
+                        <m:e>
+                          <m:r>
+                            <a:rPr kumimoji="1" lang="en-US" altLang="zh-CN" sz="1600" b="1" i="1">
+                              <a:solidFill>
+                                <a:schemeClr val="tx1"/>
+                              </a:solidFill>
+                              <a:latin typeface="Cambria Math" panose="02040503050406030204" pitchFamily="18" charset="0"/>
+                            </a:rPr>
+                            <m:t>𝒘</m:t>
+                          </m:r>
+                          <m:r>
+                            <a:rPr kumimoji="1" lang="en-US" altLang="zh-CN" sz="1600" i="1">
+                              <a:solidFill>
+                                <a:schemeClr val="tx1"/>
+                              </a:solidFill>
+                              <a:latin typeface="Cambria Math" panose="02040503050406030204" pitchFamily="18" charset="0"/>
+                            </a:rPr>
+                            <m:t>−</m:t>
+                          </m:r>
+                          <m:sSup>
+                            <m:sSupPr>
+                              <m:ctrlPr>
+                                <a:rPr kumimoji="1" lang="en-US" altLang="zh-CN" sz="1600" i="1">
+                                  <a:solidFill>
+                                    <a:schemeClr val="tx1"/>
+                                  </a:solidFill>
+                                  <a:latin typeface="Cambria Math" panose="02040503050406030204" pitchFamily="18" charset="0"/>
+                                </a:rPr>
+                              </m:ctrlPr>
+                            </m:sSupPr>
+                            <m:e>
+                              <m:r>
+                                <a:rPr kumimoji="1" lang="en-US" altLang="zh-CN" sz="1600" b="1" i="1">
+                                  <a:solidFill>
+                                    <a:schemeClr val="tx1"/>
+                                  </a:solidFill>
+                                  <a:latin typeface="Cambria Math" panose="02040503050406030204" pitchFamily="18" charset="0"/>
+                                </a:rPr>
+                                <m:t>𝒘</m:t>
+                              </m:r>
+                            </m:e>
+                            <m:sup>
+                              <m:r>
+                                <a:rPr kumimoji="1" lang="en-US" altLang="zh-CN" sz="1600" i="1">
+                                  <a:solidFill>
+                                    <a:schemeClr val="tx1"/>
+                                  </a:solidFill>
+                                  <a:latin typeface="Cambria Math" panose="02040503050406030204" pitchFamily="18" charset="0"/>
+                                </a:rPr>
+                                <m:t>∗</m:t>
+                              </m:r>
+                            </m:sup>
+                          </m:sSup>
+                        </m:e>
+                      </m:d>
+                      <m:r>
+                        <a:rPr kumimoji="1" lang="en-US" altLang="zh-CN" sz="1600" b="1" i="1">
+                          <a:solidFill>
+                            <a:schemeClr val="tx1"/>
+                          </a:solidFill>
+                          <a:latin typeface="Cambria Math" panose="02040503050406030204" pitchFamily="18" charset="0"/>
+                        </a:rPr>
+                        <m:t>𝑯</m:t>
+                      </m:r>
+                      <m:d>
+                        <m:dPr>
+                          <m:ctrlPr>
+                            <a:rPr kumimoji="1" lang="en-US" altLang="zh-CN" sz="1600" i="1">
+                              <a:solidFill>
+                                <a:schemeClr val="tx1"/>
+                              </a:solidFill>
+                              <a:latin typeface="Cambria Math" panose="02040503050406030204" pitchFamily="18" charset="0"/>
+                            </a:rPr>
+                          </m:ctrlPr>
+                        </m:dPr>
+                        <m:e>
+                          <m:r>
+                            <a:rPr kumimoji="1" lang="en-US" altLang="zh-CN" sz="1600" b="1" i="1">
+                              <a:solidFill>
+                                <a:schemeClr val="tx1"/>
+                              </a:solidFill>
+                              <a:latin typeface="Cambria Math" panose="02040503050406030204" pitchFamily="18" charset="0"/>
+                            </a:rPr>
+                            <m:t>𝒘</m:t>
+                          </m:r>
+                          <m:r>
+                            <a:rPr kumimoji="1" lang="en-US" altLang="zh-CN" sz="1600" i="1">
+                              <a:solidFill>
+                                <a:schemeClr val="tx1"/>
+                              </a:solidFill>
+                              <a:latin typeface="Cambria Math" panose="02040503050406030204" pitchFamily="18" charset="0"/>
+                            </a:rPr>
+                            <m:t>−</m:t>
+                          </m:r>
+                          <m:sSup>
+                            <m:sSupPr>
+                              <m:ctrlPr>
+                                <a:rPr kumimoji="1" lang="en-US" altLang="zh-CN" sz="1600" i="1">
+                                  <a:solidFill>
+                                    <a:schemeClr val="tx1"/>
+                                  </a:solidFill>
+                                  <a:latin typeface="Cambria Math" panose="02040503050406030204" pitchFamily="18" charset="0"/>
+                                </a:rPr>
+                              </m:ctrlPr>
+                            </m:sSupPr>
+                            <m:e>
+                              <m:r>
+                                <a:rPr kumimoji="1" lang="en-US" altLang="zh-CN" sz="1600" b="1" i="1">
+                                  <a:solidFill>
+                                    <a:schemeClr val="tx1"/>
+                                  </a:solidFill>
+                                  <a:latin typeface="Cambria Math" panose="02040503050406030204" pitchFamily="18" charset="0"/>
+                                </a:rPr>
+                                <m:t>𝒘</m:t>
+                              </m:r>
+                            </m:e>
+                            <m:sup>
+                              <m:r>
+                                <a:rPr kumimoji="1" lang="en-US" altLang="zh-CN" sz="1600" i="1">
+                                  <a:solidFill>
+                                    <a:schemeClr val="tx1"/>
+                                  </a:solidFill>
+                                  <a:latin typeface="Cambria Math" panose="02040503050406030204" pitchFamily="18" charset="0"/>
+                                </a:rPr>
+                                <m:t>∗</m:t>
+                              </m:r>
+                            </m:sup>
+                          </m:sSup>
+                        </m:e>
+                      </m:d>
+                      <m:r>
+                        <a:rPr kumimoji="1" lang="en-US" altLang="zh-CN" sz="1600" b="0" i="1" smtClean="0">
+                          <a:solidFill>
+                            <a:schemeClr val="tx1"/>
+                          </a:solidFill>
+                          <a:latin typeface="Cambria Math" panose="02040503050406030204" pitchFamily="18" charset="0"/>
+                        </a:rPr>
+                        <m:t>+</m:t>
+                      </m:r>
+                      <m:r>
+                        <a:rPr kumimoji="1" lang="en-US" altLang="zh-CN" sz="1600" i="1">
+                          <a:solidFill>
+                            <a:schemeClr val="tx1"/>
+                          </a:solidFill>
+                          <a:latin typeface="Cambria Math" panose="02040503050406030204" pitchFamily="18" charset="0"/>
+                        </a:rPr>
+                        <m:t>𝛼</m:t>
+                      </m:r>
+                      <m:sSub>
+                        <m:sSubPr>
+                          <m:ctrlPr>
+                            <a:rPr kumimoji="1" lang="en-US" altLang="zh-CN" sz="1600" i="1">
+                              <a:solidFill>
+                                <a:schemeClr val="tx1"/>
+                              </a:solidFill>
+                              <a:latin typeface="Cambria Math" panose="02040503050406030204" pitchFamily="18" charset="0"/>
+                            </a:rPr>
+                          </m:ctrlPr>
+                        </m:sSubPr>
+                        <m:e>
+                          <m:r>
+                            <a:rPr kumimoji="1" lang="en-US" altLang="zh-CN" sz="1600" i="1">
+                              <a:solidFill>
+                                <a:schemeClr val="tx1"/>
+                              </a:solidFill>
+                              <a:latin typeface="Cambria Math" panose="02040503050406030204" pitchFamily="18" charset="0"/>
+                            </a:rPr>
+                            <m:t>|</m:t>
+                          </m:r>
+                          <m:d>
+                            <m:dPr>
+                              <m:begChr m:val="|"/>
+                              <m:endChr m:val="|"/>
+                              <m:ctrlPr>
+                                <a:rPr kumimoji="1" lang="en-US" altLang="zh-CN" sz="1600" i="1">
+                                  <a:solidFill>
+                                    <a:schemeClr val="tx1"/>
+                                  </a:solidFill>
+                                  <a:latin typeface="Cambria Math" panose="02040503050406030204" pitchFamily="18" charset="0"/>
+                                </a:rPr>
+                              </m:ctrlPr>
+                            </m:dPr>
+                            <m:e>
+                              <m:r>
+                                <a:rPr kumimoji="1" lang="en-US" altLang="zh-CN" sz="1600" b="1" i="1">
+                                  <a:solidFill>
+                                    <a:schemeClr val="tx1"/>
+                                  </a:solidFill>
+                                  <a:latin typeface="Cambria Math" panose="02040503050406030204" pitchFamily="18" charset="0"/>
+                                </a:rPr>
+                                <m:t>𝒘</m:t>
+                              </m:r>
+                            </m:e>
+                          </m:d>
+                          <m:r>
+                            <a:rPr kumimoji="1" lang="en-US" altLang="zh-CN" sz="1600" i="1">
+                              <a:solidFill>
+                                <a:schemeClr val="tx1"/>
+                              </a:solidFill>
+                              <a:latin typeface="Cambria Math" panose="02040503050406030204" pitchFamily="18" charset="0"/>
+                            </a:rPr>
+                            <m:t>|</m:t>
+                          </m:r>
+                        </m:e>
+                        <m:sub>
+                          <m:r>
+                            <a:rPr kumimoji="1" lang="en-US" altLang="zh-CN" sz="1600" i="1">
+                              <a:solidFill>
+                                <a:schemeClr val="tx1"/>
+                              </a:solidFill>
+                              <a:latin typeface="Cambria Math" panose="02040503050406030204" pitchFamily="18" charset="0"/>
+                            </a:rPr>
+                            <m:t>1</m:t>
+                          </m:r>
+                        </m:sub>
+                      </m:sSub>
+                    </m:oMath>
+                  </m:oMathPara>
+                </a14:m>
+                <a:endParaRPr kumimoji="1" lang="en-US" altLang="zh-CN" sz="1600" dirty="0">
+                  <a:solidFill>
+                    <a:schemeClr val="tx1"/>
+                  </a:solidFill>
+                </a:endParaRPr>
+              </a:p>
+              <a:p>
+                <a:pPr marL="0" indent="0" algn="ctr">
+                  <a:buNone/>
+                </a:pPr>
+                <a14:m>
+                  <m:oMathPara xmlns:m="http://schemas.openxmlformats.org/officeDocument/2006/math">
+                    <m:oMathParaPr>
+                      <m:jc m:val="centerGroup"/>
+                    </m:oMathParaPr>
+                    <m:oMath xmlns:m="http://schemas.openxmlformats.org/officeDocument/2006/math">
+                      <m:r>
+                        <a:rPr kumimoji="1" lang="en-US" altLang="zh-CN" sz="1600" i="1">
+                          <a:solidFill>
+                            <a:schemeClr val="tx1"/>
+                          </a:solidFill>
+                          <a:latin typeface="Cambria Math" panose="02040503050406030204" pitchFamily="18" charset="0"/>
+                        </a:rPr>
+                        <m:t>=</m:t>
+                      </m:r>
+                      <m:r>
+                        <a:rPr kumimoji="1" lang="en-US" altLang="zh-CN" sz="1600" i="1">
+                          <a:solidFill>
+                            <a:schemeClr val="tx1"/>
+                          </a:solidFill>
+                          <a:latin typeface="Cambria Math" panose="02040503050406030204" pitchFamily="18" charset="0"/>
+                        </a:rPr>
+                        <m:t>𝐽</m:t>
+                      </m:r>
+                      <m:d>
+                        <m:dPr>
+                          <m:ctrlPr>
+                            <a:rPr kumimoji="1" lang="en-US" altLang="zh-CN" sz="1600" i="1">
+                              <a:solidFill>
+                                <a:schemeClr val="tx1"/>
+                              </a:solidFill>
+                              <a:latin typeface="Cambria Math" panose="02040503050406030204" pitchFamily="18" charset="0"/>
+                            </a:rPr>
+                          </m:ctrlPr>
+                        </m:dPr>
+                        <m:e>
+                          <m:sSup>
+                            <m:sSupPr>
+                              <m:ctrlPr>
+                                <a:rPr kumimoji="1" lang="en-US" altLang="zh-CN" sz="1600" i="1">
+                                  <a:solidFill>
+                                    <a:schemeClr val="tx1"/>
+                                  </a:solidFill>
+                                  <a:latin typeface="Cambria Math" panose="02040503050406030204" pitchFamily="18" charset="0"/>
+                                </a:rPr>
+                              </m:ctrlPr>
+                            </m:sSupPr>
+                            <m:e>
+                              <m:r>
+                                <a:rPr kumimoji="1" lang="en-US" altLang="zh-CN" sz="1600" b="1" i="1">
+                                  <a:solidFill>
+                                    <a:schemeClr val="tx1"/>
+                                  </a:solidFill>
+                                  <a:latin typeface="Cambria Math" panose="02040503050406030204" pitchFamily="18" charset="0"/>
+                                </a:rPr>
+                                <m:t>𝒘</m:t>
+                              </m:r>
+                            </m:e>
+                            <m:sup>
+                              <m:r>
+                                <a:rPr kumimoji="1" lang="en-US" altLang="zh-CN" sz="1600" i="1">
+                                  <a:solidFill>
+                                    <a:schemeClr val="tx1"/>
+                                  </a:solidFill>
+                                  <a:latin typeface="Cambria Math" panose="02040503050406030204" pitchFamily="18" charset="0"/>
+                                </a:rPr>
+                                <m:t>∗</m:t>
+                              </m:r>
+                            </m:sup>
+                          </m:sSup>
+                          <m:r>
+                            <a:rPr kumimoji="1" lang="en-US" altLang="zh-CN" sz="1600" i="1">
+                              <a:solidFill>
+                                <a:schemeClr val="tx1"/>
+                              </a:solidFill>
+                              <a:latin typeface="Cambria Math" panose="02040503050406030204" pitchFamily="18" charset="0"/>
+                            </a:rPr>
+                            <m:t>;</m:t>
+                          </m:r>
+                          <m:r>
+                            <a:rPr kumimoji="1" lang="en-US" altLang="zh-CN" sz="1600" i="1">
+                              <a:solidFill>
+                                <a:schemeClr val="tx1"/>
+                              </a:solidFill>
+                              <a:latin typeface="Cambria Math" panose="02040503050406030204" pitchFamily="18" charset="0"/>
+                            </a:rPr>
+                            <m:t>𝑋</m:t>
+                          </m:r>
+                          <m:r>
+                            <a:rPr kumimoji="1" lang="en-US" altLang="zh-CN" sz="1600" i="1">
+                              <a:solidFill>
+                                <a:schemeClr val="tx1"/>
+                              </a:solidFill>
+                              <a:latin typeface="Cambria Math" panose="02040503050406030204" pitchFamily="18" charset="0"/>
+                            </a:rPr>
+                            <m:t>,</m:t>
+                          </m:r>
+                          <m:r>
+                            <a:rPr kumimoji="1" lang="en-US" altLang="zh-CN" sz="1600" i="1">
+                              <a:solidFill>
+                                <a:schemeClr val="tx1"/>
+                              </a:solidFill>
+                              <a:latin typeface="Cambria Math" panose="02040503050406030204" pitchFamily="18" charset="0"/>
+                            </a:rPr>
+                            <m:t>𝑦</m:t>
+                          </m:r>
+                        </m:e>
+                      </m:d>
+                      <m:r>
+                        <a:rPr kumimoji="1" lang="en-US" altLang="zh-CN" sz="1600" b="0" i="1" smtClean="0">
+                          <a:solidFill>
+                            <a:schemeClr val="tx1"/>
+                          </a:solidFill>
+                          <a:latin typeface="Cambria Math" panose="02040503050406030204" pitchFamily="18" charset="0"/>
+                        </a:rPr>
+                        <m:t>+</m:t>
+                      </m:r>
+                      <m:nary>
+                        <m:naryPr>
+                          <m:chr m:val="∑"/>
+                          <m:supHide m:val="on"/>
+                          <m:ctrlPr>
+                            <a:rPr kumimoji="1" lang="en-US" altLang="zh-CN" sz="1600" b="0" i="1" smtClean="0">
+                              <a:solidFill>
+                                <a:schemeClr val="tx1"/>
+                              </a:solidFill>
+                              <a:latin typeface="Cambria Math" panose="02040503050406030204" pitchFamily="18" charset="0"/>
+                            </a:rPr>
+                          </m:ctrlPr>
+                        </m:naryPr>
+                        <m:sub>
+                          <m:r>
+                            <a:rPr kumimoji="1" lang="en-US" altLang="zh-CN" sz="1600" b="0" i="1" smtClean="0">
+                              <a:solidFill>
+                                <a:schemeClr val="tx1"/>
+                              </a:solidFill>
+                              <a:latin typeface="Cambria Math" panose="02040503050406030204" pitchFamily="18" charset="0"/>
+                            </a:rPr>
+                            <m:t>𝑖</m:t>
+                          </m:r>
+                        </m:sub>
+                        <m:sup/>
+                        <m:e>
+                          <m:r>
+                            <a:rPr kumimoji="1" lang="en-US" altLang="zh-CN" sz="1600" b="0" i="1" smtClean="0">
+                              <a:solidFill>
+                                <a:schemeClr val="tx1"/>
+                              </a:solidFill>
+                              <a:latin typeface="Cambria Math" panose="02040503050406030204" pitchFamily="18" charset="0"/>
+                            </a:rPr>
+                            <m:t>[</m:t>
+                          </m:r>
+                          <m:f>
+                            <m:fPr>
+                              <m:ctrlPr>
+                                <a:rPr kumimoji="1" lang="en-US" altLang="zh-CN" sz="1600" b="0" i="1" smtClean="0">
+                                  <a:solidFill>
+                                    <a:schemeClr val="tx1"/>
+                                  </a:solidFill>
+                                  <a:latin typeface="Cambria Math" panose="02040503050406030204" pitchFamily="18" charset="0"/>
+                                </a:rPr>
+                              </m:ctrlPr>
+                            </m:fPr>
+                            <m:num>
+                              <m:r>
+                                <a:rPr kumimoji="1" lang="en-US" altLang="zh-CN" sz="1600" b="0" i="1" smtClean="0">
+                                  <a:solidFill>
+                                    <a:schemeClr val="tx1"/>
+                                  </a:solidFill>
+                                  <a:latin typeface="Cambria Math" panose="02040503050406030204" pitchFamily="18" charset="0"/>
+                                </a:rPr>
+                                <m:t>1</m:t>
+                              </m:r>
+                            </m:num>
+                            <m:den>
+                              <m:r>
+                                <a:rPr kumimoji="1" lang="en-US" altLang="zh-CN" sz="1600" b="0" i="1" smtClean="0">
+                                  <a:solidFill>
+                                    <a:schemeClr val="tx1"/>
+                                  </a:solidFill>
+                                  <a:latin typeface="Cambria Math" panose="02040503050406030204" pitchFamily="18" charset="0"/>
+                                </a:rPr>
+                                <m:t>2</m:t>
+                              </m:r>
+                            </m:den>
+                          </m:f>
+                          <m:sSub>
+                            <m:sSubPr>
+                              <m:ctrlPr>
+                                <a:rPr kumimoji="1" lang="en-US" altLang="zh-CN" sz="1600" b="0" i="1" smtClean="0">
+                                  <a:solidFill>
+                                    <a:schemeClr val="tx1"/>
+                                  </a:solidFill>
+                                  <a:latin typeface="Cambria Math" panose="02040503050406030204" pitchFamily="18" charset="0"/>
+                                </a:rPr>
+                              </m:ctrlPr>
+                            </m:sSubPr>
+                            <m:e>
+                              <m:r>
+                                <a:rPr kumimoji="1" lang="en-US" altLang="zh-CN" sz="1600" b="0" i="1" smtClean="0">
+                                  <a:solidFill>
+                                    <a:schemeClr val="tx1"/>
+                                  </a:solidFill>
+                                  <a:latin typeface="Cambria Math" panose="02040503050406030204" pitchFamily="18" charset="0"/>
+                                </a:rPr>
+                                <m:t>𝐻</m:t>
+                              </m:r>
+                            </m:e>
+                            <m:sub>
+                              <m:r>
+                                <a:rPr kumimoji="1" lang="en-US" altLang="zh-CN" sz="1600" b="0" i="1" smtClean="0">
+                                  <a:solidFill>
+                                    <a:schemeClr val="tx1"/>
+                                  </a:solidFill>
+                                  <a:latin typeface="Cambria Math" panose="02040503050406030204" pitchFamily="18" charset="0"/>
+                                </a:rPr>
+                                <m:t>𝑖</m:t>
+                              </m:r>
+                              <m:r>
+                                <a:rPr kumimoji="1" lang="en-US" altLang="zh-CN" sz="1600" b="0" i="1" smtClean="0">
+                                  <a:solidFill>
+                                    <a:schemeClr val="tx1"/>
+                                  </a:solidFill>
+                                  <a:latin typeface="Cambria Math" panose="02040503050406030204" pitchFamily="18" charset="0"/>
+                                </a:rPr>
+                                <m:t>,</m:t>
+                              </m:r>
+                              <m:r>
+                                <a:rPr kumimoji="1" lang="en-US" altLang="zh-CN" sz="1600" b="0" i="1" smtClean="0">
+                                  <a:solidFill>
+                                    <a:schemeClr val="tx1"/>
+                                  </a:solidFill>
+                                  <a:latin typeface="Cambria Math" panose="02040503050406030204" pitchFamily="18" charset="0"/>
+                                </a:rPr>
+                                <m:t>𝑖</m:t>
+                              </m:r>
+                            </m:sub>
+                          </m:sSub>
+                          <m:sSup>
+                            <m:sSupPr>
+                              <m:ctrlPr>
+                                <a:rPr kumimoji="1" lang="en-US" altLang="zh-CN" sz="1600" b="0" i="1" smtClean="0">
+                                  <a:solidFill>
+                                    <a:schemeClr val="tx1"/>
+                                  </a:solidFill>
+                                  <a:latin typeface="Cambria Math" panose="02040503050406030204" pitchFamily="18" charset="0"/>
+                                </a:rPr>
+                              </m:ctrlPr>
+                            </m:sSupPr>
+                            <m:e>
+                              <m:d>
+                                <m:dPr>
+                                  <m:ctrlPr>
+                                    <a:rPr kumimoji="1" lang="en-US" altLang="zh-CN" sz="1600" b="0" i="1" smtClean="0">
+                                      <a:solidFill>
+                                        <a:schemeClr val="tx1"/>
+                                      </a:solidFill>
+                                      <a:latin typeface="Cambria Math" panose="02040503050406030204" pitchFamily="18" charset="0"/>
+                                    </a:rPr>
+                                  </m:ctrlPr>
+                                </m:dPr>
+                                <m:e>
+                                  <m:sSub>
+                                    <m:sSubPr>
+                                      <m:ctrlPr>
+                                        <a:rPr kumimoji="1" lang="en-US" altLang="zh-CN" sz="1600" b="0" i="1" smtClean="0">
+                                          <a:solidFill>
+                                            <a:schemeClr val="tx1"/>
+                                          </a:solidFill>
+                                          <a:latin typeface="Cambria Math" panose="02040503050406030204" pitchFamily="18" charset="0"/>
+                                        </a:rPr>
+                                      </m:ctrlPr>
+                                    </m:sSubPr>
+                                    <m:e>
+                                      <m:r>
+                                        <a:rPr kumimoji="1" lang="en-US" altLang="zh-CN" sz="1600" b="0" i="1" smtClean="0">
+                                          <a:solidFill>
+                                            <a:schemeClr val="tx1"/>
+                                          </a:solidFill>
+                                          <a:latin typeface="Cambria Math" panose="02040503050406030204" pitchFamily="18" charset="0"/>
+                                        </a:rPr>
+                                        <m:t>𝑤</m:t>
+                                      </m:r>
+                                    </m:e>
+                                    <m:sub>
+                                      <m:r>
+                                        <a:rPr kumimoji="1" lang="en-US" altLang="zh-CN" sz="1600" b="0" i="1" smtClean="0">
+                                          <a:solidFill>
+                                            <a:schemeClr val="tx1"/>
+                                          </a:solidFill>
+                                          <a:latin typeface="Cambria Math" panose="02040503050406030204" pitchFamily="18" charset="0"/>
+                                        </a:rPr>
+                                        <m:t>𝑖</m:t>
+                                      </m:r>
+                                    </m:sub>
+                                  </m:sSub>
+                                  <m:r>
+                                    <a:rPr kumimoji="1" lang="en-US" altLang="zh-CN" sz="1600" b="0" i="1" smtClean="0">
+                                      <a:solidFill>
+                                        <a:schemeClr val="tx1"/>
+                                      </a:solidFill>
+                                      <a:latin typeface="Cambria Math" panose="02040503050406030204" pitchFamily="18" charset="0"/>
+                                    </a:rPr>
+                                    <m:t>−</m:t>
+                                  </m:r>
+                                  <m:sSubSup>
+                                    <m:sSubSupPr>
+                                      <m:ctrlPr>
+                                        <a:rPr kumimoji="1" lang="en-US" altLang="zh-CN" sz="1600" b="0" i="1" smtClean="0">
+                                          <a:solidFill>
+                                            <a:schemeClr val="tx1"/>
+                                          </a:solidFill>
+                                          <a:latin typeface="Cambria Math" panose="02040503050406030204" pitchFamily="18" charset="0"/>
+                                        </a:rPr>
+                                      </m:ctrlPr>
+                                    </m:sSubSupPr>
+                                    <m:e>
+                                      <m:r>
+                                        <a:rPr kumimoji="1" lang="en-US" altLang="zh-CN" sz="1600" b="0" i="1" smtClean="0">
+                                          <a:solidFill>
+                                            <a:schemeClr val="tx1"/>
+                                          </a:solidFill>
+                                          <a:latin typeface="Cambria Math" panose="02040503050406030204" pitchFamily="18" charset="0"/>
+                                        </a:rPr>
+                                        <m:t>𝑤</m:t>
+                                      </m:r>
+                                    </m:e>
+                                    <m:sub>
+                                      <m:r>
+                                        <a:rPr kumimoji="1" lang="en-US" altLang="zh-CN" sz="1600" b="0" i="1" smtClean="0">
+                                          <a:solidFill>
+                                            <a:schemeClr val="tx1"/>
+                                          </a:solidFill>
+                                          <a:latin typeface="Cambria Math" panose="02040503050406030204" pitchFamily="18" charset="0"/>
+                                        </a:rPr>
+                                        <m:t>𝑖</m:t>
+                                      </m:r>
+                                    </m:sub>
+                                    <m:sup>
+                                      <m:r>
+                                        <a:rPr kumimoji="1" lang="en-US" altLang="zh-CN" sz="1600" b="0" i="1" smtClean="0">
+                                          <a:solidFill>
+                                            <a:schemeClr val="tx1"/>
+                                          </a:solidFill>
+                                          <a:latin typeface="Cambria Math" panose="02040503050406030204" pitchFamily="18" charset="0"/>
+                                        </a:rPr>
+                                        <m:t>∗</m:t>
+                                      </m:r>
+                                    </m:sup>
+                                  </m:sSubSup>
+                                </m:e>
+                              </m:d>
+                            </m:e>
+                            <m:sup>
+                              <m:r>
+                                <a:rPr kumimoji="1" lang="en-US" altLang="zh-CN" sz="1600" b="0" i="1" smtClean="0">
+                                  <a:solidFill>
+                                    <a:schemeClr val="tx1"/>
+                                  </a:solidFill>
+                                  <a:latin typeface="Cambria Math" panose="02040503050406030204" pitchFamily="18" charset="0"/>
+                                </a:rPr>
+                                <m:t>2</m:t>
+                              </m:r>
+                            </m:sup>
+                          </m:sSup>
+                          <m:r>
+                            <a:rPr kumimoji="1" lang="en-US" altLang="zh-CN" sz="1600" b="0" i="1" smtClean="0">
+                              <a:solidFill>
+                                <a:schemeClr val="tx1"/>
+                              </a:solidFill>
+                              <a:latin typeface="Cambria Math" panose="02040503050406030204" pitchFamily="18" charset="0"/>
+                            </a:rPr>
+                            <m:t>+</m:t>
+                          </m:r>
+                          <m:r>
+                            <a:rPr kumimoji="1" lang="en-US" altLang="zh-CN" sz="1600" b="0" i="1" smtClean="0">
+                              <a:solidFill>
+                                <a:schemeClr val="tx1"/>
+                              </a:solidFill>
+                              <a:latin typeface="Cambria Math" panose="02040503050406030204" pitchFamily="18" charset="0"/>
+                            </a:rPr>
+                            <m:t>𝛼</m:t>
+                          </m:r>
+                          <m:r>
+                            <a:rPr kumimoji="1" lang="en-US" altLang="zh-CN" sz="1600" b="0" i="1" smtClean="0">
+                              <a:solidFill>
+                                <a:schemeClr val="tx1"/>
+                              </a:solidFill>
+                              <a:latin typeface="Cambria Math" panose="02040503050406030204" pitchFamily="18" charset="0"/>
+                            </a:rPr>
+                            <m:t>|</m:t>
+                          </m:r>
+                          <m:sSub>
+                            <m:sSubPr>
+                              <m:ctrlPr>
+                                <a:rPr kumimoji="1" lang="en-US" altLang="zh-CN" sz="1600" b="0" i="1" smtClean="0">
+                                  <a:solidFill>
+                                    <a:schemeClr val="tx1"/>
+                                  </a:solidFill>
+                                  <a:latin typeface="Cambria Math" panose="02040503050406030204" pitchFamily="18" charset="0"/>
+                                </a:rPr>
+                              </m:ctrlPr>
+                            </m:sSubPr>
+                            <m:e>
+                              <m:r>
+                                <a:rPr kumimoji="1" lang="en-US" altLang="zh-CN" sz="1600" b="0" i="1" smtClean="0">
+                                  <a:solidFill>
+                                    <a:schemeClr val="tx1"/>
+                                  </a:solidFill>
+                                  <a:latin typeface="Cambria Math" panose="02040503050406030204" pitchFamily="18" charset="0"/>
+                                </a:rPr>
+                                <m:t>𝑤</m:t>
+                              </m:r>
+                            </m:e>
+                            <m:sub>
+                              <m:r>
+                                <a:rPr kumimoji="1" lang="en-US" altLang="zh-CN" sz="1600" b="0" i="1" smtClean="0">
+                                  <a:solidFill>
+                                    <a:schemeClr val="tx1"/>
+                                  </a:solidFill>
+                                  <a:latin typeface="Cambria Math" panose="02040503050406030204" pitchFamily="18" charset="0"/>
+                                </a:rPr>
+                                <m:t>𝑖</m:t>
+                              </m:r>
+                            </m:sub>
+                          </m:sSub>
+                          <m:r>
+                            <a:rPr kumimoji="1" lang="en-US" altLang="zh-CN" sz="1600" b="0" i="1" smtClean="0">
+                              <a:solidFill>
+                                <a:schemeClr val="tx1"/>
+                              </a:solidFill>
+                              <a:latin typeface="Cambria Math" panose="02040503050406030204" pitchFamily="18" charset="0"/>
+                            </a:rPr>
+                            <m:t>|]</m:t>
+                          </m:r>
+                        </m:e>
+                      </m:nary>
+                    </m:oMath>
+                  </m:oMathPara>
+                </a14:m>
+                <a:endParaRPr kumimoji="1" lang="en-US" altLang="zh-CN" sz="1600" dirty="0">
+                  <a:solidFill>
+                    <a:schemeClr val="tx1"/>
+                  </a:solidFill>
+                </a:endParaRPr>
+              </a:p>
+              <a:p>
+                <a:pPr marL="0" indent="0" algn="ctr">
+                  <a:buNone/>
+                </a:pPr>
+                <a:endParaRPr kumimoji="1" lang="en-US" altLang="zh-CN" sz="1600" dirty="0">
+                  <a:solidFill>
+                    <a:schemeClr val="tx1"/>
+                  </a:solidFill>
+                </a:endParaRPr>
+              </a:p>
+              <a:p>
+                <a:pPr marL="0" indent="0">
+                  <a:buNone/>
+                </a:pPr>
+                <a:endParaRPr kumimoji="1" lang="en-US" altLang="zh-CN" sz="1600" dirty="0">
                   <a:solidFill>
                     <a:schemeClr val="tx1"/>
                   </a:solidFill>
@@ -15758,7 +19958,7 @@
               <a:blipFill>
                 <a:blip r:embed="rId2"/>
                 <a:stretch>
-                  <a:fillRect l="-661" t="-865"/>
+                  <a:fillRect l="-459" t="-12308" b="-22564"/>
                 </a:stretch>
               </a:blipFill>
             </p:spPr>
@@ -15767,7 +19967,7 @@
               <a:lstStyle/>
               <a:p>
                 <a:r>
-                  <a:rPr lang="en-US">
+                  <a:rPr lang="en-CN">
                     <a:noFill/>
                   </a:rPr>
                   <a:t> </a:t>
